--- a/Middleware&Filters.pptx
+++ b/Middleware&Filters.pptx
@@ -5,7 +5,7 @@
     <p:sldMasterId id="2147483648" r:id="rId1"/>
   </p:sldMasterIdLst>
   <p:notesMasterIdLst>
-    <p:notesMasterId r:id="rId63"/>
+    <p:notesMasterId r:id="rId73"/>
   </p:notesMasterIdLst>
   <p:sldIdLst>
     <p:sldId id="256" r:id="rId2"/>
@@ -69,6 +69,16 @@
     <p:sldId id="317" r:id="rId60"/>
     <p:sldId id="319" r:id="rId61"/>
     <p:sldId id="320" r:id="rId62"/>
+    <p:sldId id="322" r:id="rId63"/>
+    <p:sldId id="321" r:id="rId64"/>
+    <p:sldId id="323" r:id="rId65"/>
+    <p:sldId id="324" r:id="rId66"/>
+    <p:sldId id="325" r:id="rId67"/>
+    <p:sldId id="326" r:id="rId68"/>
+    <p:sldId id="327" r:id="rId69"/>
+    <p:sldId id="328" r:id="rId70"/>
+    <p:sldId id="329" r:id="rId71"/>
+    <p:sldId id="330" r:id="rId72"/>
   </p:sldIdLst>
   <p:sldSz cx="12192000" cy="6858000"/>
   <p:notesSz cx="6858000" cy="9144000"/>
@@ -257,7 +267,7 @@
           <a:p>
             <a:fld id="{1747B90C-FE49-44DE-93E7-FA9DDECBEA03}" type="datetimeFigureOut">
               <a:rPr lang="en-US" smtClean="0"/>
-              <a:t>09-Oct-19</a:t>
+              <a:t>10-Oct-19</a:t>
             </a:fld>
             <a:endParaRPr lang="en-US"/>
           </a:p>
@@ -3271,6 +3281,114 @@
 </p:notes>
 </file>
 
+<file path=ppt/notesSlides/notesSlide39.xml><?xml version="1.0" encoding="utf-8"?>
+<p:notes xmlns:a="http://schemas.openxmlformats.org/drawingml/2006/main" xmlns:r="http://schemas.openxmlformats.org/officeDocument/2006/relationships" xmlns:p="http://schemas.openxmlformats.org/presentationml/2006/main">
+  <p:cSld>
+    <p:spTree>
+      <p:nvGrpSpPr>
+        <p:cNvPr id="1" name=""/>
+        <p:cNvGrpSpPr/>
+        <p:nvPr/>
+      </p:nvGrpSpPr>
+      <p:grpSpPr>
+        <a:xfrm>
+          <a:off x="0" y="0"/>
+          <a:ext cx="0" cy="0"/>
+          <a:chOff x="0" y="0"/>
+          <a:chExt cx="0" cy="0"/>
+        </a:xfrm>
+      </p:grpSpPr>
+      <p:sp>
+        <p:nvSpPr>
+          <p:cNvPr id="2" name="Slide Image Placeholder 1"/>
+          <p:cNvSpPr>
+            <a:spLocks noGrp="1" noRot="1" noChangeAspect="1"/>
+          </p:cNvSpPr>
+          <p:nvPr>
+            <p:ph type="sldImg"/>
+          </p:nvPr>
+        </p:nvSpPr>
+        <p:spPr/>
+      </p:sp>
+      <p:sp>
+        <p:nvSpPr>
+          <p:cNvPr id="3" name="Notes Placeholder 2"/>
+          <p:cNvSpPr>
+            <a:spLocks noGrp="1"/>
+          </p:cNvSpPr>
+          <p:nvPr>
+            <p:ph type="body" idx="1"/>
+          </p:nvPr>
+        </p:nvSpPr>
+        <p:spPr/>
+        <p:txBody>
+          <a:bodyPr/>
+          <a:lstStyle/>
+          <a:p>
+            <a:r>
+              <a:rPr lang="ru-RU" dirty="0" smtClean="0"/>
+              <a:t>Аналог</a:t>
+            </a:r>
+            <a:r>
+              <a:rPr lang="ru-RU" baseline="0" dirty="0" smtClean="0"/>
+              <a:t> </a:t>
+            </a:r>
+            <a:r>
+              <a:rPr lang="en-US" baseline="0" dirty="0" smtClean="0"/>
+              <a:t>type </a:t>
+            </a:r>
+            <a:r>
+              <a:rPr lang="ru-RU" baseline="0" dirty="0" smtClean="0"/>
+              <a:t>и </a:t>
+            </a:r>
+            <a:r>
+              <a:rPr lang="en-US" baseline="0" dirty="0" smtClean="0"/>
+              <a:t>Service </a:t>
+            </a:r>
+            <a:r>
+              <a:rPr lang="ru-RU" baseline="0" dirty="0" smtClean="0"/>
+              <a:t>фильтров</a:t>
+            </a:r>
+            <a:endParaRPr lang="en-US" dirty="0"/>
+          </a:p>
+        </p:txBody>
+      </p:sp>
+      <p:sp>
+        <p:nvSpPr>
+          <p:cNvPr id="4" name="Slide Number Placeholder 3"/>
+          <p:cNvSpPr>
+            <a:spLocks noGrp="1"/>
+          </p:cNvSpPr>
+          <p:nvPr>
+            <p:ph type="sldNum" sz="quarter" idx="10"/>
+          </p:nvPr>
+        </p:nvSpPr>
+        <p:spPr/>
+        <p:txBody>
+          <a:bodyPr/>
+          <a:lstStyle/>
+          <a:p>
+            <a:fld id="{BA1D5B97-ACF5-4677-A104-92B2393AA446}" type="slidenum">
+              <a:rPr lang="en-US" smtClean="0"/>
+              <a:t>62</a:t>
+            </a:fld>
+            <a:endParaRPr lang="en-US"/>
+          </a:p>
+        </p:txBody>
+      </p:sp>
+    </p:spTree>
+    <p:extLst>
+      <p:ext uri="{BB962C8B-B14F-4D97-AF65-F5344CB8AC3E}">
+        <p14:creationId xmlns:p14="http://schemas.microsoft.com/office/powerpoint/2010/main" val="299886038"/>
+      </p:ext>
+    </p:extLst>
+  </p:cSld>
+  <p:clrMapOvr>
+    <a:masterClrMapping/>
+  </p:clrMapOvr>
+</p:notes>
+</file>
+
 <file path=ppt/notesSlides/notesSlide4.xml><?xml version="1.0" encoding="utf-8"?>
 <p:notes xmlns:a="http://schemas.openxmlformats.org/drawingml/2006/main" xmlns:r="http://schemas.openxmlformats.org/officeDocument/2006/relationships" xmlns:p="http://schemas.openxmlformats.org/presentationml/2006/main">
   <p:cSld>
@@ -3346,6 +3464,766 @@
     <p:extLst>
       <p:ext uri="{BB962C8B-B14F-4D97-AF65-F5344CB8AC3E}">
         <p14:creationId xmlns:p14="http://schemas.microsoft.com/office/powerpoint/2010/main" val="2804259370"/>
+      </p:ext>
+    </p:extLst>
+  </p:cSld>
+  <p:clrMapOvr>
+    <a:masterClrMapping/>
+  </p:clrMapOvr>
+</p:notes>
+</file>
+
+<file path=ppt/notesSlides/notesSlide40.xml><?xml version="1.0" encoding="utf-8"?>
+<p:notes xmlns:a="http://schemas.openxmlformats.org/drawingml/2006/main" xmlns:r="http://schemas.openxmlformats.org/officeDocument/2006/relationships" xmlns:p="http://schemas.openxmlformats.org/presentationml/2006/main">
+  <p:cSld>
+    <p:spTree>
+      <p:nvGrpSpPr>
+        <p:cNvPr id="1" name=""/>
+        <p:cNvGrpSpPr/>
+        <p:nvPr/>
+      </p:nvGrpSpPr>
+      <p:grpSpPr>
+        <a:xfrm>
+          <a:off x="0" y="0"/>
+          <a:ext cx="0" cy="0"/>
+          <a:chOff x="0" y="0"/>
+          <a:chExt cx="0" cy="0"/>
+        </a:xfrm>
+      </p:grpSpPr>
+      <p:sp>
+        <p:nvSpPr>
+          <p:cNvPr id="2" name="Slide Image Placeholder 1"/>
+          <p:cNvSpPr>
+            <a:spLocks noGrp="1" noRot="1" noChangeAspect="1"/>
+          </p:cNvSpPr>
+          <p:nvPr>
+            <p:ph type="sldImg"/>
+          </p:nvPr>
+        </p:nvSpPr>
+        <p:spPr/>
+      </p:sp>
+      <p:sp>
+        <p:nvSpPr>
+          <p:cNvPr id="3" name="Notes Placeholder 2"/>
+          <p:cNvSpPr>
+            <a:spLocks noGrp="1"/>
+          </p:cNvSpPr>
+          <p:nvPr>
+            <p:ph type="body" idx="1"/>
+          </p:nvPr>
+        </p:nvSpPr>
+        <p:spPr/>
+        <p:txBody>
+          <a:bodyPr/>
+          <a:lstStyle/>
+          <a:p>
+            <a:r>
+              <a:rPr lang="en-US" dirty="0" smtClean="0"/>
+              <a:t>No filters</a:t>
+            </a:r>
+            <a:endParaRPr lang="en-US" dirty="0"/>
+          </a:p>
+        </p:txBody>
+      </p:sp>
+      <p:sp>
+        <p:nvSpPr>
+          <p:cNvPr id="4" name="Slide Number Placeholder 3"/>
+          <p:cNvSpPr>
+            <a:spLocks noGrp="1"/>
+          </p:cNvSpPr>
+          <p:nvPr>
+            <p:ph type="sldNum" sz="quarter" idx="10"/>
+          </p:nvPr>
+        </p:nvSpPr>
+        <p:spPr/>
+        <p:txBody>
+          <a:bodyPr/>
+          <a:lstStyle/>
+          <a:p>
+            <a:fld id="{BA1D5B97-ACF5-4677-A104-92B2393AA446}" type="slidenum">
+              <a:rPr lang="en-US" smtClean="0"/>
+              <a:t>63</a:t>
+            </a:fld>
+            <a:endParaRPr lang="en-US"/>
+          </a:p>
+        </p:txBody>
+      </p:sp>
+    </p:spTree>
+    <p:extLst>
+      <p:ext uri="{BB962C8B-B14F-4D97-AF65-F5344CB8AC3E}">
+        <p14:creationId xmlns:p14="http://schemas.microsoft.com/office/powerpoint/2010/main" val="657862575"/>
+      </p:ext>
+    </p:extLst>
+  </p:cSld>
+  <p:clrMapOvr>
+    <a:masterClrMapping/>
+  </p:clrMapOvr>
+</p:notes>
+</file>
+
+<file path=ppt/notesSlides/notesSlide41.xml><?xml version="1.0" encoding="utf-8"?>
+<p:notes xmlns:a="http://schemas.openxmlformats.org/drawingml/2006/main" xmlns:r="http://schemas.openxmlformats.org/officeDocument/2006/relationships" xmlns:p="http://schemas.openxmlformats.org/presentationml/2006/main">
+  <p:cSld>
+    <p:spTree>
+      <p:nvGrpSpPr>
+        <p:cNvPr id="1" name=""/>
+        <p:cNvGrpSpPr/>
+        <p:nvPr/>
+      </p:nvGrpSpPr>
+      <p:grpSpPr>
+        <a:xfrm>
+          <a:off x="0" y="0"/>
+          <a:ext cx="0" cy="0"/>
+          <a:chOff x="0" y="0"/>
+          <a:chExt cx="0" cy="0"/>
+        </a:xfrm>
+      </p:grpSpPr>
+      <p:sp>
+        <p:nvSpPr>
+          <p:cNvPr id="2" name="Slide Image Placeholder 1"/>
+          <p:cNvSpPr>
+            <a:spLocks noGrp="1" noRot="1" noChangeAspect="1"/>
+          </p:cNvSpPr>
+          <p:nvPr>
+            <p:ph type="sldImg"/>
+          </p:nvPr>
+        </p:nvSpPr>
+        <p:spPr/>
+      </p:sp>
+      <p:sp>
+        <p:nvSpPr>
+          <p:cNvPr id="3" name="Notes Placeholder 2"/>
+          <p:cNvSpPr>
+            <a:spLocks noGrp="1"/>
+          </p:cNvSpPr>
+          <p:nvPr>
+            <p:ph type="body" idx="1"/>
+          </p:nvPr>
+        </p:nvSpPr>
+        <p:spPr/>
+        <p:txBody>
+          <a:bodyPr/>
+          <a:lstStyle/>
+          <a:p>
+            <a:endParaRPr lang="en-US" dirty="0"/>
+          </a:p>
+        </p:txBody>
+      </p:sp>
+      <p:sp>
+        <p:nvSpPr>
+          <p:cNvPr id="4" name="Slide Number Placeholder 3"/>
+          <p:cNvSpPr>
+            <a:spLocks noGrp="1"/>
+          </p:cNvSpPr>
+          <p:nvPr>
+            <p:ph type="sldNum" sz="quarter" idx="10"/>
+          </p:nvPr>
+        </p:nvSpPr>
+        <p:spPr/>
+        <p:txBody>
+          <a:bodyPr/>
+          <a:lstStyle/>
+          <a:p>
+            <a:fld id="{BA1D5B97-ACF5-4677-A104-92B2393AA446}" type="slidenum">
+              <a:rPr lang="en-US" smtClean="0"/>
+              <a:t>64</a:t>
+            </a:fld>
+            <a:endParaRPr lang="en-US"/>
+          </a:p>
+        </p:txBody>
+      </p:sp>
+    </p:spTree>
+    <p:extLst>
+      <p:ext uri="{BB962C8B-B14F-4D97-AF65-F5344CB8AC3E}">
+        <p14:creationId xmlns:p14="http://schemas.microsoft.com/office/powerpoint/2010/main" val="2509044022"/>
+      </p:ext>
+    </p:extLst>
+  </p:cSld>
+  <p:clrMapOvr>
+    <a:masterClrMapping/>
+  </p:clrMapOvr>
+</p:notes>
+</file>
+
+<file path=ppt/notesSlides/notesSlide42.xml><?xml version="1.0" encoding="utf-8"?>
+<p:notes xmlns:a="http://schemas.openxmlformats.org/drawingml/2006/main" xmlns:r="http://schemas.openxmlformats.org/officeDocument/2006/relationships" xmlns:p="http://schemas.openxmlformats.org/presentationml/2006/main">
+  <p:cSld>
+    <p:spTree>
+      <p:nvGrpSpPr>
+        <p:cNvPr id="1" name=""/>
+        <p:cNvGrpSpPr/>
+        <p:nvPr/>
+      </p:nvGrpSpPr>
+      <p:grpSpPr>
+        <a:xfrm>
+          <a:off x="0" y="0"/>
+          <a:ext cx="0" cy="0"/>
+          <a:chOff x="0" y="0"/>
+          <a:chExt cx="0" cy="0"/>
+        </a:xfrm>
+      </p:grpSpPr>
+      <p:sp>
+        <p:nvSpPr>
+          <p:cNvPr id="2" name="Slide Image Placeholder 1"/>
+          <p:cNvSpPr>
+            <a:spLocks noGrp="1" noRot="1" noChangeAspect="1"/>
+          </p:cNvSpPr>
+          <p:nvPr>
+            <p:ph type="sldImg"/>
+          </p:nvPr>
+        </p:nvSpPr>
+        <p:spPr/>
+      </p:sp>
+      <p:sp>
+        <p:nvSpPr>
+          <p:cNvPr id="3" name="Notes Placeholder 2"/>
+          <p:cNvSpPr>
+            <a:spLocks noGrp="1"/>
+          </p:cNvSpPr>
+          <p:nvPr>
+            <p:ph type="body" idx="1"/>
+          </p:nvPr>
+        </p:nvSpPr>
+        <p:spPr/>
+        <p:txBody>
+          <a:bodyPr/>
+          <a:lstStyle/>
+          <a:p>
+            <a:endParaRPr lang="en-US" dirty="0"/>
+          </a:p>
+        </p:txBody>
+      </p:sp>
+      <p:sp>
+        <p:nvSpPr>
+          <p:cNvPr id="4" name="Slide Number Placeholder 3"/>
+          <p:cNvSpPr>
+            <a:spLocks noGrp="1"/>
+          </p:cNvSpPr>
+          <p:nvPr>
+            <p:ph type="sldNum" sz="quarter" idx="10"/>
+          </p:nvPr>
+        </p:nvSpPr>
+        <p:spPr/>
+        <p:txBody>
+          <a:bodyPr/>
+          <a:lstStyle/>
+          <a:p>
+            <a:fld id="{BA1D5B97-ACF5-4677-A104-92B2393AA446}" type="slidenum">
+              <a:rPr lang="en-US" smtClean="0"/>
+              <a:t>65</a:t>
+            </a:fld>
+            <a:endParaRPr lang="en-US"/>
+          </a:p>
+        </p:txBody>
+      </p:sp>
+    </p:spTree>
+    <p:extLst>
+      <p:ext uri="{BB962C8B-B14F-4D97-AF65-F5344CB8AC3E}">
+        <p14:creationId xmlns:p14="http://schemas.microsoft.com/office/powerpoint/2010/main" val="2676055105"/>
+      </p:ext>
+    </p:extLst>
+  </p:cSld>
+  <p:clrMapOvr>
+    <a:masterClrMapping/>
+  </p:clrMapOvr>
+</p:notes>
+</file>
+
+<file path=ppt/notesSlides/notesSlide43.xml><?xml version="1.0" encoding="utf-8"?>
+<p:notes xmlns:a="http://schemas.openxmlformats.org/drawingml/2006/main" xmlns:r="http://schemas.openxmlformats.org/officeDocument/2006/relationships" xmlns:p="http://schemas.openxmlformats.org/presentationml/2006/main">
+  <p:cSld>
+    <p:spTree>
+      <p:nvGrpSpPr>
+        <p:cNvPr id="1" name=""/>
+        <p:cNvGrpSpPr/>
+        <p:nvPr/>
+      </p:nvGrpSpPr>
+      <p:grpSpPr>
+        <a:xfrm>
+          <a:off x="0" y="0"/>
+          <a:ext cx="0" cy="0"/>
+          <a:chOff x="0" y="0"/>
+          <a:chExt cx="0" cy="0"/>
+        </a:xfrm>
+      </p:grpSpPr>
+      <p:sp>
+        <p:nvSpPr>
+          <p:cNvPr id="2" name="Slide Image Placeholder 1"/>
+          <p:cNvSpPr>
+            <a:spLocks noGrp="1" noRot="1" noChangeAspect="1"/>
+          </p:cNvSpPr>
+          <p:nvPr>
+            <p:ph type="sldImg"/>
+          </p:nvPr>
+        </p:nvSpPr>
+        <p:spPr/>
+      </p:sp>
+      <p:sp>
+        <p:nvSpPr>
+          <p:cNvPr id="3" name="Notes Placeholder 2"/>
+          <p:cNvSpPr>
+            <a:spLocks noGrp="1"/>
+          </p:cNvSpPr>
+          <p:nvPr>
+            <p:ph type="body" idx="1"/>
+          </p:nvPr>
+        </p:nvSpPr>
+        <p:spPr/>
+        <p:txBody>
+          <a:bodyPr/>
+          <a:lstStyle/>
+          <a:p>
+            <a:endParaRPr lang="en-US" dirty="0"/>
+          </a:p>
+        </p:txBody>
+      </p:sp>
+      <p:sp>
+        <p:nvSpPr>
+          <p:cNvPr id="4" name="Slide Number Placeholder 3"/>
+          <p:cNvSpPr>
+            <a:spLocks noGrp="1"/>
+          </p:cNvSpPr>
+          <p:nvPr>
+            <p:ph type="sldNum" sz="quarter" idx="10"/>
+          </p:nvPr>
+        </p:nvSpPr>
+        <p:spPr/>
+        <p:txBody>
+          <a:bodyPr/>
+          <a:lstStyle/>
+          <a:p>
+            <a:fld id="{BA1D5B97-ACF5-4677-A104-92B2393AA446}" type="slidenum">
+              <a:rPr lang="en-US" smtClean="0"/>
+              <a:t>66</a:t>
+            </a:fld>
+            <a:endParaRPr lang="en-US"/>
+          </a:p>
+        </p:txBody>
+      </p:sp>
+    </p:spTree>
+    <p:extLst>
+      <p:ext uri="{BB962C8B-B14F-4D97-AF65-F5344CB8AC3E}">
+        <p14:creationId xmlns:p14="http://schemas.microsoft.com/office/powerpoint/2010/main" val="1726687750"/>
+      </p:ext>
+    </p:extLst>
+  </p:cSld>
+  <p:clrMapOvr>
+    <a:masterClrMapping/>
+  </p:clrMapOvr>
+</p:notes>
+</file>
+
+<file path=ppt/notesSlides/notesSlide44.xml><?xml version="1.0" encoding="utf-8"?>
+<p:notes xmlns:a="http://schemas.openxmlformats.org/drawingml/2006/main" xmlns:r="http://schemas.openxmlformats.org/officeDocument/2006/relationships" xmlns:p="http://schemas.openxmlformats.org/presentationml/2006/main">
+  <p:cSld>
+    <p:spTree>
+      <p:nvGrpSpPr>
+        <p:cNvPr id="1" name=""/>
+        <p:cNvGrpSpPr/>
+        <p:nvPr/>
+      </p:nvGrpSpPr>
+      <p:grpSpPr>
+        <a:xfrm>
+          <a:off x="0" y="0"/>
+          <a:ext cx="0" cy="0"/>
+          <a:chOff x="0" y="0"/>
+          <a:chExt cx="0" cy="0"/>
+        </a:xfrm>
+      </p:grpSpPr>
+      <p:sp>
+        <p:nvSpPr>
+          <p:cNvPr id="2" name="Slide Image Placeholder 1"/>
+          <p:cNvSpPr>
+            <a:spLocks noGrp="1" noRot="1" noChangeAspect="1"/>
+          </p:cNvSpPr>
+          <p:nvPr>
+            <p:ph type="sldImg"/>
+          </p:nvPr>
+        </p:nvSpPr>
+        <p:spPr/>
+      </p:sp>
+      <p:sp>
+        <p:nvSpPr>
+          <p:cNvPr id="3" name="Notes Placeholder 2"/>
+          <p:cNvSpPr>
+            <a:spLocks noGrp="1"/>
+          </p:cNvSpPr>
+          <p:nvPr>
+            <p:ph type="body" idx="1"/>
+          </p:nvPr>
+        </p:nvSpPr>
+        <p:spPr/>
+        <p:txBody>
+          <a:bodyPr/>
+          <a:lstStyle/>
+          <a:p>
+            <a:endParaRPr lang="en-US" dirty="0"/>
+          </a:p>
+        </p:txBody>
+      </p:sp>
+      <p:sp>
+        <p:nvSpPr>
+          <p:cNvPr id="4" name="Slide Number Placeholder 3"/>
+          <p:cNvSpPr>
+            <a:spLocks noGrp="1"/>
+          </p:cNvSpPr>
+          <p:nvPr>
+            <p:ph type="sldNum" sz="quarter" idx="10"/>
+          </p:nvPr>
+        </p:nvSpPr>
+        <p:spPr/>
+        <p:txBody>
+          <a:bodyPr/>
+          <a:lstStyle/>
+          <a:p>
+            <a:fld id="{BA1D5B97-ACF5-4677-A104-92B2393AA446}" type="slidenum">
+              <a:rPr lang="en-US" smtClean="0"/>
+              <a:t>67</a:t>
+            </a:fld>
+            <a:endParaRPr lang="en-US"/>
+          </a:p>
+        </p:txBody>
+      </p:sp>
+    </p:spTree>
+    <p:extLst>
+      <p:ext uri="{BB962C8B-B14F-4D97-AF65-F5344CB8AC3E}">
+        <p14:creationId xmlns:p14="http://schemas.microsoft.com/office/powerpoint/2010/main" val="2687915872"/>
+      </p:ext>
+    </p:extLst>
+  </p:cSld>
+  <p:clrMapOvr>
+    <a:masterClrMapping/>
+  </p:clrMapOvr>
+</p:notes>
+</file>
+
+<file path=ppt/notesSlides/notesSlide45.xml><?xml version="1.0" encoding="utf-8"?>
+<p:notes xmlns:a="http://schemas.openxmlformats.org/drawingml/2006/main" xmlns:r="http://schemas.openxmlformats.org/officeDocument/2006/relationships" xmlns:p="http://schemas.openxmlformats.org/presentationml/2006/main">
+  <p:cSld>
+    <p:spTree>
+      <p:nvGrpSpPr>
+        <p:cNvPr id="1" name=""/>
+        <p:cNvGrpSpPr/>
+        <p:nvPr/>
+      </p:nvGrpSpPr>
+      <p:grpSpPr>
+        <a:xfrm>
+          <a:off x="0" y="0"/>
+          <a:ext cx="0" cy="0"/>
+          <a:chOff x="0" y="0"/>
+          <a:chExt cx="0" cy="0"/>
+        </a:xfrm>
+      </p:grpSpPr>
+      <p:sp>
+        <p:nvSpPr>
+          <p:cNvPr id="2" name="Slide Image Placeholder 1"/>
+          <p:cNvSpPr>
+            <a:spLocks noGrp="1" noRot="1" noChangeAspect="1"/>
+          </p:cNvSpPr>
+          <p:nvPr>
+            <p:ph type="sldImg"/>
+          </p:nvPr>
+        </p:nvSpPr>
+        <p:spPr/>
+      </p:sp>
+      <p:sp>
+        <p:nvSpPr>
+          <p:cNvPr id="3" name="Notes Placeholder 2"/>
+          <p:cNvSpPr>
+            <a:spLocks noGrp="1"/>
+          </p:cNvSpPr>
+          <p:nvPr>
+            <p:ph type="body" idx="1"/>
+          </p:nvPr>
+        </p:nvSpPr>
+        <p:spPr/>
+        <p:txBody>
+          <a:bodyPr/>
+          <a:lstStyle/>
+          <a:p>
+            <a:endParaRPr lang="en-US" dirty="0"/>
+          </a:p>
+        </p:txBody>
+      </p:sp>
+      <p:sp>
+        <p:nvSpPr>
+          <p:cNvPr id="4" name="Slide Number Placeholder 3"/>
+          <p:cNvSpPr>
+            <a:spLocks noGrp="1"/>
+          </p:cNvSpPr>
+          <p:nvPr>
+            <p:ph type="sldNum" sz="quarter" idx="10"/>
+          </p:nvPr>
+        </p:nvSpPr>
+        <p:spPr/>
+        <p:txBody>
+          <a:bodyPr/>
+          <a:lstStyle/>
+          <a:p>
+            <a:fld id="{BA1D5B97-ACF5-4677-A104-92B2393AA446}" type="slidenum">
+              <a:rPr lang="en-US" smtClean="0"/>
+              <a:t>68</a:t>
+            </a:fld>
+            <a:endParaRPr lang="en-US"/>
+          </a:p>
+        </p:txBody>
+      </p:sp>
+    </p:spTree>
+    <p:extLst>
+      <p:ext uri="{BB962C8B-B14F-4D97-AF65-F5344CB8AC3E}">
+        <p14:creationId xmlns:p14="http://schemas.microsoft.com/office/powerpoint/2010/main" val="1406579775"/>
+      </p:ext>
+    </p:extLst>
+  </p:cSld>
+  <p:clrMapOvr>
+    <a:masterClrMapping/>
+  </p:clrMapOvr>
+</p:notes>
+</file>
+
+<file path=ppt/notesSlides/notesSlide46.xml><?xml version="1.0" encoding="utf-8"?>
+<p:notes xmlns:a="http://schemas.openxmlformats.org/drawingml/2006/main" xmlns:r="http://schemas.openxmlformats.org/officeDocument/2006/relationships" xmlns:p="http://schemas.openxmlformats.org/presentationml/2006/main">
+  <p:cSld>
+    <p:spTree>
+      <p:nvGrpSpPr>
+        <p:cNvPr id="1" name=""/>
+        <p:cNvGrpSpPr/>
+        <p:nvPr/>
+      </p:nvGrpSpPr>
+      <p:grpSpPr>
+        <a:xfrm>
+          <a:off x="0" y="0"/>
+          <a:ext cx="0" cy="0"/>
+          <a:chOff x="0" y="0"/>
+          <a:chExt cx="0" cy="0"/>
+        </a:xfrm>
+      </p:grpSpPr>
+      <p:sp>
+        <p:nvSpPr>
+          <p:cNvPr id="2" name="Slide Image Placeholder 1"/>
+          <p:cNvSpPr>
+            <a:spLocks noGrp="1" noRot="1" noChangeAspect="1"/>
+          </p:cNvSpPr>
+          <p:nvPr>
+            <p:ph type="sldImg"/>
+          </p:nvPr>
+        </p:nvSpPr>
+        <p:spPr/>
+      </p:sp>
+      <p:sp>
+        <p:nvSpPr>
+          <p:cNvPr id="3" name="Notes Placeholder 2"/>
+          <p:cNvSpPr>
+            <a:spLocks noGrp="1"/>
+          </p:cNvSpPr>
+          <p:nvPr>
+            <p:ph type="body" idx="1"/>
+          </p:nvPr>
+        </p:nvSpPr>
+        <p:spPr/>
+        <p:txBody>
+          <a:bodyPr/>
+          <a:lstStyle/>
+          <a:p>
+            <a:endParaRPr lang="en-US" dirty="0"/>
+          </a:p>
+        </p:txBody>
+      </p:sp>
+      <p:sp>
+        <p:nvSpPr>
+          <p:cNvPr id="4" name="Slide Number Placeholder 3"/>
+          <p:cNvSpPr>
+            <a:spLocks noGrp="1"/>
+          </p:cNvSpPr>
+          <p:nvPr>
+            <p:ph type="sldNum" sz="quarter" idx="10"/>
+          </p:nvPr>
+        </p:nvSpPr>
+        <p:spPr/>
+        <p:txBody>
+          <a:bodyPr/>
+          <a:lstStyle/>
+          <a:p>
+            <a:fld id="{BA1D5B97-ACF5-4677-A104-92B2393AA446}" type="slidenum">
+              <a:rPr lang="en-US" smtClean="0"/>
+              <a:t>69</a:t>
+            </a:fld>
+            <a:endParaRPr lang="en-US"/>
+          </a:p>
+        </p:txBody>
+      </p:sp>
+    </p:spTree>
+    <p:extLst>
+      <p:ext uri="{BB962C8B-B14F-4D97-AF65-F5344CB8AC3E}">
+        <p14:creationId xmlns:p14="http://schemas.microsoft.com/office/powerpoint/2010/main" val="3544279910"/>
+      </p:ext>
+    </p:extLst>
+  </p:cSld>
+  <p:clrMapOvr>
+    <a:masterClrMapping/>
+  </p:clrMapOvr>
+</p:notes>
+</file>
+
+<file path=ppt/notesSlides/notesSlide47.xml><?xml version="1.0" encoding="utf-8"?>
+<p:notes xmlns:a="http://schemas.openxmlformats.org/drawingml/2006/main" xmlns:r="http://schemas.openxmlformats.org/officeDocument/2006/relationships" xmlns:p="http://schemas.openxmlformats.org/presentationml/2006/main">
+  <p:cSld>
+    <p:spTree>
+      <p:nvGrpSpPr>
+        <p:cNvPr id="1" name=""/>
+        <p:cNvGrpSpPr/>
+        <p:nvPr/>
+      </p:nvGrpSpPr>
+      <p:grpSpPr>
+        <a:xfrm>
+          <a:off x="0" y="0"/>
+          <a:ext cx="0" cy="0"/>
+          <a:chOff x="0" y="0"/>
+          <a:chExt cx="0" cy="0"/>
+        </a:xfrm>
+      </p:grpSpPr>
+      <p:sp>
+        <p:nvSpPr>
+          <p:cNvPr id="2" name="Slide Image Placeholder 1"/>
+          <p:cNvSpPr>
+            <a:spLocks noGrp="1" noRot="1" noChangeAspect="1"/>
+          </p:cNvSpPr>
+          <p:nvPr>
+            <p:ph type="sldImg"/>
+          </p:nvPr>
+        </p:nvSpPr>
+        <p:spPr/>
+      </p:sp>
+      <p:sp>
+        <p:nvSpPr>
+          <p:cNvPr id="3" name="Notes Placeholder 2"/>
+          <p:cNvSpPr>
+            <a:spLocks noGrp="1"/>
+          </p:cNvSpPr>
+          <p:nvPr>
+            <p:ph type="body" idx="1"/>
+          </p:nvPr>
+        </p:nvSpPr>
+        <p:spPr/>
+        <p:txBody>
+          <a:bodyPr/>
+          <a:lstStyle/>
+          <a:p>
+            <a:endParaRPr lang="en-US" dirty="0"/>
+          </a:p>
+        </p:txBody>
+      </p:sp>
+      <p:sp>
+        <p:nvSpPr>
+          <p:cNvPr id="4" name="Slide Number Placeholder 3"/>
+          <p:cNvSpPr>
+            <a:spLocks noGrp="1"/>
+          </p:cNvSpPr>
+          <p:nvPr>
+            <p:ph type="sldNum" sz="quarter" idx="10"/>
+          </p:nvPr>
+        </p:nvSpPr>
+        <p:spPr/>
+        <p:txBody>
+          <a:bodyPr/>
+          <a:lstStyle/>
+          <a:p>
+            <a:fld id="{BA1D5B97-ACF5-4677-A104-92B2393AA446}" type="slidenum">
+              <a:rPr lang="en-US" smtClean="0"/>
+              <a:t>70</a:t>
+            </a:fld>
+            <a:endParaRPr lang="en-US"/>
+          </a:p>
+        </p:txBody>
+      </p:sp>
+    </p:spTree>
+    <p:extLst>
+      <p:ext uri="{BB962C8B-B14F-4D97-AF65-F5344CB8AC3E}">
+        <p14:creationId xmlns:p14="http://schemas.microsoft.com/office/powerpoint/2010/main" val="1197403115"/>
+      </p:ext>
+    </p:extLst>
+  </p:cSld>
+  <p:clrMapOvr>
+    <a:masterClrMapping/>
+  </p:clrMapOvr>
+</p:notes>
+</file>
+
+<file path=ppt/notesSlides/notesSlide48.xml><?xml version="1.0" encoding="utf-8"?>
+<p:notes xmlns:a="http://schemas.openxmlformats.org/drawingml/2006/main" xmlns:r="http://schemas.openxmlformats.org/officeDocument/2006/relationships" xmlns:p="http://schemas.openxmlformats.org/presentationml/2006/main">
+  <p:cSld>
+    <p:spTree>
+      <p:nvGrpSpPr>
+        <p:cNvPr id="1" name=""/>
+        <p:cNvGrpSpPr/>
+        <p:nvPr/>
+      </p:nvGrpSpPr>
+      <p:grpSpPr>
+        <a:xfrm>
+          <a:off x="0" y="0"/>
+          <a:ext cx="0" cy="0"/>
+          <a:chOff x="0" y="0"/>
+          <a:chExt cx="0" cy="0"/>
+        </a:xfrm>
+      </p:grpSpPr>
+      <p:sp>
+        <p:nvSpPr>
+          <p:cNvPr id="2" name="Slide Image Placeholder 1"/>
+          <p:cNvSpPr>
+            <a:spLocks noGrp="1" noRot="1" noChangeAspect="1"/>
+          </p:cNvSpPr>
+          <p:nvPr>
+            <p:ph type="sldImg"/>
+          </p:nvPr>
+        </p:nvSpPr>
+        <p:spPr/>
+      </p:sp>
+      <p:sp>
+        <p:nvSpPr>
+          <p:cNvPr id="3" name="Notes Placeholder 2"/>
+          <p:cNvSpPr>
+            <a:spLocks noGrp="1"/>
+          </p:cNvSpPr>
+          <p:nvPr>
+            <p:ph type="body" idx="1"/>
+          </p:nvPr>
+        </p:nvSpPr>
+        <p:spPr/>
+        <p:txBody>
+          <a:bodyPr/>
+          <a:lstStyle/>
+          <a:p>
+            <a:endParaRPr lang="en-US" dirty="0"/>
+          </a:p>
+        </p:txBody>
+      </p:sp>
+      <p:sp>
+        <p:nvSpPr>
+          <p:cNvPr id="4" name="Slide Number Placeholder 3"/>
+          <p:cNvSpPr>
+            <a:spLocks noGrp="1"/>
+          </p:cNvSpPr>
+          <p:nvPr>
+            <p:ph type="sldNum" sz="quarter" idx="10"/>
+          </p:nvPr>
+        </p:nvSpPr>
+        <p:spPr/>
+        <p:txBody>
+          <a:bodyPr/>
+          <a:lstStyle/>
+          <a:p>
+            <a:fld id="{BA1D5B97-ACF5-4677-A104-92B2393AA446}" type="slidenum">
+              <a:rPr lang="en-US" smtClean="0"/>
+              <a:t>71</a:t>
+            </a:fld>
+            <a:endParaRPr lang="en-US"/>
+          </a:p>
+        </p:txBody>
+      </p:sp>
+    </p:spTree>
+    <p:extLst>
+      <p:ext uri="{BB962C8B-B14F-4D97-AF65-F5344CB8AC3E}">
+        <p14:creationId xmlns:p14="http://schemas.microsoft.com/office/powerpoint/2010/main" val="515334132"/>
       </p:ext>
     </p:extLst>
   </p:cSld>
@@ -3906,7 +4784,7 @@
           <a:p>
             <a:fld id="{622E22BE-79DE-4FFF-A515-BF1CA8DF801A}" type="datetimeFigureOut">
               <a:rPr lang="en-US" smtClean="0"/>
-              <a:t>09-Oct-19</a:t>
+              <a:t>10-Oct-19</a:t>
             </a:fld>
             <a:endParaRPr lang="en-US"/>
           </a:p>
@@ -4076,7 +4954,7 @@
           <a:p>
             <a:fld id="{622E22BE-79DE-4FFF-A515-BF1CA8DF801A}" type="datetimeFigureOut">
               <a:rPr lang="en-US" smtClean="0"/>
-              <a:t>09-Oct-19</a:t>
+              <a:t>10-Oct-19</a:t>
             </a:fld>
             <a:endParaRPr lang="en-US"/>
           </a:p>
@@ -4256,7 +5134,7 @@
           <a:p>
             <a:fld id="{622E22BE-79DE-4FFF-A515-BF1CA8DF801A}" type="datetimeFigureOut">
               <a:rPr lang="en-US" smtClean="0"/>
-              <a:t>09-Oct-19</a:t>
+              <a:t>10-Oct-19</a:t>
             </a:fld>
             <a:endParaRPr lang="en-US"/>
           </a:p>
@@ -4426,7 +5304,7 @@
           <a:p>
             <a:fld id="{622E22BE-79DE-4FFF-A515-BF1CA8DF801A}" type="datetimeFigureOut">
               <a:rPr lang="en-US" smtClean="0"/>
-              <a:t>09-Oct-19</a:t>
+              <a:t>10-Oct-19</a:t>
             </a:fld>
             <a:endParaRPr lang="en-US"/>
           </a:p>
@@ -4672,7 +5550,7 @@
           <a:p>
             <a:fld id="{622E22BE-79DE-4FFF-A515-BF1CA8DF801A}" type="datetimeFigureOut">
               <a:rPr lang="en-US" smtClean="0"/>
-              <a:t>09-Oct-19</a:t>
+              <a:t>10-Oct-19</a:t>
             </a:fld>
             <a:endParaRPr lang="en-US"/>
           </a:p>
@@ -4904,7 +5782,7 @@
           <a:p>
             <a:fld id="{622E22BE-79DE-4FFF-A515-BF1CA8DF801A}" type="datetimeFigureOut">
               <a:rPr lang="en-US" smtClean="0"/>
-              <a:t>09-Oct-19</a:t>
+              <a:t>10-Oct-19</a:t>
             </a:fld>
             <a:endParaRPr lang="en-US"/>
           </a:p>
@@ -5271,7 +6149,7 @@
           <a:p>
             <a:fld id="{622E22BE-79DE-4FFF-A515-BF1CA8DF801A}" type="datetimeFigureOut">
               <a:rPr lang="en-US" smtClean="0"/>
-              <a:t>09-Oct-19</a:t>
+              <a:t>10-Oct-19</a:t>
             </a:fld>
             <a:endParaRPr lang="en-US"/>
           </a:p>
@@ -5389,7 +6267,7 @@
           <a:p>
             <a:fld id="{622E22BE-79DE-4FFF-A515-BF1CA8DF801A}" type="datetimeFigureOut">
               <a:rPr lang="en-US" smtClean="0"/>
-              <a:t>09-Oct-19</a:t>
+              <a:t>10-Oct-19</a:t>
             </a:fld>
             <a:endParaRPr lang="en-US"/>
           </a:p>
@@ -5484,7 +6362,7 @@
           <a:p>
             <a:fld id="{622E22BE-79DE-4FFF-A515-BF1CA8DF801A}" type="datetimeFigureOut">
               <a:rPr lang="en-US" smtClean="0"/>
-              <a:t>09-Oct-19</a:t>
+              <a:t>10-Oct-19</a:t>
             </a:fld>
             <a:endParaRPr lang="en-US"/>
           </a:p>
@@ -5761,7 +6639,7 @@
           <a:p>
             <a:fld id="{622E22BE-79DE-4FFF-A515-BF1CA8DF801A}" type="datetimeFigureOut">
               <a:rPr lang="en-US" smtClean="0"/>
-              <a:t>09-Oct-19</a:t>
+              <a:t>10-Oct-19</a:t>
             </a:fld>
             <a:endParaRPr lang="en-US"/>
           </a:p>
@@ -6014,7 +6892,7 @@
           <a:p>
             <a:fld id="{622E22BE-79DE-4FFF-A515-BF1CA8DF801A}" type="datetimeFigureOut">
               <a:rPr lang="en-US" smtClean="0"/>
-              <a:t>09-Oct-19</a:t>
+              <a:t>10-Oct-19</a:t>
             </a:fld>
             <a:endParaRPr lang="en-US"/>
           </a:p>
@@ -6227,7 +7105,7 @@
           <a:p>
             <a:fld id="{622E22BE-79DE-4FFF-A515-BF1CA8DF801A}" type="datetimeFigureOut">
               <a:rPr lang="en-US" smtClean="0"/>
-              <a:t>09-Oct-19</a:t>
+              <a:t>10-Oct-19</a:t>
             </a:fld>
             <a:endParaRPr lang="en-US"/>
           </a:p>
@@ -15102,7 +15980,6 @@
               <a:rPr lang="en-US" dirty="0"/>
               <a:t>)</a:t>
             </a:r>
-            <a:endParaRPr lang="en-US" dirty="0"/>
           </a:p>
         </p:txBody>
       </p:sp>
@@ -15233,7 +16110,6 @@
               <a:rPr lang="en-US" dirty="0"/>
               <a:t>)</a:t>
             </a:r>
-            <a:endParaRPr lang="en-US" dirty="0"/>
           </a:p>
         </p:txBody>
       </p:sp>
@@ -15781,6 +16657,1144 @@
 </p:sld>
 </file>
 
+<file path=ppt/slides/slide62.xml><?xml version="1.0" encoding="utf-8"?>
+<p:sld xmlns:a="http://schemas.openxmlformats.org/drawingml/2006/main" xmlns:r="http://schemas.openxmlformats.org/officeDocument/2006/relationships" xmlns:p="http://schemas.openxmlformats.org/presentationml/2006/main">
+  <p:cSld>
+    <p:bg>
+      <p:bgPr>
+        <a:gradFill>
+          <a:gsLst>
+            <a:gs pos="0">
+              <a:schemeClr val="accent1">
+                <a:lumMod val="5000"/>
+                <a:lumOff val="95000"/>
+              </a:schemeClr>
+            </a:gs>
+            <a:gs pos="42000">
+              <a:schemeClr val="accent1">
+                <a:lumMod val="45000"/>
+                <a:lumOff val="55000"/>
+              </a:schemeClr>
+            </a:gs>
+            <a:gs pos="83000">
+              <a:schemeClr val="accent1">
+                <a:lumMod val="45000"/>
+                <a:lumOff val="55000"/>
+              </a:schemeClr>
+            </a:gs>
+            <a:gs pos="100000">
+              <a:schemeClr val="accent1">
+                <a:lumMod val="30000"/>
+                <a:lumOff val="70000"/>
+              </a:schemeClr>
+            </a:gs>
+          </a:gsLst>
+          <a:lin ang="5400000" scaled="1"/>
+        </a:gradFill>
+        <a:effectLst/>
+      </p:bgPr>
+    </p:bg>
+    <p:spTree>
+      <p:nvGrpSpPr>
+        <p:cNvPr id="1" name=""/>
+        <p:cNvGrpSpPr/>
+        <p:nvPr/>
+      </p:nvGrpSpPr>
+      <p:grpSpPr>
+        <a:xfrm>
+          <a:off x="0" y="0"/>
+          <a:ext cx="0" cy="0"/>
+          <a:chOff x="0" y="0"/>
+          <a:chExt cx="0" cy="0"/>
+        </a:xfrm>
+      </p:grpSpPr>
+      <p:sp>
+        <p:nvSpPr>
+          <p:cNvPr id="2" name="Title 1"/>
+          <p:cNvSpPr>
+            <a:spLocks noGrp="1"/>
+          </p:cNvSpPr>
+          <p:nvPr>
+            <p:ph type="title"/>
+          </p:nvPr>
+        </p:nvSpPr>
+        <p:spPr>
+          <a:xfrm>
+            <a:off x="312821" y="-164575"/>
+            <a:ext cx="10515600" cy="1325563"/>
+          </a:xfrm>
+        </p:spPr>
+        <p:txBody>
+          <a:bodyPr/>
+          <a:lstStyle/>
+          <a:p>
+            <a:r>
+              <a:rPr lang="en-US" dirty="0" smtClean="0"/>
+              <a:t>Global filters</a:t>
+            </a:r>
+            <a:endParaRPr lang="en-US" dirty="0"/>
+          </a:p>
+        </p:txBody>
+      </p:sp>
+      <p:pic>
+        <p:nvPicPr>
+          <p:cNvPr id="3" name="Picture 2"/>
+          <p:cNvPicPr>
+            <a:picLocks noChangeAspect="1"/>
+          </p:cNvPicPr>
+          <p:nvPr/>
+        </p:nvPicPr>
+        <p:blipFill>
+          <a:blip r:embed="rId3"/>
+          <a:stretch>
+            <a:fillRect/>
+          </a:stretch>
+        </p:blipFill>
+        <p:spPr>
+          <a:xfrm>
+            <a:off x="908172" y="1045550"/>
+            <a:ext cx="10215154" cy="5191125"/>
+          </a:xfrm>
+          <a:prstGeom prst="rect">
+            <a:avLst/>
+          </a:prstGeom>
+        </p:spPr>
+      </p:pic>
+    </p:spTree>
+    <p:extLst>
+      <p:ext uri="{BB962C8B-B14F-4D97-AF65-F5344CB8AC3E}">
+        <p14:creationId xmlns:p14="http://schemas.microsoft.com/office/powerpoint/2010/main" val="1856932453"/>
+      </p:ext>
+    </p:extLst>
+  </p:cSld>
+  <p:clrMapOvr>
+    <a:masterClrMapping/>
+  </p:clrMapOvr>
+  <p:timing>
+    <p:tnLst>
+      <p:par>
+        <p:cTn id="1" dur="indefinite" restart="never" nodeType="tmRoot"/>
+      </p:par>
+    </p:tnLst>
+  </p:timing>
+</p:sld>
+</file>
+
+<file path=ppt/slides/slide63.xml><?xml version="1.0" encoding="utf-8"?>
+<p:sld xmlns:a="http://schemas.openxmlformats.org/drawingml/2006/main" xmlns:r="http://schemas.openxmlformats.org/officeDocument/2006/relationships" xmlns:p="http://schemas.openxmlformats.org/presentationml/2006/main">
+  <p:cSld>
+    <p:bg>
+      <p:bgPr>
+        <a:gradFill>
+          <a:gsLst>
+            <a:gs pos="0">
+              <a:schemeClr val="accent1">
+                <a:lumMod val="5000"/>
+                <a:lumOff val="95000"/>
+              </a:schemeClr>
+            </a:gs>
+            <a:gs pos="42000">
+              <a:schemeClr val="accent1">
+                <a:lumMod val="45000"/>
+                <a:lumOff val="55000"/>
+              </a:schemeClr>
+            </a:gs>
+            <a:gs pos="83000">
+              <a:schemeClr val="accent1">
+                <a:lumMod val="45000"/>
+                <a:lumOff val="55000"/>
+              </a:schemeClr>
+            </a:gs>
+            <a:gs pos="100000">
+              <a:schemeClr val="accent1">
+                <a:lumMod val="30000"/>
+                <a:lumOff val="70000"/>
+              </a:schemeClr>
+            </a:gs>
+          </a:gsLst>
+          <a:lin ang="5400000" scaled="1"/>
+        </a:gradFill>
+        <a:effectLst/>
+      </p:bgPr>
+    </p:bg>
+    <p:spTree>
+      <p:nvGrpSpPr>
+        <p:cNvPr id="1" name=""/>
+        <p:cNvGrpSpPr/>
+        <p:nvPr/>
+      </p:nvGrpSpPr>
+      <p:grpSpPr>
+        <a:xfrm>
+          <a:off x="0" y="0"/>
+          <a:ext cx="0" cy="0"/>
+          <a:chOff x="0" y="0"/>
+          <a:chExt cx="0" cy="0"/>
+        </a:xfrm>
+      </p:grpSpPr>
+      <p:sp>
+        <p:nvSpPr>
+          <p:cNvPr id="2" name="Title 1"/>
+          <p:cNvSpPr>
+            <a:spLocks noGrp="1"/>
+          </p:cNvSpPr>
+          <p:nvPr>
+            <p:ph type="title"/>
+          </p:nvPr>
+        </p:nvSpPr>
+        <p:spPr>
+          <a:xfrm>
+            <a:off x="312821" y="-164575"/>
+            <a:ext cx="10515600" cy="1325563"/>
+          </a:xfrm>
+        </p:spPr>
+        <p:txBody>
+          <a:bodyPr/>
+          <a:lstStyle/>
+          <a:p>
+            <a:r>
+              <a:rPr lang="en-US" dirty="0" smtClean="0"/>
+              <a:t>Global filters</a:t>
+            </a:r>
+            <a:endParaRPr lang="en-US" dirty="0"/>
+          </a:p>
+        </p:txBody>
+      </p:sp>
+      <p:pic>
+        <p:nvPicPr>
+          <p:cNvPr id="5" name="Picture 4"/>
+          <p:cNvPicPr>
+            <a:picLocks noChangeAspect="1"/>
+          </p:cNvPicPr>
+          <p:nvPr/>
+        </p:nvPicPr>
+        <p:blipFill>
+          <a:blip r:embed="rId3"/>
+          <a:stretch>
+            <a:fillRect/>
+          </a:stretch>
+        </p:blipFill>
+        <p:spPr>
+          <a:xfrm>
+            <a:off x="605897" y="1055481"/>
+            <a:ext cx="6381194" cy="3563411"/>
+          </a:xfrm>
+          <a:prstGeom prst="rect">
+            <a:avLst/>
+          </a:prstGeom>
+        </p:spPr>
+      </p:pic>
+      <p:pic>
+        <p:nvPicPr>
+          <p:cNvPr id="7" name="Picture 6"/>
+          <p:cNvPicPr>
+            <a:picLocks noChangeAspect="1"/>
+          </p:cNvPicPr>
+          <p:nvPr/>
+        </p:nvPicPr>
+        <p:blipFill>
+          <a:blip r:embed="rId4"/>
+          <a:stretch>
+            <a:fillRect/>
+          </a:stretch>
+        </p:blipFill>
+        <p:spPr>
+          <a:xfrm>
+            <a:off x="7117739" y="3001841"/>
+            <a:ext cx="4769462" cy="3588036"/>
+          </a:xfrm>
+          <a:prstGeom prst="rect">
+            <a:avLst/>
+          </a:prstGeom>
+        </p:spPr>
+      </p:pic>
+    </p:spTree>
+    <p:extLst>
+      <p:ext uri="{BB962C8B-B14F-4D97-AF65-F5344CB8AC3E}">
+        <p14:creationId xmlns:p14="http://schemas.microsoft.com/office/powerpoint/2010/main" val="92743986"/>
+      </p:ext>
+    </p:extLst>
+  </p:cSld>
+  <p:clrMapOvr>
+    <a:masterClrMapping/>
+  </p:clrMapOvr>
+  <p:timing>
+    <p:tnLst>
+      <p:par>
+        <p:cTn id="1" dur="indefinite" restart="never" nodeType="tmRoot"/>
+      </p:par>
+    </p:tnLst>
+  </p:timing>
+</p:sld>
+</file>
+
+<file path=ppt/slides/slide64.xml><?xml version="1.0" encoding="utf-8"?>
+<p:sld xmlns:a="http://schemas.openxmlformats.org/drawingml/2006/main" xmlns:r="http://schemas.openxmlformats.org/officeDocument/2006/relationships" xmlns:p="http://schemas.openxmlformats.org/presentationml/2006/main">
+  <p:cSld>
+    <p:bg>
+      <p:bgPr>
+        <a:gradFill>
+          <a:gsLst>
+            <a:gs pos="0">
+              <a:schemeClr val="accent1">
+                <a:lumMod val="5000"/>
+                <a:lumOff val="95000"/>
+              </a:schemeClr>
+            </a:gs>
+            <a:gs pos="42000">
+              <a:schemeClr val="accent1">
+                <a:lumMod val="45000"/>
+                <a:lumOff val="55000"/>
+              </a:schemeClr>
+            </a:gs>
+            <a:gs pos="83000">
+              <a:schemeClr val="accent1">
+                <a:lumMod val="45000"/>
+                <a:lumOff val="55000"/>
+              </a:schemeClr>
+            </a:gs>
+            <a:gs pos="100000">
+              <a:schemeClr val="accent1">
+                <a:lumMod val="30000"/>
+                <a:lumOff val="70000"/>
+              </a:schemeClr>
+            </a:gs>
+          </a:gsLst>
+          <a:lin ang="5400000" scaled="1"/>
+        </a:gradFill>
+        <a:effectLst/>
+      </p:bgPr>
+    </p:bg>
+    <p:spTree>
+      <p:nvGrpSpPr>
+        <p:cNvPr id="1" name=""/>
+        <p:cNvGrpSpPr/>
+        <p:nvPr/>
+      </p:nvGrpSpPr>
+      <p:grpSpPr>
+        <a:xfrm>
+          <a:off x="0" y="0"/>
+          <a:ext cx="0" cy="0"/>
+          <a:chOff x="0" y="0"/>
+          <a:chExt cx="0" cy="0"/>
+        </a:xfrm>
+      </p:grpSpPr>
+      <p:sp>
+        <p:nvSpPr>
+          <p:cNvPr id="2" name="Title 1"/>
+          <p:cNvSpPr>
+            <a:spLocks noGrp="1"/>
+          </p:cNvSpPr>
+          <p:nvPr>
+            <p:ph type="title"/>
+          </p:nvPr>
+        </p:nvSpPr>
+        <p:spPr>
+          <a:xfrm>
+            <a:off x="312821" y="-164575"/>
+            <a:ext cx="10515600" cy="1325563"/>
+          </a:xfrm>
+        </p:spPr>
+        <p:txBody>
+          <a:bodyPr/>
+          <a:lstStyle/>
+          <a:p>
+            <a:r>
+              <a:rPr lang="en-US" dirty="0" smtClean="0"/>
+              <a:t>Filter order</a:t>
+            </a:r>
+            <a:endParaRPr lang="en-US" dirty="0"/>
+          </a:p>
+        </p:txBody>
+      </p:sp>
+      <p:pic>
+        <p:nvPicPr>
+          <p:cNvPr id="4" name="Picture 3"/>
+          <p:cNvPicPr>
+            <a:picLocks noChangeAspect="1"/>
+          </p:cNvPicPr>
+          <p:nvPr/>
+        </p:nvPicPr>
+        <p:blipFill>
+          <a:blip r:embed="rId3"/>
+          <a:stretch>
+            <a:fillRect/>
+          </a:stretch>
+        </p:blipFill>
+        <p:spPr>
+          <a:xfrm>
+            <a:off x="1503850" y="788010"/>
+            <a:ext cx="9422058" cy="5902255"/>
+          </a:xfrm>
+          <a:prstGeom prst="rect">
+            <a:avLst/>
+          </a:prstGeom>
+        </p:spPr>
+      </p:pic>
+    </p:spTree>
+    <p:extLst>
+      <p:ext uri="{BB962C8B-B14F-4D97-AF65-F5344CB8AC3E}">
+        <p14:creationId xmlns:p14="http://schemas.microsoft.com/office/powerpoint/2010/main" val="3784476667"/>
+      </p:ext>
+    </p:extLst>
+  </p:cSld>
+  <p:clrMapOvr>
+    <a:masterClrMapping/>
+  </p:clrMapOvr>
+  <p:timing>
+    <p:tnLst>
+      <p:par>
+        <p:cTn id="1" dur="indefinite" restart="never" nodeType="tmRoot"/>
+      </p:par>
+    </p:tnLst>
+  </p:timing>
+</p:sld>
+</file>
+
+<file path=ppt/slides/slide65.xml><?xml version="1.0" encoding="utf-8"?>
+<p:sld xmlns:a="http://schemas.openxmlformats.org/drawingml/2006/main" xmlns:r="http://schemas.openxmlformats.org/officeDocument/2006/relationships" xmlns:p="http://schemas.openxmlformats.org/presentationml/2006/main">
+  <p:cSld>
+    <p:bg>
+      <p:bgPr>
+        <a:gradFill>
+          <a:gsLst>
+            <a:gs pos="0">
+              <a:schemeClr val="accent1">
+                <a:lumMod val="5000"/>
+                <a:lumOff val="95000"/>
+              </a:schemeClr>
+            </a:gs>
+            <a:gs pos="42000">
+              <a:schemeClr val="accent1">
+                <a:lumMod val="45000"/>
+                <a:lumOff val="55000"/>
+              </a:schemeClr>
+            </a:gs>
+            <a:gs pos="83000">
+              <a:schemeClr val="accent1">
+                <a:lumMod val="45000"/>
+                <a:lumOff val="55000"/>
+              </a:schemeClr>
+            </a:gs>
+            <a:gs pos="100000">
+              <a:schemeClr val="accent1">
+                <a:lumMod val="30000"/>
+                <a:lumOff val="70000"/>
+              </a:schemeClr>
+            </a:gs>
+          </a:gsLst>
+          <a:lin ang="5400000" scaled="1"/>
+        </a:gradFill>
+        <a:effectLst/>
+      </p:bgPr>
+    </p:bg>
+    <p:spTree>
+      <p:nvGrpSpPr>
+        <p:cNvPr id="1" name=""/>
+        <p:cNvGrpSpPr/>
+        <p:nvPr/>
+      </p:nvGrpSpPr>
+      <p:grpSpPr>
+        <a:xfrm>
+          <a:off x="0" y="0"/>
+          <a:ext cx="0" cy="0"/>
+          <a:chOff x="0" y="0"/>
+          <a:chExt cx="0" cy="0"/>
+        </a:xfrm>
+      </p:grpSpPr>
+      <p:sp>
+        <p:nvSpPr>
+          <p:cNvPr id="2" name="Title 1"/>
+          <p:cNvSpPr>
+            <a:spLocks noGrp="1"/>
+          </p:cNvSpPr>
+          <p:nvPr>
+            <p:ph type="title"/>
+          </p:nvPr>
+        </p:nvSpPr>
+        <p:spPr>
+          <a:xfrm>
+            <a:off x="312821" y="-164575"/>
+            <a:ext cx="10515600" cy="1325563"/>
+          </a:xfrm>
+        </p:spPr>
+        <p:txBody>
+          <a:bodyPr/>
+          <a:lstStyle/>
+          <a:p>
+            <a:r>
+              <a:rPr lang="en-US" dirty="0" smtClean="0"/>
+              <a:t>Filter order</a:t>
+            </a:r>
+            <a:endParaRPr lang="en-US" dirty="0"/>
+          </a:p>
+        </p:txBody>
+      </p:sp>
+      <p:pic>
+        <p:nvPicPr>
+          <p:cNvPr id="6" name="Picture 5"/>
+          <p:cNvPicPr>
+            <a:picLocks noChangeAspect="1"/>
+          </p:cNvPicPr>
+          <p:nvPr/>
+        </p:nvPicPr>
+        <p:blipFill>
+          <a:blip r:embed="rId3"/>
+          <a:stretch>
+            <a:fillRect/>
+          </a:stretch>
+        </p:blipFill>
+        <p:spPr>
+          <a:xfrm>
+            <a:off x="1266710" y="1278218"/>
+            <a:ext cx="9561711" cy="4873388"/>
+          </a:xfrm>
+          <a:prstGeom prst="rect">
+            <a:avLst/>
+          </a:prstGeom>
+        </p:spPr>
+      </p:pic>
+    </p:spTree>
+    <p:extLst>
+      <p:ext uri="{BB962C8B-B14F-4D97-AF65-F5344CB8AC3E}">
+        <p14:creationId xmlns:p14="http://schemas.microsoft.com/office/powerpoint/2010/main" val="3602742549"/>
+      </p:ext>
+    </p:extLst>
+  </p:cSld>
+  <p:clrMapOvr>
+    <a:masterClrMapping/>
+  </p:clrMapOvr>
+  <p:timing>
+    <p:tnLst>
+      <p:par>
+        <p:cTn id="1" dur="indefinite" restart="never" nodeType="tmRoot"/>
+      </p:par>
+    </p:tnLst>
+  </p:timing>
+</p:sld>
+</file>
+
+<file path=ppt/slides/slide66.xml><?xml version="1.0" encoding="utf-8"?>
+<p:sld xmlns:a="http://schemas.openxmlformats.org/drawingml/2006/main" xmlns:r="http://schemas.openxmlformats.org/officeDocument/2006/relationships" xmlns:p="http://schemas.openxmlformats.org/presentationml/2006/main">
+  <p:cSld>
+    <p:bg>
+      <p:bgPr>
+        <a:gradFill>
+          <a:gsLst>
+            <a:gs pos="0">
+              <a:schemeClr val="accent1">
+                <a:lumMod val="5000"/>
+                <a:lumOff val="95000"/>
+              </a:schemeClr>
+            </a:gs>
+            <a:gs pos="42000">
+              <a:schemeClr val="accent1">
+                <a:lumMod val="45000"/>
+                <a:lumOff val="55000"/>
+              </a:schemeClr>
+            </a:gs>
+            <a:gs pos="83000">
+              <a:schemeClr val="accent1">
+                <a:lumMod val="45000"/>
+                <a:lumOff val="55000"/>
+              </a:schemeClr>
+            </a:gs>
+            <a:gs pos="100000">
+              <a:schemeClr val="accent1">
+                <a:lumMod val="30000"/>
+                <a:lumOff val="70000"/>
+              </a:schemeClr>
+            </a:gs>
+          </a:gsLst>
+          <a:lin ang="5400000" scaled="1"/>
+        </a:gradFill>
+        <a:effectLst/>
+      </p:bgPr>
+    </p:bg>
+    <p:spTree>
+      <p:nvGrpSpPr>
+        <p:cNvPr id="1" name=""/>
+        <p:cNvGrpSpPr/>
+        <p:nvPr/>
+      </p:nvGrpSpPr>
+      <p:grpSpPr>
+        <a:xfrm>
+          <a:off x="0" y="0"/>
+          <a:ext cx="0" cy="0"/>
+          <a:chOff x="0" y="0"/>
+          <a:chExt cx="0" cy="0"/>
+        </a:xfrm>
+      </p:grpSpPr>
+      <p:sp>
+        <p:nvSpPr>
+          <p:cNvPr id="2" name="Title 1"/>
+          <p:cNvSpPr>
+            <a:spLocks noGrp="1"/>
+          </p:cNvSpPr>
+          <p:nvPr>
+            <p:ph type="title"/>
+          </p:nvPr>
+        </p:nvSpPr>
+        <p:spPr>
+          <a:xfrm>
+            <a:off x="312821" y="-164575"/>
+            <a:ext cx="10515600" cy="1325563"/>
+          </a:xfrm>
+        </p:spPr>
+        <p:txBody>
+          <a:bodyPr/>
+          <a:lstStyle/>
+          <a:p>
+            <a:r>
+              <a:rPr lang="en-US" dirty="0" smtClean="0"/>
+              <a:t>Filter order</a:t>
+            </a:r>
+            <a:endParaRPr lang="en-US" dirty="0"/>
+          </a:p>
+        </p:txBody>
+      </p:sp>
+      <p:pic>
+        <p:nvPicPr>
+          <p:cNvPr id="5" name="Picture 4"/>
+          <p:cNvPicPr>
+            <a:picLocks noChangeAspect="1"/>
+          </p:cNvPicPr>
+          <p:nvPr/>
+        </p:nvPicPr>
+        <p:blipFill>
+          <a:blip r:embed="rId3"/>
+          <a:stretch>
+            <a:fillRect/>
+          </a:stretch>
+        </p:blipFill>
+        <p:spPr>
+          <a:xfrm>
+            <a:off x="473160" y="1667608"/>
+            <a:ext cx="10194922" cy="4053254"/>
+          </a:xfrm>
+          <a:prstGeom prst="rect">
+            <a:avLst/>
+          </a:prstGeom>
+        </p:spPr>
+      </p:pic>
+    </p:spTree>
+    <p:extLst>
+      <p:ext uri="{BB962C8B-B14F-4D97-AF65-F5344CB8AC3E}">
+        <p14:creationId xmlns:p14="http://schemas.microsoft.com/office/powerpoint/2010/main" val="4011733776"/>
+      </p:ext>
+    </p:extLst>
+  </p:cSld>
+  <p:clrMapOvr>
+    <a:masterClrMapping/>
+  </p:clrMapOvr>
+  <p:timing>
+    <p:tnLst>
+      <p:par>
+        <p:cTn id="1" dur="indefinite" restart="never" nodeType="tmRoot"/>
+      </p:par>
+    </p:tnLst>
+  </p:timing>
+</p:sld>
+</file>
+
+<file path=ppt/slides/slide67.xml><?xml version="1.0" encoding="utf-8"?>
+<p:sld xmlns:a="http://schemas.openxmlformats.org/drawingml/2006/main" xmlns:r="http://schemas.openxmlformats.org/officeDocument/2006/relationships" xmlns:p="http://schemas.openxmlformats.org/presentationml/2006/main">
+  <p:cSld>
+    <p:bg>
+      <p:bgPr>
+        <a:gradFill>
+          <a:gsLst>
+            <a:gs pos="0">
+              <a:schemeClr val="accent1">
+                <a:lumMod val="5000"/>
+                <a:lumOff val="95000"/>
+              </a:schemeClr>
+            </a:gs>
+            <a:gs pos="42000">
+              <a:schemeClr val="accent1">
+                <a:lumMod val="45000"/>
+                <a:lumOff val="55000"/>
+              </a:schemeClr>
+            </a:gs>
+            <a:gs pos="83000">
+              <a:schemeClr val="accent1">
+                <a:lumMod val="45000"/>
+                <a:lumOff val="55000"/>
+              </a:schemeClr>
+            </a:gs>
+            <a:gs pos="100000">
+              <a:schemeClr val="accent1">
+                <a:lumMod val="30000"/>
+                <a:lumOff val="70000"/>
+              </a:schemeClr>
+            </a:gs>
+          </a:gsLst>
+          <a:lin ang="5400000" scaled="1"/>
+        </a:gradFill>
+        <a:effectLst/>
+      </p:bgPr>
+    </p:bg>
+    <p:spTree>
+      <p:nvGrpSpPr>
+        <p:cNvPr id="1" name=""/>
+        <p:cNvGrpSpPr/>
+        <p:nvPr/>
+      </p:nvGrpSpPr>
+      <p:grpSpPr>
+        <a:xfrm>
+          <a:off x="0" y="0"/>
+          <a:ext cx="0" cy="0"/>
+          <a:chOff x="0" y="0"/>
+          <a:chExt cx="0" cy="0"/>
+        </a:xfrm>
+      </p:grpSpPr>
+      <p:sp>
+        <p:nvSpPr>
+          <p:cNvPr id="2" name="Title 1"/>
+          <p:cNvSpPr>
+            <a:spLocks noGrp="1"/>
+          </p:cNvSpPr>
+          <p:nvPr>
+            <p:ph type="title"/>
+          </p:nvPr>
+        </p:nvSpPr>
+        <p:spPr>
+          <a:xfrm>
+            <a:off x="312821" y="-164575"/>
+            <a:ext cx="10515600" cy="1325563"/>
+          </a:xfrm>
+        </p:spPr>
+        <p:txBody>
+          <a:bodyPr/>
+          <a:lstStyle/>
+          <a:p>
+            <a:r>
+              <a:rPr lang="en-US" dirty="0" smtClean="0"/>
+              <a:t>Filter order</a:t>
+            </a:r>
+            <a:endParaRPr lang="en-US" dirty="0"/>
+          </a:p>
+        </p:txBody>
+      </p:sp>
+      <p:pic>
+        <p:nvPicPr>
+          <p:cNvPr id="3" name="Picture 2"/>
+          <p:cNvPicPr>
+            <a:picLocks noChangeAspect="1"/>
+          </p:cNvPicPr>
+          <p:nvPr/>
+        </p:nvPicPr>
+        <p:blipFill>
+          <a:blip r:embed="rId3"/>
+          <a:stretch>
+            <a:fillRect/>
+          </a:stretch>
+        </p:blipFill>
+        <p:spPr>
+          <a:xfrm>
+            <a:off x="862761" y="1032035"/>
+            <a:ext cx="9415720" cy="5403935"/>
+          </a:xfrm>
+          <a:prstGeom prst="rect">
+            <a:avLst/>
+          </a:prstGeom>
+        </p:spPr>
+      </p:pic>
+    </p:spTree>
+    <p:extLst>
+      <p:ext uri="{BB962C8B-B14F-4D97-AF65-F5344CB8AC3E}">
+        <p14:creationId xmlns:p14="http://schemas.microsoft.com/office/powerpoint/2010/main" val="1710566266"/>
+      </p:ext>
+    </p:extLst>
+  </p:cSld>
+  <p:clrMapOvr>
+    <a:masterClrMapping/>
+  </p:clrMapOvr>
+  <p:timing>
+    <p:tnLst>
+      <p:par>
+        <p:cTn id="1" dur="indefinite" restart="never" nodeType="tmRoot"/>
+      </p:par>
+    </p:tnLst>
+  </p:timing>
+</p:sld>
+</file>
+
+<file path=ppt/slides/slide68.xml><?xml version="1.0" encoding="utf-8"?>
+<p:sld xmlns:a="http://schemas.openxmlformats.org/drawingml/2006/main" xmlns:r="http://schemas.openxmlformats.org/officeDocument/2006/relationships" xmlns:p="http://schemas.openxmlformats.org/presentationml/2006/main">
+  <p:cSld>
+    <p:bg>
+      <p:bgPr>
+        <a:gradFill>
+          <a:gsLst>
+            <a:gs pos="0">
+              <a:schemeClr val="accent1">
+                <a:lumMod val="5000"/>
+                <a:lumOff val="95000"/>
+              </a:schemeClr>
+            </a:gs>
+            <a:gs pos="42000">
+              <a:schemeClr val="accent1">
+                <a:lumMod val="45000"/>
+                <a:lumOff val="55000"/>
+              </a:schemeClr>
+            </a:gs>
+            <a:gs pos="83000">
+              <a:schemeClr val="accent1">
+                <a:lumMod val="45000"/>
+                <a:lumOff val="55000"/>
+              </a:schemeClr>
+            </a:gs>
+            <a:gs pos="100000">
+              <a:schemeClr val="accent1">
+                <a:lumMod val="30000"/>
+                <a:lumOff val="70000"/>
+              </a:schemeClr>
+            </a:gs>
+          </a:gsLst>
+          <a:lin ang="5400000" scaled="1"/>
+        </a:gradFill>
+        <a:effectLst/>
+      </p:bgPr>
+    </p:bg>
+    <p:spTree>
+      <p:nvGrpSpPr>
+        <p:cNvPr id="1" name=""/>
+        <p:cNvGrpSpPr/>
+        <p:nvPr/>
+      </p:nvGrpSpPr>
+      <p:grpSpPr>
+        <a:xfrm>
+          <a:off x="0" y="0"/>
+          <a:ext cx="0" cy="0"/>
+          <a:chOff x="0" y="0"/>
+          <a:chExt cx="0" cy="0"/>
+        </a:xfrm>
+      </p:grpSpPr>
+      <p:sp>
+        <p:nvSpPr>
+          <p:cNvPr id="2" name="Title 1"/>
+          <p:cNvSpPr>
+            <a:spLocks noGrp="1"/>
+          </p:cNvSpPr>
+          <p:nvPr>
+            <p:ph type="title"/>
+          </p:nvPr>
+        </p:nvSpPr>
+        <p:spPr>
+          <a:xfrm>
+            <a:off x="312821" y="-164575"/>
+            <a:ext cx="10515600" cy="1325563"/>
+          </a:xfrm>
+        </p:spPr>
+        <p:txBody>
+          <a:bodyPr/>
+          <a:lstStyle/>
+          <a:p>
+            <a:r>
+              <a:rPr lang="en-US" dirty="0" smtClean="0"/>
+              <a:t>Changing filter order</a:t>
+            </a:r>
+            <a:endParaRPr lang="en-US" dirty="0"/>
+          </a:p>
+        </p:txBody>
+      </p:sp>
+      <p:sp>
+        <p:nvSpPr>
+          <p:cNvPr id="4" name="TextBox 3"/>
+          <p:cNvSpPr txBox="1"/>
+          <p:nvPr/>
+        </p:nvSpPr>
+        <p:spPr>
+          <a:xfrm>
+            <a:off x="855784" y="1992923"/>
+            <a:ext cx="10703169" cy="3108543"/>
+          </a:xfrm>
+          <a:prstGeom prst="rect">
+            <a:avLst/>
+          </a:prstGeom>
+          <a:noFill/>
+        </p:spPr>
+        <p:txBody>
+          <a:bodyPr wrap="square" rtlCol="0">
+            <a:spAutoFit/>
+          </a:bodyPr>
+          <a:lstStyle/>
+          <a:p>
+            <a:r>
+              <a:rPr lang="en-US" sz="2800" dirty="0">
+                <a:latin typeface="Consolas" panose="020B0609020204030204" pitchFamily="49" charset="0"/>
+              </a:rPr>
+              <a:t>namespace </a:t>
+            </a:r>
+            <a:r>
+              <a:rPr lang="en-US" sz="2800" dirty="0" err="1">
+                <a:latin typeface="Consolas" panose="020B0609020204030204" pitchFamily="49" charset="0"/>
+              </a:rPr>
+              <a:t>Microsoft.AspNetCore.Mvc.Filters</a:t>
+            </a:r>
+            <a:r>
+              <a:rPr lang="en-US" sz="2800" dirty="0">
+                <a:latin typeface="Consolas" panose="020B0609020204030204" pitchFamily="49" charset="0"/>
+              </a:rPr>
+              <a:t> </a:t>
+            </a:r>
+            <a:r>
+              <a:rPr lang="en-US" sz="2800" dirty="0" smtClean="0">
+                <a:latin typeface="Consolas" panose="020B0609020204030204" pitchFamily="49" charset="0"/>
+              </a:rPr>
+              <a:t>{</a:t>
+            </a:r>
+          </a:p>
+          <a:p>
+            <a:endParaRPr lang="en-US" sz="2800" dirty="0">
+              <a:latin typeface="Consolas" panose="020B0609020204030204" pitchFamily="49" charset="0"/>
+            </a:endParaRPr>
+          </a:p>
+          <a:p>
+            <a:r>
+              <a:rPr lang="en-US" sz="2800" dirty="0" smtClean="0">
+                <a:latin typeface="Consolas" panose="020B0609020204030204" pitchFamily="49" charset="0"/>
+              </a:rPr>
+              <a:t>	public </a:t>
+            </a:r>
+            <a:r>
+              <a:rPr lang="en-US" sz="2800" dirty="0">
+                <a:latin typeface="Consolas" panose="020B0609020204030204" pitchFamily="49" charset="0"/>
+              </a:rPr>
+              <a:t>interface </a:t>
+            </a:r>
+            <a:r>
+              <a:rPr lang="en-US" sz="2800" dirty="0" err="1">
+                <a:latin typeface="Consolas" panose="020B0609020204030204" pitchFamily="49" charset="0"/>
+              </a:rPr>
+              <a:t>IOrderedFilter</a:t>
+            </a:r>
+            <a:r>
+              <a:rPr lang="en-US" sz="2800" dirty="0">
+                <a:latin typeface="Consolas" panose="020B0609020204030204" pitchFamily="49" charset="0"/>
+              </a:rPr>
+              <a:t> : </a:t>
+            </a:r>
+            <a:r>
+              <a:rPr lang="en-US" sz="2800" dirty="0" err="1">
+                <a:latin typeface="Consolas" panose="020B0609020204030204" pitchFamily="49" charset="0"/>
+              </a:rPr>
+              <a:t>IFilterMetadata</a:t>
+            </a:r>
+            <a:r>
+              <a:rPr lang="en-US" sz="2800" dirty="0">
+                <a:latin typeface="Consolas" panose="020B0609020204030204" pitchFamily="49" charset="0"/>
+              </a:rPr>
+              <a:t> </a:t>
+            </a:r>
+            <a:endParaRPr lang="en-US" sz="2800" dirty="0" smtClean="0">
+              <a:latin typeface="Consolas" panose="020B0609020204030204" pitchFamily="49" charset="0"/>
+            </a:endParaRPr>
+          </a:p>
+          <a:p>
+            <a:r>
+              <a:rPr lang="en-US" sz="2800" dirty="0" smtClean="0">
+                <a:latin typeface="Consolas" panose="020B0609020204030204" pitchFamily="49" charset="0"/>
+              </a:rPr>
+              <a:t>	{</a:t>
+            </a:r>
+            <a:endParaRPr lang="en-US" sz="2800" dirty="0">
+              <a:latin typeface="Consolas" panose="020B0609020204030204" pitchFamily="49" charset="0"/>
+            </a:endParaRPr>
+          </a:p>
+          <a:p>
+            <a:r>
+              <a:rPr lang="en-US" sz="2800" dirty="0" smtClean="0">
+                <a:latin typeface="Consolas" panose="020B0609020204030204" pitchFamily="49" charset="0"/>
+              </a:rPr>
+              <a:t>		</a:t>
+            </a:r>
+            <a:r>
+              <a:rPr lang="en-US" sz="2800" dirty="0" err="1" smtClean="0">
+                <a:latin typeface="Consolas" panose="020B0609020204030204" pitchFamily="49" charset="0"/>
+              </a:rPr>
+              <a:t>int</a:t>
+            </a:r>
+            <a:r>
+              <a:rPr lang="en-US" sz="2800" dirty="0" smtClean="0">
+                <a:latin typeface="Consolas" panose="020B0609020204030204" pitchFamily="49" charset="0"/>
+              </a:rPr>
+              <a:t> </a:t>
+            </a:r>
+            <a:r>
+              <a:rPr lang="en-US" sz="2800" dirty="0">
+                <a:latin typeface="Consolas" panose="020B0609020204030204" pitchFamily="49" charset="0"/>
+              </a:rPr>
+              <a:t>Order { get; }</a:t>
+            </a:r>
+          </a:p>
+          <a:p>
+            <a:r>
+              <a:rPr lang="en-US" sz="2800" dirty="0" smtClean="0">
+                <a:latin typeface="Consolas" panose="020B0609020204030204" pitchFamily="49" charset="0"/>
+              </a:rPr>
+              <a:t>	}</a:t>
+            </a:r>
+            <a:endParaRPr lang="en-US" sz="2800" dirty="0">
+              <a:latin typeface="Consolas" panose="020B0609020204030204" pitchFamily="49" charset="0"/>
+            </a:endParaRPr>
+          </a:p>
+          <a:p>
+            <a:r>
+              <a:rPr lang="en-US" sz="2800" dirty="0">
+                <a:latin typeface="Consolas" panose="020B0609020204030204" pitchFamily="49" charset="0"/>
+              </a:rPr>
+              <a:t>}</a:t>
+            </a:r>
+            <a:endParaRPr lang="en-US" sz="2800" dirty="0">
+              <a:latin typeface="Consolas" panose="020B0609020204030204" pitchFamily="49" charset="0"/>
+            </a:endParaRPr>
+          </a:p>
+        </p:txBody>
+      </p:sp>
+    </p:spTree>
+    <p:extLst>
+      <p:ext uri="{BB962C8B-B14F-4D97-AF65-F5344CB8AC3E}">
+        <p14:creationId xmlns:p14="http://schemas.microsoft.com/office/powerpoint/2010/main" val="434304318"/>
+      </p:ext>
+    </p:extLst>
+  </p:cSld>
+  <p:clrMapOvr>
+    <a:masterClrMapping/>
+  </p:clrMapOvr>
+  <p:timing>
+    <p:tnLst>
+      <p:par>
+        <p:cTn id="1" dur="indefinite" restart="never" nodeType="tmRoot"/>
+      </p:par>
+    </p:tnLst>
+  </p:timing>
+</p:sld>
+</file>
+
+<file path=ppt/slides/slide69.xml><?xml version="1.0" encoding="utf-8"?>
+<p:sld xmlns:a="http://schemas.openxmlformats.org/drawingml/2006/main" xmlns:r="http://schemas.openxmlformats.org/officeDocument/2006/relationships" xmlns:p="http://schemas.openxmlformats.org/presentationml/2006/main">
+  <p:cSld>
+    <p:bg>
+      <p:bgPr>
+        <a:gradFill>
+          <a:gsLst>
+            <a:gs pos="0">
+              <a:schemeClr val="accent1">
+                <a:lumMod val="5000"/>
+                <a:lumOff val="95000"/>
+              </a:schemeClr>
+            </a:gs>
+            <a:gs pos="42000">
+              <a:schemeClr val="accent1">
+                <a:lumMod val="45000"/>
+                <a:lumOff val="55000"/>
+              </a:schemeClr>
+            </a:gs>
+            <a:gs pos="83000">
+              <a:schemeClr val="accent1">
+                <a:lumMod val="45000"/>
+                <a:lumOff val="55000"/>
+              </a:schemeClr>
+            </a:gs>
+            <a:gs pos="100000">
+              <a:schemeClr val="accent1">
+                <a:lumMod val="30000"/>
+                <a:lumOff val="70000"/>
+              </a:schemeClr>
+            </a:gs>
+          </a:gsLst>
+          <a:lin ang="5400000" scaled="1"/>
+        </a:gradFill>
+        <a:effectLst/>
+      </p:bgPr>
+    </p:bg>
+    <p:spTree>
+      <p:nvGrpSpPr>
+        <p:cNvPr id="1" name=""/>
+        <p:cNvGrpSpPr/>
+        <p:nvPr/>
+      </p:nvGrpSpPr>
+      <p:grpSpPr>
+        <a:xfrm>
+          <a:off x="0" y="0"/>
+          <a:ext cx="0" cy="0"/>
+          <a:chOff x="0" y="0"/>
+          <a:chExt cx="0" cy="0"/>
+        </a:xfrm>
+      </p:grpSpPr>
+      <p:sp>
+        <p:nvSpPr>
+          <p:cNvPr id="2" name="Title 1"/>
+          <p:cNvSpPr>
+            <a:spLocks noGrp="1"/>
+          </p:cNvSpPr>
+          <p:nvPr>
+            <p:ph type="title"/>
+          </p:nvPr>
+        </p:nvSpPr>
+        <p:spPr>
+          <a:xfrm>
+            <a:off x="312821" y="-164575"/>
+            <a:ext cx="10515600" cy="1325563"/>
+          </a:xfrm>
+        </p:spPr>
+        <p:txBody>
+          <a:bodyPr/>
+          <a:lstStyle/>
+          <a:p>
+            <a:r>
+              <a:rPr lang="en-US" dirty="0" smtClean="0"/>
+              <a:t>Changing filter order</a:t>
+            </a:r>
+            <a:endParaRPr lang="en-US" dirty="0"/>
+          </a:p>
+        </p:txBody>
+      </p:sp>
+      <p:pic>
+        <p:nvPicPr>
+          <p:cNvPr id="3" name="Picture 2"/>
+          <p:cNvPicPr>
+            <a:picLocks noChangeAspect="1"/>
+          </p:cNvPicPr>
+          <p:nvPr/>
+        </p:nvPicPr>
+        <p:blipFill>
+          <a:blip r:embed="rId3"/>
+          <a:stretch>
+            <a:fillRect/>
+          </a:stretch>
+        </p:blipFill>
+        <p:spPr>
+          <a:xfrm>
+            <a:off x="312821" y="1782640"/>
+            <a:ext cx="11345262" cy="3328621"/>
+          </a:xfrm>
+          <a:prstGeom prst="rect">
+            <a:avLst/>
+          </a:prstGeom>
+        </p:spPr>
+      </p:pic>
+    </p:spTree>
+    <p:extLst>
+      <p:ext uri="{BB962C8B-B14F-4D97-AF65-F5344CB8AC3E}">
+        <p14:creationId xmlns:p14="http://schemas.microsoft.com/office/powerpoint/2010/main" val="2685937806"/>
+      </p:ext>
+    </p:extLst>
+  </p:cSld>
+  <p:clrMapOvr>
+    <a:masterClrMapping/>
+  </p:clrMapOvr>
+  <p:timing>
+    <p:tnLst>
+      <p:par>
+        <p:cTn id="1" dur="indefinite" restart="never" nodeType="tmRoot"/>
+      </p:par>
+    </p:tnLst>
+  </p:timing>
+</p:sld>
+</file>
+
 <file path=ppt/slides/slide7.xml><?xml version="1.0" encoding="utf-8"?>
 <p:sld xmlns:a="http://schemas.openxmlformats.org/drawingml/2006/main" xmlns:r="http://schemas.openxmlformats.org/officeDocument/2006/relationships" xmlns:p="http://schemas.openxmlformats.org/presentationml/2006/main">
   <p:cSld>
@@ -15888,6 +17902,301 @@
     <p:extLst>
       <p:ext uri="{BB962C8B-B14F-4D97-AF65-F5344CB8AC3E}">
         <p14:creationId xmlns:p14="http://schemas.microsoft.com/office/powerpoint/2010/main" val="1312923511"/>
+      </p:ext>
+    </p:extLst>
+  </p:cSld>
+  <p:clrMapOvr>
+    <a:masterClrMapping/>
+  </p:clrMapOvr>
+  <p:timing>
+    <p:tnLst>
+      <p:par>
+        <p:cTn id="1" dur="indefinite" restart="never" nodeType="tmRoot"/>
+      </p:par>
+    </p:tnLst>
+  </p:timing>
+</p:sld>
+</file>
+
+<file path=ppt/slides/slide70.xml><?xml version="1.0" encoding="utf-8"?>
+<p:sld xmlns:a="http://schemas.openxmlformats.org/drawingml/2006/main" xmlns:r="http://schemas.openxmlformats.org/officeDocument/2006/relationships" xmlns:p="http://schemas.openxmlformats.org/presentationml/2006/main">
+  <p:cSld>
+    <p:bg>
+      <p:bgPr>
+        <a:gradFill>
+          <a:gsLst>
+            <a:gs pos="0">
+              <a:schemeClr val="accent1">
+                <a:lumMod val="5000"/>
+                <a:lumOff val="95000"/>
+              </a:schemeClr>
+            </a:gs>
+            <a:gs pos="42000">
+              <a:schemeClr val="accent1">
+                <a:lumMod val="45000"/>
+                <a:lumOff val="55000"/>
+              </a:schemeClr>
+            </a:gs>
+            <a:gs pos="83000">
+              <a:schemeClr val="accent1">
+                <a:lumMod val="45000"/>
+                <a:lumOff val="55000"/>
+              </a:schemeClr>
+            </a:gs>
+            <a:gs pos="100000">
+              <a:schemeClr val="accent1">
+                <a:lumMod val="30000"/>
+                <a:lumOff val="70000"/>
+              </a:schemeClr>
+            </a:gs>
+          </a:gsLst>
+          <a:lin ang="5400000" scaled="1"/>
+        </a:gradFill>
+        <a:effectLst/>
+      </p:bgPr>
+    </p:bg>
+    <p:spTree>
+      <p:nvGrpSpPr>
+        <p:cNvPr id="1" name=""/>
+        <p:cNvGrpSpPr/>
+        <p:nvPr/>
+      </p:nvGrpSpPr>
+      <p:grpSpPr>
+        <a:xfrm>
+          <a:off x="0" y="0"/>
+          <a:ext cx="0" cy="0"/>
+          <a:chOff x="0" y="0"/>
+          <a:chExt cx="0" cy="0"/>
+        </a:xfrm>
+      </p:grpSpPr>
+      <p:sp>
+        <p:nvSpPr>
+          <p:cNvPr id="2" name="Title 1"/>
+          <p:cNvSpPr>
+            <a:spLocks noGrp="1"/>
+          </p:cNvSpPr>
+          <p:nvPr>
+            <p:ph type="title"/>
+          </p:nvPr>
+        </p:nvSpPr>
+        <p:spPr>
+          <a:xfrm>
+            <a:off x="312821" y="-164575"/>
+            <a:ext cx="10515600" cy="1325563"/>
+          </a:xfrm>
+        </p:spPr>
+        <p:txBody>
+          <a:bodyPr/>
+          <a:lstStyle/>
+          <a:p>
+            <a:r>
+              <a:rPr lang="en-US" dirty="0" smtClean="0"/>
+              <a:t>Changing filter order</a:t>
+            </a:r>
+            <a:endParaRPr lang="en-US" dirty="0"/>
+          </a:p>
+        </p:txBody>
+      </p:sp>
+      <p:pic>
+        <p:nvPicPr>
+          <p:cNvPr id="4" name="Picture 3"/>
+          <p:cNvPicPr>
+            <a:picLocks noChangeAspect="1"/>
+          </p:cNvPicPr>
+          <p:nvPr/>
+        </p:nvPicPr>
+        <p:blipFill>
+          <a:blip r:embed="rId3"/>
+          <a:stretch>
+            <a:fillRect/>
+          </a:stretch>
+        </p:blipFill>
+        <p:spPr>
+          <a:xfrm>
+            <a:off x="1065335" y="912933"/>
+            <a:ext cx="9977804" cy="5656207"/>
+          </a:xfrm>
+          <a:prstGeom prst="rect">
+            <a:avLst/>
+          </a:prstGeom>
+        </p:spPr>
+      </p:pic>
+    </p:spTree>
+    <p:extLst>
+      <p:ext uri="{BB962C8B-B14F-4D97-AF65-F5344CB8AC3E}">
+        <p14:creationId xmlns:p14="http://schemas.microsoft.com/office/powerpoint/2010/main" val="3261299170"/>
+      </p:ext>
+    </p:extLst>
+  </p:cSld>
+  <p:clrMapOvr>
+    <a:masterClrMapping/>
+  </p:clrMapOvr>
+  <p:timing>
+    <p:tnLst>
+      <p:par>
+        <p:cTn id="1" dur="indefinite" restart="never" nodeType="tmRoot"/>
+      </p:par>
+    </p:tnLst>
+  </p:timing>
+</p:sld>
+</file>
+
+<file path=ppt/slides/slide71.xml><?xml version="1.0" encoding="utf-8"?>
+<p:sld xmlns:a="http://schemas.openxmlformats.org/drawingml/2006/main" xmlns:r="http://schemas.openxmlformats.org/officeDocument/2006/relationships" xmlns:p="http://schemas.openxmlformats.org/presentationml/2006/main">
+  <p:cSld>
+    <p:bg>
+      <p:bgPr>
+        <a:gradFill>
+          <a:gsLst>
+            <a:gs pos="0">
+              <a:schemeClr val="accent1">
+                <a:lumMod val="5000"/>
+                <a:lumOff val="95000"/>
+              </a:schemeClr>
+            </a:gs>
+            <a:gs pos="42000">
+              <a:schemeClr val="accent1">
+                <a:lumMod val="45000"/>
+                <a:lumOff val="55000"/>
+              </a:schemeClr>
+            </a:gs>
+            <a:gs pos="83000">
+              <a:schemeClr val="accent1">
+                <a:lumMod val="45000"/>
+                <a:lumOff val="55000"/>
+              </a:schemeClr>
+            </a:gs>
+            <a:gs pos="100000">
+              <a:schemeClr val="accent1">
+                <a:lumMod val="30000"/>
+                <a:lumOff val="70000"/>
+              </a:schemeClr>
+            </a:gs>
+          </a:gsLst>
+          <a:lin ang="5400000" scaled="1"/>
+        </a:gradFill>
+        <a:effectLst/>
+      </p:bgPr>
+    </p:bg>
+    <p:spTree>
+      <p:nvGrpSpPr>
+        <p:cNvPr id="1" name=""/>
+        <p:cNvGrpSpPr/>
+        <p:nvPr/>
+      </p:nvGrpSpPr>
+      <p:grpSpPr>
+        <a:xfrm>
+          <a:off x="0" y="0"/>
+          <a:ext cx="0" cy="0"/>
+          <a:chOff x="0" y="0"/>
+          <a:chExt cx="0" cy="0"/>
+        </a:xfrm>
+      </p:grpSpPr>
+      <p:sp>
+        <p:nvSpPr>
+          <p:cNvPr id="2" name="Title 1"/>
+          <p:cNvSpPr>
+            <a:spLocks noGrp="1"/>
+          </p:cNvSpPr>
+          <p:nvPr>
+            <p:ph type="title"/>
+          </p:nvPr>
+        </p:nvSpPr>
+        <p:spPr>
+          <a:xfrm>
+            <a:off x="723130" y="784994"/>
+            <a:ext cx="10515600" cy="4689683"/>
+          </a:xfrm>
+        </p:spPr>
+        <p:txBody>
+          <a:bodyPr>
+            <a:normAutofit/>
+          </a:bodyPr>
+          <a:lstStyle/>
+          <a:p>
+            <a:pPr algn="ctr"/>
+            <a:r>
+              <a:rPr lang="en-US" dirty="0" smtClean="0"/>
+              <a:t>Thanks for attention</a:t>
+            </a:r>
+            <a:br>
+              <a:rPr lang="en-US" dirty="0" smtClean="0"/>
+            </a:br>
+            <a:r>
+              <a:rPr lang="en-US" dirty="0"/>
+              <a:t/>
+            </a:r>
+            <a:br>
+              <a:rPr lang="en-US" dirty="0"/>
+            </a:br>
+            <a:r>
+              <a:rPr lang="en-US" dirty="0" smtClean="0"/>
+              <a:t>Evgeniy </a:t>
+            </a:r>
+            <a:r>
+              <a:rPr lang="en-US" dirty="0" err="1" smtClean="0"/>
+              <a:t>Pilyaev</a:t>
+            </a:r>
+            <a:r>
+              <a:rPr lang="en-US" dirty="0" smtClean="0"/>
+              <a:t/>
+            </a:r>
+            <a:br>
+              <a:rPr lang="en-US" dirty="0" smtClean="0"/>
+            </a:br>
+            <a:r>
+              <a:rPr lang="en-US" dirty="0" smtClean="0"/>
+              <a:t/>
+            </a:r>
+            <a:br>
+              <a:rPr lang="en-US" dirty="0" smtClean="0"/>
+            </a:br>
+            <a:r>
+              <a:rPr lang="en-US" dirty="0">
+                <a:hlinkClick r:id="rId3"/>
+              </a:rPr>
+              <a:t>https://</a:t>
+            </a:r>
+            <a:r>
+              <a:rPr lang="en-US" dirty="0" smtClean="0">
+                <a:hlinkClick r:id="rId3"/>
+              </a:rPr>
+              <a:t>github.com/EPilyaev/ASPNetCoreMVC</a:t>
+            </a:r>
+            <a:r>
+              <a:rPr lang="en-US" dirty="0" smtClean="0"/>
+              <a:t/>
+            </a:r>
+            <a:br>
+              <a:rPr lang="en-US" dirty="0" smtClean="0"/>
+            </a:br>
+            <a:r>
+              <a:rPr lang="en-US" dirty="0" smtClean="0"/>
+              <a:t/>
+            </a:r>
+            <a:br>
+              <a:rPr lang="en-US" dirty="0" smtClean="0"/>
+            </a:br>
+            <a:r>
+              <a:rPr lang="en-US" dirty="0" smtClean="0"/>
+              <a:t>(</a:t>
+            </a:r>
+            <a:r>
+              <a:rPr lang="en-US" dirty="0" err="1" smtClean="0"/>
+              <a:t>Middleware&amp;Filters</a:t>
+            </a:r>
+            <a:r>
+              <a:rPr lang="en-US" dirty="0" smtClean="0"/>
+              <a:t> presentation)</a:t>
+            </a:r>
+            <a:endParaRPr lang="en-US" dirty="0"/>
+          </a:p>
+        </p:txBody>
+      </p:sp>
+    </p:spTree>
+    <p:extLst>
+      <p:ext uri="{BB962C8B-B14F-4D97-AF65-F5344CB8AC3E}">
+        <p14:creationId xmlns:p14="http://schemas.microsoft.com/office/powerpoint/2010/main" val="979259589"/>
       </p:ext>
     </p:extLst>
   </p:cSld>

--- a/Middleware&Filters.pptx
+++ b/Middleware&Filters.pptx
@@ -267,7 +267,7 @@
           <a:p>
             <a:fld id="{1747B90C-FE49-44DE-93E7-FA9DDECBEA03}" type="datetimeFigureOut">
               <a:rPr lang="en-US" smtClean="0"/>
-              <a:t>10-Oct-19</a:t>
+              <a:t>1/15/2020</a:t>
             </a:fld>
             <a:endParaRPr lang="en-US"/>
           </a:p>
@@ -331,38 +331,37 @@
           <a:p>
             <a:pPr lvl="0"/>
             <a:r>
-              <a:rPr lang="en-US" smtClean="0"/>
+              <a:rPr lang="en-US"/>
               <a:t>Edit Master text styles</a:t>
             </a:r>
           </a:p>
           <a:p>
             <a:pPr lvl="1"/>
             <a:r>
-              <a:rPr lang="en-US" smtClean="0"/>
+              <a:rPr lang="en-US"/>
               <a:t>Second level</a:t>
             </a:r>
           </a:p>
           <a:p>
             <a:pPr lvl="2"/>
             <a:r>
-              <a:rPr lang="en-US" smtClean="0"/>
+              <a:rPr lang="en-US"/>
               <a:t>Third level</a:t>
             </a:r>
           </a:p>
           <a:p>
             <a:pPr lvl="3"/>
             <a:r>
-              <a:rPr lang="en-US" smtClean="0"/>
+              <a:rPr lang="en-US"/>
               <a:t>Fourth level</a:t>
             </a:r>
           </a:p>
           <a:p>
             <a:pPr lvl="4"/>
             <a:r>
-              <a:rPr lang="en-US" smtClean="0"/>
+              <a:rPr lang="en-US"/>
               <a:t>Fifth level</a:t>
             </a:r>
-            <a:endParaRPr lang="en-US"/>
           </a:p>
         </p:txBody>
       </p:sp>
@@ -1084,15 +1083,15 @@
           <a:lstStyle/>
           <a:p>
             <a:r>
-              <a:rPr lang="en-US" dirty="0" smtClean="0"/>
+              <a:rPr lang="en-US" dirty="0"/>
               <a:t>Next</a:t>
             </a:r>
             <a:r>
-              <a:rPr lang="en-US" baseline="0" dirty="0" smtClean="0"/>
+              <a:rPr lang="en-US" baseline="0" dirty="0"/>
               <a:t> must be invoked to complete request processing pipeline and render result. If not called – it won’t </a:t>
             </a:r>
             <a:r>
-              <a:rPr lang="en-US" baseline="0" smtClean="0"/>
+              <a:rPr lang="en-US" baseline="0"/>
               <a:t>be rendered</a:t>
             </a:r>
             <a:endParaRPr lang="en-US" dirty="0"/>
@@ -1348,11 +1347,11 @@
           <a:lstStyle/>
           <a:p>
             <a:r>
-              <a:rPr lang="en-US" dirty="0" smtClean="0"/>
+              <a:rPr lang="en-US" dirty="0"/>
               <a:t>The output is after because </a:t>
             </a:r>
             <a:r>
-              <a:rPr lang="en-US" sz="1200" b="0" i="0" u="none" strike="noStrike" kern="1200" baseline="0" dirty="0" smtClean="0">
+              <a:rPr lang="en-US" sz="1200" b="0" i="0" u="none" strike="noStrike" kern="1200" baseline="0" dirty="0">
                 <a:solidFill>
                   <a:schemeClr val="tx1"/>
                 </a:solidFill>
@@ -1365,7 +1364,7 @@
           </a:p>
           <a:p>
             <a:r>
-              <a:rPr lang="en-US" sz="1200" b="0" i="0" u="none" strike="noStrike" kern="1200" baseline="0" dirty="0" smtClean="0">
+              <a:rPr lang="en-US" sz="1200" b="0" i="0" u="none" strike="noStrike" kern="1200" baseline="0" dirty="0">
                 <a:solidFill>
                   <a:schemeClr val="tx1"/>
                 </a:solidFill>
@@ -1544,21 +1543,21 @@
           <a:lstStyle/>
           <a:p>
             <a:r>
-              <a:rPr lang="en-US" dirty="0" err="1" smtClean="0"/>
+              <a:rPr lang="en-US" dirty="0" err="1"/>
               <a:t>OnActionExecuting</a:t>
             </a:r>
             <a:r>
-              <a:rPr lang="en-US" baseline="0" dirty="0" smtClean="0"/>
+              <a:rPr lang="en-US" baseline="0" dirty="0"/>
               <a:t> – before the action method is invoked</a:t>
             </a:r>
           </a:p>
           <a:p>
             <a:r>
-              <a:rPr lang="en-US" baseline="0" dirty="0" err="1" smtClean="0"/>
+              <a:rPr lang="en-US" baseline="0" dirty="0" err="1"/>
               <a:t>OnActionExecuted</a:t>
             </a:r>
             <a:r>
-              <a:rPr lang="en-US" baseline="0" dirty="0" smtClean="0"/>
+              <a:rPr lang="en-US" baseline="0" dirty="0"/>
               <a:t> – after </a:t>
             </a:r>
             <a:endParaRPr lang="en-US" dirty="0"/>
@@ -3326,27 +3325,27 @@
           <a:lstStyle/>
           <a:p>
             <a:r>
-              <a:rPr lang="ru-RU" dirty="0" smtClean="0"/>
+              <a:rPr lang="ru-RU" dirty="0"/>
               <a:t>Аналог</a:t>
             </a:r>
             <a:r>
-              <a:rPr lang="ru-RU" baseline="0" dirty="0" smtClean="0"/>
+              <a:rPr lang="ru-RU" baseline="0" dirty="0"/>
               <a:t> </a:t>
             </a:r>
             <a:r>
-              <a:rPr lang="en-US" baseline="0" dirty="0" smtClean="0"/>
+              <a:rPr lang="en-US" baseline="0" dirty="0"/>
               <a:t>type </a:t>
             </a:r>
             <a:r>
-              <a:rPr lang="ru-RU" baseline="0" dirty="0" smtClean="0"/>
+              <a:rPr lang="ru-RU" baseline="0" dirty="0"/>
               <a:t>и </a:t>
             </a:r>
             <a:r>
-              <a:rPr lang="en-US" baseline="0" dirty="0" smtClean="0"/>
+              <a:rPr lang="en-US" baseline="0" dirty="0"/>
               <a:t>Service </a:t>
             </a:r>
             <a:r>
-              <a:rPr lang="ru-RU" baseline="0" dirty="0" smtClean="0"/>
+              <a:rPr lang="ru-RU" baseline="0" dirty="0"/>
               <a:t>фильтров</a:t>
             </a:r>
             <a:endParaRPr lang="en-US" dirty="0"/>
@@ -3518,10 +3517,9 @@
           <a:lstStyle/>
           <a:p>
             <a:r>
-              <a:rPr lang="en-US" dirty="0" smtClean="0"/>
+              <a:rPr lang="en-US" dirty="0"/>
               <a:t>No filters</a:t>
             </a:r>
-            <a:endParaRPr lang="en-US" dirty="0"/>
           </a:p>
         </p:txBody>
       </p:sp>
@@ -4695,10 +4693,9 @@
           </a:lstStyle>
           <a:p>
             <a:r>
-              <a:rPr lang="en-US" smtClean="0"/>
+              <a:rPr lang="en-US"/>
               <a:t>Click to edit Master title style</a:t>
             </a:r>
-            <a:endParaRPr lang="en-US"/>
           </a:p>
         </p:txBody>
       </p:sp>
@@ -4760,10 +4757,9 @@
           </a:lstStyle>
           <a:p>
             <a:r>
-              <a:rPr lang="en-US" smtClean="0"/>
+              <a:rPr lang="en-US"/>
               <a:t>Click to edit Master subtitle style</a:t>
             </a:r>
-            <a:endParaRPr lang="en-US"/>
           </a:p>
         </p:txBody>
       </p:sp>
@@ -4784,7 +4780,7 @@
           <a:p>
             <a:fld id="{622E22BE-79DE-4FFF-A515-BF1CA8DF801A}" type="datetimeFigureOut">
               <a:rPr lang="en-US" smtClean="0"/>
-              <a:t>10-Oct-19</a:t>
+              <a:t>1/15/2020</a:t>
             </a:fld>
             <a:endParaRPr lang="en-US"/>
           </a:p>
@@ -4878,10 +4874,9 @@
           <a:lstStyle/>
           <a:p>
             <a:r>
-              <a:rPr lang="en-US" smtClean="0"/>
+              <a:rPr lang="en-US"/>
               <a:t>Click to edit Master title style</a:t>
             </a:r>
-            <a:endParaRPr lang="en-US"/>
           </a:p>
         </p:txBody>
       </p:sp>
@@ -4902,38 +4897,37 @@
           <a:p>
             <a:pPr lvl="0"/>
             <a:r>
-              <a:rPr lang="en-US" smtClean="0"/>
+              <a:rPr lang="en-US"/>
               <a:t>Edit Master text styles</a:t>
             </a:r>
           </a:p>
           <a:p>
             <a:pPr lvl="1"/>
             <a:r>
-              <a:rPr lang="en-US" smtClean="0"/>
+              <a:rPr lang="en-US"/>
               <a:t>Second level</a:t>
             </a:r>
           </a:p>
           <a:p>
             <a:pPr lvl="2"/>
             <a:r>
-              <a:rPr lang="en-US" smtClean="0"/>
+              <a:rPr lang="en-US"/>
               <a:t>Third level</a:t>
             </a:r>
           </a:p>
           <a:p>
             <a:pPr lvl="3"/>
             <a:r>
-              <a:rPr lang="en-US" smtClean="0"/>
+              <a:rPr lang="en-US"/>
               <a:t>Fourth level</a:t>
             </a:r>
           </a:p>
           <a:p>
             <a:pPr lvl="4"/>
             <a:r>
-              <a:rPr lang="en-US" smtClean="0"/>
+              <a:rPr lang="en-US"/>
               <a:t>Fifth level</a:t>
             </a:r>
-            <a:endParaRPr lang="en-US"/>
           </a:p>
         </p:txBody>
       </p:sp>
@@ -4954,7 +4948,7 @@
           <a:p>
             <a:fld id="{622E22BE-79DE-4FFF-A515-BF1CA8DF801A}" type="datetimeFigureOut">
               <a:rPr lang="en-US" smtClean="0"/>
-              <a:t>10-Oct-19</a:t>
+              <a:t>1/15/2020</a:t>
             </a:fld>
             <a:endParaRPr lang="en-US"/>
           </a:p>
@@ -5053,10 +5047,9 @@
           <a:lstStyle/>
           <a:p>
             <a:r>
-              <a:rPr lang="en-US" smtClean="0"/>
+              <a:rPr lang="en-US"/>
               <a:t>Click to edit Master title style</a:t>
             </a:r>
-            <a:endParaRPr lang="en-US"/>
           </a:p>
         </p:txBody>
       </p:sp>
@@ -5082,38 +5075,37 @@
           <a:p>
             <a:pPr lvl="0"/>
             <a:r>
-              <a:rPr lang="en-US" smtClean="0"/>
+              <a:rPr lang="en-US"/>
               <a:t>Edit Master text styles</a:t>
             </a:r>
           </a:p>
           <a:p>
             <a:pPr lvl="1"/>
             <a:r>
-              <a:rPr lang="en-US" smtClean="0"/>
+              <a:rPr lang="en-US"/>
               <a:t>Second level</a:t>
             </a:r>
           </a:p>
           <a:p>
             <a:pPr lvl="2"/>
             <a:r>
-              <a:rPr lang="en-US" smtClean="0"/>
+              <a:rPr lang="en-US"/>
               <a:t>Third level</a:t>
             </a:r>
           </a:p>
           <a:p>
             <a:pPr lvl="3"/>
             <a:r>
-              <a:rPr lang="en-US" smtClean="0"/>
+              <a:rPr lang="en-US"/>
               <a:t>Fourth level</a:t>
             </a:r>
           </a:p>
           <a:p>
             <a:pPr lvl="4"/>
             <a:r>
-              <a:rPr lang="en-US" smtClean="0"/>
+              <a:rPr lang="en-US"/>
               <a:t>Fifth level</a:t>
             </a:r>
-            <a:endParaRPr lang="en-US"/>
           </a:p>
         </p:txBody>
       </p:sp>
@@ -5134,7 +5126,7 @@
           <a:p>
             <a:fld id="{622E22BE-79DE-4FFF-A515-BF1CA8DF801A}" type="datetimeFigureOut">
               <a:rPr lang="en-US" smtClean="0"/>
-              <a:t>10-Oct-19</a:t>
+              <a:t>1/15/2020</a:t>
             </a:fld>
             <a:endParaRPr lang="en-US"/>
           </a:p>
@@ -5228,10 +5220,9 @@
           <a:lstStyle/>
           <a:p>
             <a:r>
-              <a:rPr lang="en-US" smtClean="0"/>
+              <a:rPr lang="en-US"/>
               <a:t>Click to edit Master title style</a:t>
             </a:r>
-            <a:endParaRPr lang="en-US"/>
           </a:p>
         </p:txBody>
       </p:sp>
@@ -5252,38 +5243,37 @@
           <a:p>
             <a:pPr lvl="0"/>
             <a:r>
-              <a:rPr lang="en-US" smtClean="0"/>
+              <a:rPr lang="en-US"/>
               <a:t>Edit Master text styles</a:t>
             </a:r>
           </a:p>
           <a:p>
             <a:pPr lvl="1"/>
             <a:r>
-              <a:rPr lang="en-US" smtClean="0"/>
+              <a:rPr lang="en-US"/>
               <a:t>Second level</a:t>
             </a:r>
           </a:p>
           <a:p>
             <a:pPr lvl="2"/>
             <a:r>
-              <a:rPr lang="en-US" smtClean="0"/>
+              <a:rPr lang="en-US"/>
               <a:t>Third level</a:t>
             </a:r>
           </a:p>
           <a:p>
             <a:pPr lvl="3"/>
             <a:r>
-              <a:rPr lang="en-US" smtClean="0"/>
+              <a:rPr lang="en-US"/>
               <a:t>Fourth level</a:t>
             </a:r>
           </a:p>
           <a:p>
             <a:pPr lvl="4"/>
             <a:r>
-              <a:rPr lang="en-US" smtClean="0"/>
+              <a:rPr lang="en-US"/>
               <a:t>Fifth level</a:t>
             </a:r>
-            <a:endParaRPr lang="en-US"/>
           </a:p>
         </p:txBody>
       </p:sp>
@@ -5304,7 +5294,7 @@
           <a:p>
             <a:fld id="{622E22BE-79DE-4FFF-A515-BF1CA8DF801A}" type="datetimeFigureOut">
               <a:rPr lang="en-US" smtClean="0"/>
-              <a:t>10-Oct-19</a:t>
+              <a:t>1/15/2020</a:t>
             </a:fld>
             <a:endParaRPr lang="en-US"/>
           </a:p>
@@ -5407,10 +5397,9 @@
           </a:lstStyle>
           <a:p>
             <a:r>
-              <a:rPr lang="en-US" smtClean="0"/>
+              <a:rPr lang="en-US"/>
               <a:t>Click to edit Master title style</a:t>
             </a:r>
-            <a:endParaRPr lang="en-US"/>
           </a:p>
         </p:txBody>
       </p:sp>
@@ -5527,7 +5516,7 @@
           <a:p>
             <a:pPr lvl="0"/>
             <a:r>
-              <a:rPr lang="en-US" smtClean="0"/>
+              <a:rPr lang="en-US"/>
               <a:t>Edit Master text styles</a:t>
             </a:r>
           </a:p>
@@ -5550,7 +5539,7 @@
           <a:p>
             <a:fld id="{622E22BE-79DE-4FFF-A515-BF1CA8DF801A}" type="datetimeFigureOut">
               <a:rPr lang="en-US" smtClean="0"/>
-              <a:t>10-Oct-19</a:t>
+              <a:t>1/15/2020</a:t>
             </a:fld>
             <a:endParaRPr lang="en-US"/>
           </a:p>
@@ -5644,10 +5633,9 @@
           <a:lstStyle/>
           <a:p>
             <a:r>
-              <a:rPr lang="en-US" smtClean="0"/>
+              <a:rPr lang="en-US"/>
               <a:t>Click to edit Master title style</a:t>
             </a:r>
-            <a:endParaRPr lang="en-US"/>
           </a:p>
         </p:txBody>
       </p:sp>
@@ -5673,38 +5661,37 @@
           <a:p>
             <a:pPr lvl="0"/>
             <a:r>
-              <a:rPr lang="en-US" smtClean="0"/>
+              <a:rPr lang="en-US"/>
               <a:t>Edit Master text styles</a:t>
             </a:r>
           </a:p>
           <a:p>
             <a:pPr lvl="1"/>
             <a:r>
-              <a:rPr lang="en-US" smtClean="0"/>
+              <a:rPr lang="en-US"/>
               <a:t>Second level</a:t>
             </a:r>
           </a:p>
           <a:p>
             <a:pPr lvl="2"/>
             <a:r>
-              <a:rPr lang="en-US" smtClean="0"/>
+              <a:rPr lang="en-US"/>
               <a:t>Third level</a:t>
             </a:r>
           </a:p>
           <a:p>
             <a:pPr lvl="3"/>
             <a:r>
-              <a:rPr lang="en-US" smtClean="0"/>
+              <a:rPr lang="en-US"/>
               <a:t>Fourth level</a:t>
             </a:r>
           </a:p>
           <a:p>
             <a:pPr lvl="4"/>
             <a:r>
-              <a:rPr lang="en-US" smtClean="0"/>
+              <a:rPr lang="en-US"/>
               <a:t>Fifth level</a:t>
             </a:r>
-            <a:endParaRPr lang="en-US"/>
           </a:p>
         </p:txBody>
       </p:sp>
@@ -5730,38 +5717,37 @@
           <a:p>
             <a:pPr lvl="0"/>
             <a:r>
-              <a:rPr lang="en-US" smtClean="0"/>
+              <a:rPr lang="en-US"/>
               <a:t>Edit Master text styles</a:t>
             </a:r>
           </a:p>
           <a:p>
             <a:pPr lvl="1"/>
             <a:r>
-              <a:rPr lang="en-US" smtClean="0"/>
+              <a:rPr lang="en-US"/>
               <a:t>Second level</a:t>
             </a:r>
           </a:p>
           <a:p>
             <a:pPr lvl="2"/>
             <a:r>
-              <a:rPr lang="en-US" smtClean="0"/>
+              <a:rPr lang="en-US"/>
               <a:t>Third level</a:t>
             </a:r>
           </a:p>
           <a:p>
             <a:pPr lvl="3"/>
             <a:r>
-              <a:rPr lang="en-US" smtClean="0"/>
+              <a:rPr lang="en-US"/>
               <a:t>Fourth level</a:t>
             </a:r>
           </a:p>
           <a:p>
             <a:pPr lvl="4"/>
             <a:r>
-              <a:rPr lang="en-US" smtClean="0"/>
+              <a:rPr lang="en-US"/>
               <a:t>Fifth level</a:t>
             </a:r>
-            <a:endParaRPr lang="en-US"/>
           </a:p>
         </p:txBody>
       </p:sp>
@@ -5782,7 +5768,7 @@
           <a:p>
             <a:fld id="{622E22BE-79DE-4FFF-A515-BF1CA8DF801A}" type="datetimeFigureOut">
               <a:rPr lang="en-US" smtClean="0"/>
-              <a:t>10-Oct-19</a:t>
+              <a:t>1/15/2020</a:t>
             </a:fld>
             <a:endParaRPr lang="en-US"/>
           </a:p>
@@ -5881,10 +5867,9 @@
           <a:lstStyle/>
           <a:p>
             <a:r>
-              <a:rPr lang="en-US" smtClean="0"/>
+              <a:rPr lang="en-US"/>
               <a:t>Click to edit Master title style</a:t>
             </a:r>
-            <a:endParaRPr lang="en-US"/>
           </a:p>
         </p:txBody>
       </p:sp>
@@ -5947,7 +5932,7 @@
           <a:p>
             <a:pPr lvl="0"/>
             <a:r>
-              <a:rPr lang="en-US" smtClean="0"/>
+              <a:rPr lang="en-US"/>
               <a:t>Edit Master text styles</a:t>
             </a:r>
           </a:p>
@@ -5975,38 +5960,37 @@
           <a:p>
             <a:pPr lvl="0"/>
             <a:r>
-              <a:rPr lang="en-US" smtClean="0"/>
+              <a:rPr lang="en-US"/>
               <a:t>Edit Master text styles</a:t>
             </a:r>
           </a:p>
           <a:p>
             <a:pPr lvl="1"/>
             <a:r>
-              <a:rPr lang="en-US" smtClean="0"/>
+              <a:rPr lang="en-US"/>
               <a:t>Second level</a:t>
             </a:r>
           </a:p>
           <a:p>
             <a:pPr lvl="2"/>
             <a:r>
-              <a:rPr lang="en-US" smtClean="0"/>
+              <a:rPr lang="en-US"/>
               <a:t>Third level</a:t>
             </a:r>
           </a:p>
           <a:p>
             <a:pPr lvl="3"/>
             <a:r>
-              <a:rPr lang="en-US" smtClean="0"/>
+              <a:rPr lang="en-US"/>
               <a:t>Fourth level</a:t>
             </a:r>
           </a:p>
           <a:p>
             <a:pPr lvl="4"/>
             <a:r>
-              <a:rPr lang="en-US" smtClean="0"/>
+              <a:rPr lang="en-US"/>
               <a:t>Fifth level</a:t>
             </a:r>
-            <a:endParaRPr lang="en-US"/>
           </a:p>
         </p:txBody>
       </p:sp>
@@ -6069,7 +6053,7 @@
           <a:p>
             <a:pPr lvl="0"/>
             <a:r>
-              <a:rPr lang="en-US" smtClean="0"/>
+              <a:rPr lang="en-US"/>
               <a:t>Edit Master text styles</a:t>
             </a:r>
           </a:p>
@@ -6097,38 +6081,37 @@
           <a:p>
             <a:pPr lvl="0"/>
             <a:r>
-              <a:rPr lang="en-US" smtClean="0"/>
+              <a:rPr lang="en-US"/>
               <a:t>Edit Master text styles</a:t>
             </a:r>
           </a:p>
           <a:p>
             <a:pPr lvl="1"/>
             <a:r>
-              <a:rPr lang="en-US" smtClean="0"/>
+              <a:rPr lang="en-US"/>
               <a:t>Second level</a:t>
             </a:r>
           </a:p>
           <a:p>
             <a:pPr lvl="2"/>
             <a:r>
-              <a:rPr lang="en-US" smtClean="0"/>
+              <a:rPr lang="en-US"/>
               <a:t>Third level</a:t>
             </a:r>
           </a:p>
           <a:p>
             <a:pPr lvl="3"/>
             <a:r>
-              <a:rPr lang="en-US" smtClean="0"/>
+              <a:rPr lang="en-US"/>
               <a:t>Fourth level</a:t>
             </a:r>
           </a:p>
           <a:p>
             <a:pPr lvl="4"/>
             <a:r>
-              <a:rPr lang="en-US" smtClean="0"/>
+              <a:rPr lang="en-US"/>
               <a:t>Fifth level</a:t>
             </a:r>
-            <a:endParaRPr lang="en-US"/>
           </a:p>
         </p:txBody>
       </p:sp>
@@ -6149,7 +6132,7 @@
           <a:p>
             <a:fld id="{622E22BE-79DE-4FFF-A515-BF1CA8DF801A}" type="datetimeFigureOut">
               <a:rPr lang="en-US" smtClean="0"/>
-              <a:t>10-Oct-19</a:t>
+              <a:t>1/15/2020</a:t>
             </a:fld>
             <a:endParaRPr lang="en-US"/>
           </a:p>
@@ -6243,10 +6226,9 @@
           <a:lstStyle/>
           <a:p>
             <a:r>
-              <a:rPr lang="en-US" smtClean="0"/>
+              <a:rPr lang="en-US"/>
               <a:t>Click to edit Master title style</a:t>
             </a:r>
-            <a:endParaRPr lang="en-US"/>
           </a:p>
         </p:txBody>
       </p:sp>
@@ -6267,7 +6249,7 @@
           <a:p>
             <a:fld id="{622E22BE-79DE-4FFF-A515-BF1CA8DF801A}" type="datetimeFigureOut">
               <a:rPr lang="en-US" smtClean="0"/>
-              <a:t>10-Oct-19</a:t>
+              <a:t>1/15/2020</a:t>
             </a:fld>
             <a:endParaRPr lang="en-US"/>
           </a:p>
@@ -6362,7 +6344,7 @@
           <a:p>
             <a:fld id="{622E22BE-79DE-4FFF-A515-BF1CA8DF801A}" type="datetimeFigureOut">
               <a:rPr lang="en-US" smtClean="0"/>
-              <a:t>10-Oct-19</a:t>
+              <a:t>1/15/2020</a:t>
             </a:fld>
             <a:endParaRPr lang="en-US"/>
           </a:p>
@@ -6465,10 +6447,9 @@
           </a:lstStyle>
           <a:p>
             <a:r>
-              <a:rPr lang="en-US" smtClean="0"/>
+              <a:rPr lang="en-US"/>
               <a:t>Click to edit Master title style</a:t>
             </a:r>
-            <a:endParaRPr lang="en-US"/>
           </a:p>
         </p:txBody>
       </p:sp>
@@ -6522,38 +6503,37 @@
           <a:p>
             <a:pPr lvl="0"/>
             <a:r>
-              <a:rPr lang="en-US" smtClean="0"/>
+              <a:rPr lang="en-US"/>
               <a:t>Edit Master text styles</a:t>
             </a:r>
           </a:p>
           <a:p>
             <a:pPr lvl="1"/>
             <a:r>
-              <a:rPr lang="en-US" smtClean="0"/>
+              <a:rPr lang="en-US"/>
               <a:t>Second level</a:t>
             </a:r>
           </a:p>
           <a:p>
             <a:pPr lvl="2"/>
             <a:r>
-              <a:rPr lang="en-US" smtClean="0"/>
+              <a:rPr lang="en-US"/>
               <a:t>Third level</a:t>
             </a:r>
           </a:p>
           <a:p>
             <a:pPr lvl="3"/>
             <a:r>
-              <a:rPr lang="en-US" smtClean="0"/>
+              <a:rPr lang="en-US"/>
               <a:t>Fourth level</a:t>
             </a:r>
           </a:p>
           <a:p>
             <a:pPr lvl="4"/>
             <a:r>
-              <a:rPr lang="en-US" smtClean="0"/>
+              <a:rPr lang="en-US"/>
               <a:t>Fifth level</a:t>
             </a:r>
-            <a:endParaRPr lang="en-US"/>
           </a:p>
         </p:txBody>
       </p:sp>
@@ -6616,7 +6596,7 @@
           <a:p>
             <a:pPr lvl="0"/>
             <a:r>
-              <a:rPr lang="en-US" smtClean="0"/>
+              <a:rPr lang="en-US"/>
               <a:t>Edit Master text styles</a:t>
             </a:r>
           </a:p>
@@ -6639,7 +6619,7 @@
           <a:p>
             <a:fld id="{622E22BE-79DE-4FFF-A515-BF1CA8DF801A}" type="datetimeFigureOut">
               <a:rPr lang="en-US" smtClean="0"/>
-              <a:t>10-Oct-19</a:t>
+              <a:t>1/15/2020</a:t>
             </a:fld>
             <a:endParaRPr lang="en-US"/>
           </a:p>
@@ -6742,10 +6722,9 @@
           </a:lstStyle>
           <a:p>
             <a:r>
-              <a:rPr lang="en-US" smtClean="0"/>
+              <a:rPr lang="en-US"/>
               <a:t>Click to edit Master title style</a:t>
             </a:r>
-            <a:endParaRPr lang="en-US"/>
           </a:p>
         </p:txBody>
       </p:sp>
@@ -6869,7 +6848,7 @@
           <a:p>
             <a:pPr lvl="0"/>
             <a:r>
-              <a:rPr lang="en-US" smtClean="0"/>
+              <a:rPr lang="en-US"/>
               <a:t>Edit Master text styles</a:t>
             </a:r>
           </a:p>
@@ -6892,7 +6871,7 @@
           <a:p>
             <a:fld id="{622E22BE-79DE-4FFF-A515-BF1CA8DF801A}" type="datetimeFigureOut">
               <a:rPr lang="en-US" smtClean="0"/>
-              <a:t>10-Oct-19</a:t>
+              <a:t>1/15/2020</a:t>
             </a:fld>
             <a:endParaRPr lang="en-US"/>
           </a:p>
@@ -7001,10 +6980,9 @@
           <a:lstStyle/>
           <a:p>
             <a:r>
-              <a:rPr lang="en-US" smtClean="0"/>
+              <a:rPr lang="en-US"/>
               <a:t>Click to edit Master title style</a:t>
             </a:r>
-            <a:endParaRPr lang="en-US"/>
           </a:p>
         </p:txBody>
       </p:sp>
@@ -7035,38 +7013,37 @@
           <a:p>
             <a:pPr lvl="0"/>
             <a:r>
-              <a:rPr lang="en-US" smtClean="0"/>
+              <a:rPr lang="en-US"/>
               <a:t>Edit Master text styles</a:t>
             </a:r>
           </a:p>
           <a:p>
             <a:pPr lvl="1"/>
             <a:r>
-              <a:rPr lang="en-US" smtClean="0"/>
+              <a:rPr lang="en-US"/>
               <a:t>Second level</a:t>
             </a:r>
           </a:p>
           <a:p>
             <a:pPr lvl="2"/>
             <a:r>
-              <a:rPr lang="en-US" smtClean="0"/>
+              <a:rPr lang="en-US"/>
               <a:t>Third level</a:t>
             </a:r>
           </a:p>
           <a:p>
             <a:pPr lvl="3"/>
             <a:r>
-              <a:rPr lang="en-US" smtClean="0"/>
+              <a:rPr lang="en-US"/>
               <a:t>Fourth level</a:t>
             </a:r>
           </a:p>
           <a:p>
             <a:pPr lvl="4"/>
             <a:r>
-              <a:rPr lang="en-US" smtClean="0"/>
+              <a:rPr lang="en-US"/>
               <a:t>Fifth level</a:t>
             </a:r>
-            <a:endParaRPr lang="en-US"/>
           </a:p>
         </p:txBody>
       </p:sp>
@@ -7105,7 +7082,7 @@
           <a:p>
             <a:fld id="{622E22BE-79DE-4FFF-A515-BF1CA8DF801A}" type="datetimeFigureOut">
               <a:rPr lang="en-US" smtClean="0"/>
-              <a:t>10-Oct-19</a:t>
+              <a:t>1/15/2020</a:t>
             </a:fld>
             <a:endParaRPr lang="en-US"/>
           </a:p>
@@ -7565,29 +7542,28 @@
           <a:lstStyle/>
           <a:p>
             <a:r>
-              <a:rPr lang="en-US" dirty="0" err="1" smtClean="0"/>
+              <a:rPr lang="en-US" dirty="0" err="1"/>
               <a:t>Midlleware</a:t>
             </a:r>
             <a:r>
-              <a:rPr lang="en-US" dirty="0" smtClean="0"/>
+              <a:rPr lang="en-US" dirty="0"/>
               <a:t> and filters in</a:t>
             </a:r>
             <a:br>
-              <a:rPr lang="en-US" dirty="0" smtClean="0"/>
+              <a:rPr lang="en-US" dirty="0"/>
             </a:br>
             <a:r>
-              <a:rPr lang="en-US" dirty="0" smtClean="0"/>
+              <a:rPr lang="en-US" dirty="0"/>
               <a:t>ASP </a:t>
             </a:r>
             <a:r>
-              <a:rPr lang="en-US" dirty="0" err="1" smtClean="0"/>
+              <a:rPr lang="en-US" dirty="0" err="1"/>
               <a:t>.Net</a:t>
             </a:r>
             <a:r>
-              <a:rPr lang="en-US" dirty="0" smtClean="0"/>
+              <a:rPr lang="en-US" dirty="0"/>
               <a:t> Core MVC</a:t>
             </a:r>
-            <a:endParaRPr lang="en-US" dirty="0"/>
           </a:p>
         </p:txBody>
       </p:sp>
@@ -7607,11 +7583,11 @@
           <a:lstStyle/>
           <a:p>
             <a:r>
-              <a:rPr lang="en-US" dirty="0" smtClean="0"/>
+              <a:rPr lang="en-US" dirty="0"/>
               <a:t>Evgeniy </a:t>
             </a:r>
             <a:r>
-              <a:rPr lang="en-US" dirty="0" err="1" smtClean="0"/>
+              <a:rPr lang="en-US" dirty="0" err="1"/>
               <a:t>Pilyaev</a:t>
             </a:r>
             <a:endParaRPr lang="en-US" dirty="0"/>
@@ -7628,13 +7604,6 @@
   <p:clrMapOvr>
     <a:masterClrMapping/>
   </p:clrMapOvr>
-  <p:timing>
-    <p:tnLst>
-      <p:par>
-        <p:cTn id="1" dur="indefinite" restart="never" nodeType="tmRoot"/>
-      </p:par>
-    </p:tnLst>
-  </p:timing>
 </p:sld>
 </file>
 
@@ -7705,10 +7674,9 @@
           <a:lstStyle/>
           <a:p>
             <a:r>
-              <a:rPr lang="en-US" dirty="0" smtClean="0"/>
+              <a:rPr lang="en-US" dirty="0"/>
               <a:t>Short-Circuiting Middleware</a:t>
             </a:r>
-            <a:endParaRPr lang="en-US" dirty="0"/>
           </a:p>
         </p:txBody>
       </p:sp>
@@ -7746,13 +7714,6 @@
   <p:clrMapOvr>
     <a:masterClrMapping/>
   </p:clrMapOvr>
-  <p:timing>
-    <p:tnLst>
-      <p:par>
-        <p:cTn id="1" dur="indefinite" restart="never" nodeType="tmRoot"/>
-      </p:par>
-    </p:tnLst>
-  </p:timing>
 </p:sld>
 </file>
 
@@ -7823,10 +7784,9 @@
           <a:lstStyle/>
           <a:p>
             <a:r>
-              <a:rPr lang="en-US" dirty="0" smtClean="0"/>
+              <a:rPr lang="en-US" dirty="0"/>
               <a:t>Request-editing Middleware</a:t>
             </a:r>
-            <a:endParaRPr lang="en-US" dirty="0"/>
           </a:p>
         </p:txBody>
       </p:sp>
@@ -7866,13 +7826,6 @@
   <p:clrMapOvr>
     <a:masterClrMapping/>
   </p:clrMapOvr>
-  <p:timing>
-    <p:tnLst>
-      <p:par>
-        <p:cTn id="1" dur="indefinite" restart="never" nodeType="tmRoot"/>
-      </p:par>
-    </p:tnLst>
-  </p:timing>
 </p:sld>
 </file>
 
@@ -7943,10 +7896,9 @@
           <a:lstStyle/>
           <a:p>
             <a:r>
-              <a:rPr lang="en-US" dirty="0" smtClean="0"/>
+              <a:rPr lang="en-US" dirty="0"/>
               <a:t>Request-editing Middleware</a:t>
             </a:r>
-            <a:endParaRPr lang="en-US" dirty="0"/>
           </a:p>
         </p:txBody>
       </p:sp>
@@ -8003,13 +7955,6 @@
   <p:clrMapOvr>
     <a:masterClrMapping/>
   </p:clrMapOvr>
-  <p:timing>
-    <p:tnLst>
-      <p:par>
-        <p:cTn id="1" dur="indefinite" restart="never" nodeType="tmRoot"/>
-      </p:par>
-    </p:tnLst>
-  </p:timing>
 </p:sld>
 </file>
 
@@ -8080,10 +8025,9 @@
           <a:lstStyle/>
           <a:p>
             <a:r>
-              <a:rPr lang="en-US" dirty="0" smtClean="0"/>
+              <a:rPr lang="en-US" dirty="0"/>
               <a:t>Response-editing Middleware</a:t>
             </a:r>
-            <a:endParaRPr lang="en-US" dirty="0"/>
           </a:p>
         </p:txBody>
       </p:sp>
@@ -8143,13 +8087,6 @@
   <p:clrMapOvr>
     <a:masterClrMapping/>
   </p:clrMapOvr>
-  <p:timing>
-    <p:tnLst>
-      <p:par>
-        <p:cTn id="1" dur="indefinite" restart="never" nodeType="tmRoot"/>
-      </p:par>
-    </p:tnLst>
-  </p:timing>
 </p:sld>
 </file>
 
@@ -8227,10 +8164,9 @@
           <a:lstStyle/>
           <a:p>
             <a:r>
-              <a:rPr lang="en-US" dirty="0" smtClean="0"/>
+              <a:rPr lang="en-US" dirty="0"/>
               <a:t>Response-editing Middleware</a:t>
             </a:r>
-            <a:endParaRPr lang="en-US" dirty="0"/>
           </a:p>
         </p:txBody>
       </p:sp>
@@ -8268,13 +8204,6 @@
   <p:clrMapOvr>
     <a:masterClrMapping/>
   </p:clrMapOvr>
-  <p:timing>
-    <p:tnLst>
-      <p:par>
-        <p:cTn id="1" dur="indefinite" restart="never" nodeType="tmRoot"/>
-      </p:par>
-    </p:tnLst>
-  </p:timing>
 </p:sld>
 </file>
 
@@ -8352,10 +8281,9 @@
           <a:lstStyle/>
           <a:p>
             <a:r>
-              <a:rPr lang="en-US" dirty="0" smtClean="0"/>
+              <a:rPr lang="en-US" dirty="0"/>
               <a:t>Response-editing Middleware</a:t>
             </a:r>
-            <a:endParaRPr lang="en-US" dirty="0"/>
           </a:p>
         </p:txBody>
       </p:sp>
@@ -8393,13 +8321,6 @@
   <p:clrMapOvr>
     <a:masterClrMapping/>
   </p:clrMapOvr>
-  <p:timing>
-    <p:tnLst>
-      <p:par>
-        <p:cTn id="1" dur="indefinite" restart="never" nodeType="tmRoot"/>
-      </p:par>
-    </p:tnLst>
-  </p:timing>
 </p:sld>
 </file>
 
@@ -8470,10 +8391,9 @@
           <a:lstStyle/>
           <a:p>
             <a:r>
-              <a:rPr lang="en-US" dirty="0" smtClean="0"/>
+              <a:rPr lang="en-US" dirty="0"/>
               <a:t>Filters</a:t>
             </a:r>
-            <a:endParaRPr lang="en-US" dirty="0"/>
           </a:p>
         </p:txBody>
       </p:sp>
@@ -8496,23 +8416,17 @@
               <a:buNone/>
             </a:pPr>
             <a:r>
-              <a:rPr lang="en-US" dirty="0" smtClean="0"/>
+              <a:rPr lang="en-US" dirty="0"/>
               <a:t>Implement </a:t>
             </a:r>
             <a:r>
-              <a:rPr lang="en-US" dirty="0" err="1" smtClean="0"/>
+              <a:rPr lang="en-US" dirty="0" err="1"/>
               <a:t>IFilterMetadata</a:t>
             </a:r>
             <a:r>
-              <a:rPr lang="en-US" dirty="0" smtClean="0"/>
+              <a:rPr lang="en-US" dirty="0"/>
               <a:t>:</a:t>
             </a:r>
-          </a:p>
-          <a:p>
-            <a:pPr marL="0" indent="0">
-              <a:buNone/>
-            </a:pPr>
-            <a:endParaRPr lang="en-US" dirty="0" smtClean="0"/>
           </a:p>
           <a:p>
             <a:pPr marL="0" indent="0">
@@ -8524,6 +8438,12 @@
             <a:pPr marL="0" indent="0">
               <a:buNone/>
             </a:pPr>
+            <a:endParaRPr lang="en-US" dirty="0"/>
+          </a:p>
+          <a:p>
+            <a:pPr marL="0" indent="0">
+              <a:buNone/>
+            </a:pPr>
             <a:r>
               <a:rPr lang="en-US" dirty="0">
                 <a:latin typeface="Consolas" panose="020B0609020204030204" pitchFamily="49" charset="0"/>
@@ -8548,16 +8468,10 @@
               <a:buNone/>
             </a:pPr>
             <a:r>
-              <a:rPr lang="en-US" dirty="0" smtClean="0">
-                <a:latin typeface="Consolas" panose="020B0609020204030204" pitchFamily="49" charset="0"/>
-              </a:rPr>
-              <a:t>	public </a:t>
-            </a:r>
-            <a:r>
               <a:rPr lang="en-US" dirty="0">
                 <a:latin typeface="Consolas" panose="020B0609020204030204" pitchFamily="49" charset="0"/>
               </a:rPr>
-              <a:t>interface </a:t>
+              <a:t>	public interface </a:t>
             </a:r>
             <a:r>
               <a:rPr lang="en-US" dirty="0" err="1">
@@ -8595,13 +8509,6 @@
   <p:clrMapOvr>
     <a:masterClrMapping/>
   </p:clrMapOvr>
-  <p:timing>
-    <p:tnLst>
-      <p:par>
-        <p:cTn id="1" dur="indefinite" restart="never" nodeType="tmRoot"/>
-      </p:par>
-    </p:tnLst>
-  </p:timing>
 </p:sld>
 </file>
 
@@ -8672,10 +8579,9 @@
           <a:lstStyle/>
           <a:p>
             <a:r>
-              <a:rPr lang="en-US" dirty="0" smtClean="0"/>
+              <a:rPr lang="en-US" dirty="0"/>
               <a:t>Filters</a:t>
             </a:r>
-            <a:endParaRPr lang="en-US" dirty="0"/>
           </a:p>
         </p:txBody>
       </p:sp>
@@ -8706,91 +8612,87 @@
             </a:pPr>
             <a:r>
               <a:rPr lang="en-US" sz="3600" dirty="0"/>
-              <a:t>	</a:t>
-            </a:r>
-            <a:r>
-              <a:rPr lang="en-US" sz="3600" dirty="0" smtClean="0"/>
-              <a:t>Types and order of filters:</a:t>
+              <a:t>	Types and order of filters:</a:t>
             </a:r>
           </a:p>
           <a:p>
             <a:pPr marL="0" indent="0">
               <a:buNone/>
             </a:pPr>
-            <a:endParaRPr lang="en-US" sz="3600" dirty="0" smtClean="0"/>
-          </a:p>
-          <a:p>
-            <a:r>
-              <a:rPr lang="en-US" sz="3600" dirty="0" smtClean="0"/>
+            <a:endParaRPr lang="en-US" sz="3600" dirty="0"/>
+          </a:p>
+          <a:p>
+            <a:r>
+              <a:rPr lang="en-US" sz="3600" dirty="0"/>
               <a:t>Authorization – I(</a:t>
             </a:r>
             <a:r>
-              <a:rPr lang="en-US" sz="3600" dirty="0" err="1" smtClean="0"/>
+              <a:rPr lang="en-US" sz="3600" dirty="0" err="1"/>
               <a:t>Async</a:t>
             </a:r>
             <a:r>
-              <a:rPr lang="en-US" sz="3600" dirty="0" smtClean="0"/>
+              <a:rPr lang="en-US" sz="3600" dirty="0"/>
               <a:t>)</a:t>
             </a:r>
             <a:r>
-              <a:rPr lang="en-US" sz="3600" dirty="0" err="1" smtClean="0"/>
+              <a:rPr lang="en-US" sz="3600" dirty="0" err="1"/>
               <a:t>AuthorizationFilter</a:t>
             </a:r>
-            <a:endParaRPr lang="en-US" sz="3600" dirty="0" smtClean="0"/>
-          </a:p>
-          <a:p>
-            <a:r>
-              <a:rPr lang="en-US" sz="3600" dirty="0" smtClean="0"/>
+            <a:endParaRPr lang="en-US" sz="3600" dirty="0"/>
+          </a:p>
+          <a:p>
+            <a:r>
+              <a:rPr lang="en-US" sz="3600" dirty="0"/>
               <a:t>Action – I(</a:t>
             </a:r>
             <a:r>
-              <a:rPr lang="en-US" sz="3600" dirty="0" err="1" smtClean="0"/>
+              <a:rPr lang="en-US" sz="3600" dirty="0" err="1"/>
               <a:t>Async</a:t>
             </a:r>
             <a:r>
-              <a:rPr lang="en-US" sz="3600" dirty="0" smtClean="0"/>
+              <a:rPr lang="en-US" sz="3600" dirty="0"/>
               <a:t>)</a:t>
             </a:r>
             <a:r>
-              <a:rPr lang="en-US" sz="3600" dirty="0" err="1" smtClean="0"/>
+              <a:rPr lang="en-US" sz="3600" dirty="0" err="1"/>
               <a:t>ActionFilter</a:t>
             </a:r>
-            <a:endParaRPr lang="en-US" sz="3600" dirty="0" smtClean="0"/>
-          </a:p>
-          <a:p>
-            <a:r>
-              <a:rPr lang="en-US" sz="3600" dirty="0" smtClean="0"/>
+            <a:endParaRPr lang="en-US" sz="3600" dirty="0"/>
+          </a:p>
+          <a:p>
+            <a:r>
+              <a:rPr lang="en-US" sz="3600" dirty="0"/>
               <a:t>Result – I(</a:t>
             </a:r>
             <a:r>
-              <a:rPr lang="en-US" sz="3600" dirty="0" err="1" smtClean="0"/>
+              <a:rPr lang="en-US" sz="3600" dirty="0" err="1"/>
               <a:t>Async</a:t>
             </a:r>
             <a:r>
-              <a:rPr lang="en-US" sz="3600" dirty="0" smtClean="0"/>
+              <a:rPr lang="en-US" sz="3600" dirty="0"/>
               <a:t>)</a:t>
             </a:r>
             <a:r>
-              <a:rPr lang="en-US" sz="3600" dirty="0" err="1" smtClean="0"/>
+              <a:rPr lang="en-US" sz="3600" dirty="0" err="1"/>
               <a:t>ResultFilter</a:t>
             </a:r>
-            <a:endParaRPr lang="en-US" sz="3600" dirty="0" smtClean="0"/>
-          </a:p>
-          <a:p>
-            <a:r>
-              <a:rPr lang="en-US" sz="3600" dirty="0" smtClean="0"/>
+            <a:endParaRPr lang="en-US" sz="3600" dirty="0"/>
+          </a:p>
+          <a:p>
+            <a:r>
+              <a:rPr lang="en-US" sz="3600" dirty="0"/>
               <a:t>Exception – I(</a:t>
             </a:r>
             <a:r>
-              <a:rPr lang="en-US" sz="3600" dirty="0" err="1" smtClean="0"/>
+              <a:rPr lang="en-US" sz="3600" dirty="0" err="1"/>
               <a:t>Async</a:t>
             </a:r>
             <a:r>
-              <a:rPr lang="en-US" sz="3600" dirty="0" smtClean="0"/>
+              <a:rPr lang="en-US" sz="3600" dirty="0"/>
               <a:t>)</a:t>
             </a:r>
             <a:r>
-              <a:rPr lang="en-US" sz="3600" dirty="0" err="1" smtClean="0"/>
+              <a:rPr lang="en-US" sz="3600" dirty="0" err="1"/>
               <a:t>ExceptionFilter</a:t>
             </a:r>
             <a:endParaRPr lang="en-US" sz="3600" dirty="0"/>
@@ -8807,13 +8709,6 @@
   <p:clrMapOvr>
     <a:masterClrMapping/>
   </p:clrMapOvr>
-  <p:timing>
-    <p:tnLst>
-      <p:par>
-        <p:cTn id="1" dur="indefinite" restart="never" nodeType="tmRoot"/>
-      </p:par>
-    </p:tnLst>
-  </p:timing>
 </p:sld>
 </file>
 
@@ -8884,10 +8779,9 @@
           <a:lstStyle/>
           <a:p>
             <a:r>
-              <a:rPr lang="en-US" dirty="0" smtClean="0"/>
+              <a:rPr lang="en-US" dirty="0"/>
               <a:t>Authorization filters</a:t>
             </a:r>
-            <a:endParaRPr lang="en-US" dirty="0"/>
           </a:p>
         </p:txBody>
       </p:sp>
@@ -8919,11 +8813,7 @@
             </a:r>
             <a:r>
               <a:rPr lang="en-US" dirty="0"/>
-              <a:t> </a:t>
-            </a:r>
-            <a:r>
-              <a:rPr lang="en-US" dirty="0" smtClean="0"/>
-              <a:t>{</a:t>
+              <a:t> {</a:t>
             </a:r>
           </a:p>
           <a:p>
@@ -8937,12 +8827,8 @@
               <a:buNone/>
             </a:pPr>
             <a:r>
-              <a:rPr lang="en-US" dirty="0" smtClean="0"/>
-              <a:t>	public </a:t>
-            </a:r>
-            <a:r>
               <a:rPr lang="en-US" dirty="0"/>
-              <a:t>interface </a:t>
+              <a:t>	public interface </a:t>
             </a:r>
             <a:r>
               <a:rPr lang="en-US" dirty="0" err="1"/>
@@ -8965,14 +8851,14 @@
             <a:pPr marL="0" indent="0">
               <a:buNone/>
             </a:pPr>
-            <a:endParaRPr lang="en-US" dirty="0" smtClean="0"/>
+            <a:endParaRPr lang="en-US" dirty="0"/>
           </a:p>
           <a:p>
             <a:pPr marL="0" indent="0">
               <a:buNone/>
             </a:pPr>
             <a:r>
-              <a:rPr lang="en-US" dirty="0" smtClean="0"/>
+              <a:rPr lang="en-US" dirty="0"/>
               <a:t>		void </a:t>
             </a:r>
             <a:r>
@@ -8996,17 +8882,16 @@
             <a:pPr marL="0" indent="0">
               <a:buNone/>
             </a:pPr>
-            <a:endParaRPr lang="en-US" dirty="0" smtClean="0"/>
+            <a:endParaRPr lang="en-US" dirty="0"/>
           </a:p>
           <a:p>
             <a:pPr marL="0" indent="0">
               <a:buNone/>
             </a:pPr>
             <a:r>
-              <a:rPr lang="en-US" dirty="0" smtClean="0"/>
+              <a:rPr lang="en-US" dirty="0"/>
               <a:t>	}</a:t>
             </a:r>
-            <a:endParaRPr lang="en-US" dirty="0"/>
           </a:p>
           <a:p>
             <a:pPr marL="0" indent="0">
@@ -9029,13 +8914,6 @@
   <p:clrMapOvr>
     <a:masterClrMapping/>
   </p:clrMapOvr>
-  <p:timing>
-    <p:tnLst>
-      <p:par>
-        <p:cTn id="1" dur="indefinite" restart="never" nodeType="tmRoot"/>
-      </p:par>
-    </p:tnLst>
-  </p:timing>
 </p:sld>
 </file>
 
@@ -9106,14 +8984,13 @@
           <a:lstStyle/>
           <a:p>
             <a:r>
-              <a:rPr lang="en-US" dirty="0" err="1" smtClean="0"/>
+              <a:rPr lang="en-US" dirty="0" err="1"/>
               <a:t>Async</a:t>
             </a:r>
             <a:r>
-              <a:rPr lang="en-US" dirty="0" smtClean="0"/>
+              <a:rPr lang="en-US" dirty="0"/>
               <a:t> authorization filters</a:t>
             </a:r>
-            <a:endParaRPr lang="en-US" dirty="0"/>
           </a:p>
         </p:txBody>
       </p:sp>
@@ -9152,11 +9029,7 @@
             </a:r>
             <a:r>
               <a:rPr lang="en-US" dirty="0"/>
-              <a:t> </a:t>
-            </a:r>
-            <a:r>
-              <a:rPr lang="en-US" dirty="0" smtClean="0"/>
-              <a:t>{</a:t>
+              <a:t> {</a:t>
             </a:r>
           </a:p>
           <a:p>
@@ -9170,12 +9043,8 @@
               <a:buNone/>
             </a:pPr>
             <a:r>
-              <a:rPr lang="en-US" dirty="0" smtClean="0"/>
-              <a:t>	public </a:t>
-            </a:r>
-            <a:r>
               <a:rPr lang="en-US" dirty="0"/>
-              <a:t>interface </a:t>
+              <a:t>	public interface </a:t>
             </a:r>
             <a:r>
               <a:rPr lang="en-US" dirty="0" err="1"/>
@@ -9198,14 +9067,14 @@
             <a:pPr marL="0" indent="0">
               <a:buNone/>
             </a:pPr>
-            <a:endParaRPr lang="en-US" dirty="0" smtClean="0"/>
+            <a:endParaRPr lang="en-US" dirty="0"/>
           </a:p>
           <a:p>
             <a:pPr marL="0" indent="0">
               <a:buNone/>
             </a:pPr>
             <a:r>
-              <a:rPr lang="en-US" dirty="0" smtClean="0"/>
+              <a:rPr lang="en-US" dirty="0"/>
               <a:t>		Task </a:t>
             </a:r>
             <a:r>
@@ -9229,33 +9098,31 @@
             <a:pPr marL="0" indent="0">
               <a:buNone/>
             </a:pPr>
-            <a:endParaRPr lang="en-US" dirty="0" smtClean="0"/>
+            <a:endParaRPr lang="en-US" dirty="0"/>
           </a:p>
           <a:p>
             <a:pPr marL="0" indent="0">
               <a:buNone/>
             </a:pPr>
             <a:r>
-              <a:rPr lang="en-US" dirty="0" smtClean="0"/>
+              <a:rPr lang="en-US" dirty="0"/>
               <a:t>	}</a:t>
             </a:r>
-            <a:endParaRPr lang="en-US" dirty="0"/>
           </a:p>
           <a:p>
             <a:pPr marL="0" indent="0">
               <a:buNone/>
             </a:pPr>
-            <a:endParaRPr lang="en-US" dirty="0" smtClean="0"/>
+            <a:endParaRPr lang="en-US" dirty="0"/>
           </a:p>
           <a:p>
             <a:pPr marL="0" indent="0">
               <a:buNone/>
             </a:pPr>
             <a:r>
-              <a:rPr lang="en-US" dirty="0" smtClean="0"/>
+              <a:rPr lang="en-US" dirty="0"/>
               <a:t>}</a:t>
             </a:r>
-            <a:endParaRPr lang="en-US" dirty="0"/>
           </a:p>
         </p:txBody>
       </p:sp>
@@ -9269,13 +9136,6 @@
   <p:clrMapOvr>
     <a:masterClrMapping/>
   </p:clrMapOvr>
-  <p:timing>
-    <p:tnLst>
-      <p:par>
-        <p:cTn id="1" dur="indefinite" restart="never" nodeType="tmRoot"/>
-      </p:par>
-    </p:tnLst>
-  </p:timing>
 </p:sld>
 </file>
 
@@ -9346,10 +9206,9 @@
           <a:lstStyle/>
           <a:p>
             <a:r>
-              <a:rPr lang="en-US" dirty="0" smtClean="0"/>
+              <a:rPr lang="en-US" dirty="0"/>
               <a:t>Middleware</a:t>
             </a:r>
-            <a:endParaRPr lang="en-US" dirty="0"/>
           </a:p>
         </p:txBody>
       </p:sp>
@@ -9377,48 +9236,39 @@
               <a:buNone/>
             </a:pPr>
             <a:r>
-              <a:rPr lang="en-US" dirty="0" smtClean="0"/>
-              <a:t>Middleware </a:t>
-            </a:r>
-            <a:r>
               <a:rPr lang="en-US" dirty="0"/>
-              <a:t>is the term used for the components that are combined to form the request pipeline</a:t>
-            </a:r>
-            <a:r>
-              <a:rPr lang="en-US" dirty="0" smtClean="0"/>
-              <a:t>.</a:t>
+              <a:t>Middleware is the term used for the components that are combined to form the request pipeline.</a:t>
             </a:r>
           </a:p>
           <a:p>
             <a:pPr marL="0" indent="0">
               <a:buNone/>
             </a:pPr>
-            <a:endParaRPr lang="en-US" dirty="0" smtClean="0"/>
-          </a:p>
-          <a:p>
-            <a:r>
-              <a:rPr lang="en-US" dirty="0" smtClean="0"/>
+            <a:endParaRPr lang="en-US" dirty="0"/>
+          </a:p>
+          <a:p>
+            <a:r>
+              <a:rPr lang="en-US" dirty="0"/>
               <a:t>Content-Generating</a:t>
             </a:r>
           </a:p>
           <a:p>
             <a:r>
-              <a:rPr lang="en-US" dirty="0" smtClean="0"/>
+              <a:rPr lang="en-US" dirty="0"/>
               <a:t>Short-circuiting</a:t>
             </a:r>
           </a:p>
           <a:p>
             <a:r>
-              <a:rPr lang="en-US" dirty="0" smtClean="0"/>
+              <a:rPr lang="en-US" dirty="0"/>
               <a:t>Request-editing</a:t>
             </a:r>
           </a:p>
           <a:p>
             <a:r>
-              <a:rPr lang="en-US" dirty="0" smtClean="0"/>
+              <a:rPr lang="en-US" dirty="0"/>
               <a:t>Response-editing</a:t>
             </a:r>
-            <a:endParaRPr lang="en-US" dirty="0"/>
           </a:p>
         </p:txBody>
       </p:sp>
@@ -9432,13 +9282,6 @@
   <p:clrMapOvr>
     <a:masterClrMapping/>
   </p:clrMapOvr>
-  <p:timing>
-    <p:tnLst>
-      <p:par>
-        <p:cTn id="1" dur="indefinite" restart="never" nodeType="tmRoot"/>
-      </p:par>
-    </p:tnLst>
-  </p:timing>
 </p:sld>
 </file>
 
@@ -9509,10 +9352,9 @@
           <a:lstStyle/>
           <a:p>
             <a:r>
-              <a:rPr lang="en-US" dirty="0" smtClean="0"/>
+              <a:rPr lang="en-US" dirty="0"/>
               <a:t>Authorization Filters</a:t>
             </a:r>
-            <a:endParaRPr lang="en-US" dirty="0"/>
           </a:p>
         </p:txBody>
       </p:sp>
@@ -9536,14 +9378,14 @@
             <a:pPr marL="0" indent="0">
               <a:buNone/>
             </a:pPr>
-            <a:endParaRPr lang="en-US" sz="3200" dirty="0" smtClean="0"/>
+            <a:endParaRPr lang="en-US" sz="3200" dirty="0"/>
           </a:p>
           <a:p>
             <a:pPr marL="0" indent="0">
               <a:buNone/>
             </a:pPr>
             <a:r>
-              <a:rPr lang="en-US" sz="3200" dirty="0" err="1" smtClean="0">
+              <a:rPr lang="en-US" sz="3200" dirty="0" err="1">
                 <a:solidFill>
                   <a:srgbClr val="C00000"/>
                 </a:solidFill>
@@ -9551,15 +9393,15 @@
               <a:t>IActionResult</a:t>
             </a:r>
             <a:r>
-              <a:rPr lang="en-US" sz="3200" dirty="0" smtClean="0"/>
+              <a:rPr lang="en-US" sz="3200" dirty="0"/>
               <a:t> </a:t>
             </a:r>
             <a:r>
-              <a:rPr lang="en-US" sz="3200" dirty="0" err="1" smtClean="0"/>
+              <a:rPr lang="en-US" sz="3200" dirty="0" err="1"/>
               <a:t>AuthorizationFilterContext.</a:t>
             </a:r>
             <a:r>
-              <a:rPr lang="en-US" sz="3200" dirty="0" err="1" smtClean="0">
+              <a:rPr lang="en-US" sz="3200" dirty="0" err="1">
                 <a:solidFill>
                   <a:srgbClr val="C00000"/>
                 </a:solidFill>
@@ -9567,10 +9409,9 @@
               <a:t>Result</a:t>
             </a:r>
             <a:r>
-              <a:rPr lang="en-US" sz="3200" dirty="0" smtClean="0"/>
+              <a:rPr lang="en-US" sz="3200" dirty="0"/>
               <a:t> property:</a:t>
             </a:r>
-            <a:endParaRPr lang="en-US" sz="3200" dirty="0"/>
           </a:p>
           <a:p>
             <a:pPr marL="0" indent="0">
@@ -9583,11 +9424,11 @@
               <a:buNone/>
             </a:pPr>
             <a:r>
-              <a:rPr lang="en-US" sz="3200" dirty="0" smtClean="0"/>
+              <a:rPr lang="en-US" sz="3200" dirty="0"/>
               <a:t>If this property is set, MVC renders the </a:t>
             </a:r>
             <a:r>
-              <a:rPr lang="en-US" sz="3200" dirty="0" err="1" smtClean="0">
+              <a:rPr lang="en-US" sz="3200" dirty="0" err="1">
                 <a:solidFill>
                   <a:srgbClr val="C00000"/>
                 </a:solidFill>
@@ -9595,10 +9436,9 @@
               <a:t>IActionResult</a:t>
             </a:r>
             <a:r>
-              <a:rPr lang="en-US" sz="3200" dirty="0" smtClean="0"/>
+              <a:rPr lang="en-US" sz="3200" dirty="0"/>
               <a:t> instead of invoking the action method </a:t>
             </a:r>
-            <a:endParaRPr lang="en-US" sz="3200" dirty="0"/>
           </a:p>
         </p:txBody>
       </p:sp>
@@ -9612,13 +9452,6 @@
   <p:clrMapOvr>
     <a:masterClrMapping/>
   </p:clrMapOvr>
-  <p:timing>
-    <p:tnLst>
-      <p:par>
-        <p:cTn id="1" dur="indefinite" restart="never" nodeType="tmRoot"/>
-      </p:par>
-    </p:tnLst>
-  </p:timing>
 </p:sld>
 </file>
 
@@ -9689,10 +9522,9 @@
           <a:lstStyle/>
           <a:p>
             <a:r>
-              <a:rPr lang="en-US" dirty="0" smtClean="0"/>
+              <a:rPr lang="en-US" dirty="0"/>
               <a:t>Authorization filter example</a:t>
             </a:r>
-            <a:endParaRPr lang="en-US" dirty="0"/>
           </a:p>
         </p:txBody>
       </p:sp>
@@ -9730,13 +9562,6 @@
   <p:clrMapOvr>
     <a:masterClrMapping/>
   </p:clrMapOvr>
-  <p:timing>
-    <p:tnLst>
-      <p:par>
-        <p:cTn id="1" dur="indefinite" restart="never" nodeType="tmRoot"/>
-      </p:par>
-    </p:tnLst>
-  </p:timing>
 </p:sld>
 </file>
 
@@ -9807,10 +9632,9 @@
           <a:lstStyle/>
           <a:p>
             <a:r>
-              <a:rPr lang="en-US" dirty="0" smtClean="0"/>
+              <a:rPr lang="en-US" dirty="0"/>
               <a:t>Authorization filter example</a:t>
             </a:r>
-            <a:endParaRPr lang="en-US" dirty="0"/>
           </a:p>
         </p:txBody>
       </p:sp>
@@ -9848,13 +9672,6 @@
   <p:clrMapOvr>
     <a:masterClrMapping/>
   </p:clrMapOvr>
-  <p:timing>
-    <p:tnLst>
-      <p:par>
-        <p:cTn id="1" dur="indefinite" restart="never" nodeType="tmRoot"/>
-      </p:par>
-    </p:tnLst>
-  </p:timing>
 </p:sld>
 </file>
 
@@ -9925,10 +9742,9 @@
           <a:lstStyle/>
           <a:p>
             <a:r>
-              <a:rPr lang="en-US" dirty="0" smtClean="0"/>
+              <a:rPr lang="en-US" dirty="0"/>
               <a:t>Authorization filter example</a:t>
             </a:r>
-            <a:endParaRPr lang="en-US" dirty="0"/>
           </a:p>
         </p:txBody>
       </p:sp>
@@ -9966,13 +9782,6 @@
   <p:clrMapOvr>
     <a:masterClrMapping/>
   </p:clrMapOvr>
-  <p:timing>
-    <p:tnLst>
-      <p:par>
-        <p:cTn id="1" dur="indefinite" restart="never" nodeType="tmRoot"/>
-      </p:par>
-    </p:tnLst>
-  </p:timing>
 </p:sld>
 </file>
 
@@ -10043,10 +9852,9 @@
           <a:lstStyle/>
           <a:p>
             <a:r>
-              <a:rPr lang="en-US" dirty="0" smtClean="0"/>
+              <a:rPr lang="en-US" dirty="0"/>
               <a:t>Action Filters</a:t>
             </a:r>
-            <a:endParaRPr lang="en-US" dirty="0"/>
           </a:p>
         </p:txBody>
       </p:sp>
@@ -10087,13 +9895,7 @@
               <a:rPr lang="en-US" sz="2800" dirty="0">
                 <a:latin typeface="Consolas" panose="020B0609020204030204" pitchFamily="49" charset="0"/>
               </a:rPr>
-              <a:t> </a:t>
-            </a:r>
-            <a:r>
-              <a:rPr lang="en-US" sz="2800" dirty="0" smtClean="0">
-                <a:latin typeface="Consolas" panose="020B0609020204030204" pitchFamily="49" charset="0"/>
-              </a:rPr>
-              <a:t>{</a:t>
+              <a:t> {</a:t>
             </a:r>
           </a:p>
           <a:p>
@@ -10103,16 +9905,10 @@
           </a:p>
           <a:p>
             <a:r>
-              <a:rPr lang="en-US" sz="2800" dirty="0" smtClean="0">
-                <a:latin typeface="Consolas" panose="020B0609020204030204" pitchFamily="49" charset="0"/>
-              </a:rPr>
-              <a:t>	public </a:t>
-            </a:r>
-            <a:r>
               <a:rPr lang="en-US" sz="2800" dirty="0">
                 <a:latin typeface="Consolas" panose="020B0609020204030204" pitchFamily="49" charset="0"/>
               </a:rPr>
-              <a:t>interface </a:t>
+              <a:t>	public interface </a:t>
             </a:r>
             <a:r>
               <a:rPr lang="en-US" sz="2800" dirty="0" err="1">
@@ -10136,13 +9932,7 @@
               <a:rPr lang="en-US" sz="2800" dirty="0">
                 <a:latin typeface="Consolas" panose="020B0609020204030204" pitchFamily="49" charset="0"/>
               </a:rPr>
-              <a:t> </a:t>
-            </a:r>
-            <a:r>
-              <a:rPr lang="en-US" sz="2800" dirty="0" smtClean="0">
-                <a:latin typeface="Consolas" panose="020B0609020204030204" pitchFamily="49" charset="0"/>
-              </a:rPr>
-              <a:t>{</a:t>
+              <a:t> {</a:t>
             </a:r>
           </a:p>
           <a:p>
@@ -10152,7 +9942,7 @@
           </a:p>
           <a:p>
             <a:r>
-              <a:rPr lang="en-US" sz="2800" dirty="0" smtClean="0">
+              <a:rPr lang="en-US" sz="2800" dirty="0">
                 <a:latin typeface="Consolas" panose="020B0609020204030204" pitchFamily="49" charset="0"/>
               </a:rPr>
               <a:t>	void </a:t>
@@ -10182,13 +9972,7 @@
               <a:rPr lang="en-US" sz="2800" dirty="0">
                 <a:latin typeface="Consolas" panose="020B0609020204030204" pitchFamily="49" charset="0"/>
               </a:rPr>
-              <a:t> context</a:t>
-            </a:r>
-            <a:r>
-              <a:rPr lang="en-US" sz="2800" dirty="0" smtClean="0">
-                <a:latin typeface="Consolas" panose="020B0609020204030204" pitchFamily="49" charset="0"/>
-              </a:rPr>
-              <a:t>);</a:t>
+              <a:t> context);</a:t>
             </a:r>
           </a:p>
           <a:p>
@@ -10198,7 +9982,7 @@
           </a:p>
           <a:p>
             <a:r>
-              <a:rPr lang="en-US" sz="2800" dirty="0" smtClean="0">
+              <a:rPr lang="en-US" sz="2800" dirty="0">
                 <a:latin typeface="Consolas" panose="020B0609020204030204" pitchFamily="49" charset="0"/>
               </a:rPr>
               <a:t>	void </a:t>
@@ -10228,13 +10012,7 @@
               <a:rPr lang="en-US" sz="2800" dirty="0">
                 <a:latin typeface="Consolas" panose="020B0609020204030204" pitchFamily="49" charset="0"/>
               </a:rPr>
-              <a:t> context</a:t>
-            </a:r>
-            <a:r>
-              <a:rPr lang="en-US" sz="2800" dirty="0" smtClean="0">
-                <a:latin typeface="Consolas" panose="020B0609020204030204" pitchFamily="49" charset="0"/>
-              </a:rPr>
-              <a:t>);</a:t>
+              <a:t> context);</a:t>
             </a:r>
           </a:p>
           <a:p>
@@ -10244,14 +10022,11 @@
           </a:p>
           <a:p>
             <a:r>
-              <a:rPr lang="en-US" sz="2800" dirty="0" smtClean="0">
+              <a:rPr lang="en-US" sz="2800" dirty="0">
                 <a:latin typeface="Consolas" panose="020B0609020204030204" pitchFamily="49" charset="0"/>
               </a:rPr>
               <a:t>	}</a:t>
             </a:r>
-            <a:endParaRPr lang="en-US" sz="2800" dirty="0">
-              <a:latin typeface="Consolas" panose="020B0609020204030204" pitchFamily="49" charset="0"/>
-            </a:endParaRPr>
           </a:p>
           <a:p>
             <a:r>
@@ -10273,13 +10048,6 @@
   <p:clrMapOvr>
     <a:masterClrMapping/>
   </p:clrMapOvr>
-  <p:timing>
-    <p:tnLst>
-      <p:par>
-        <p:cTn id="1" dur="indefinite" restart="never" nodeType="tmRoot"/>
-      </p:par>
-    </p:tnLst>
-  </p:timing>
 </p:sld>
 </file>
 
@@ -10350,10 +10118,9 @@
           <a:lstStyle/>
           <a:p>
             <a:r>
-              <a:rPr lang="en-US" dirty="0" smtClean="0"/>
+              <a:rPr lang="en-US" dirty="0"/>
               <a:t>Action Filters</a:t>
             </a:r>
-            <a:endParaRPr lang="en-US" dirty="0"/>
           </a:p>
         </p:txBody>
       </p:sp>
@@ -10379,13 +10146,13 @@
           <a:lstStyle/>
           <a:p>
             <a:r>
-              <a:rPr lang="en-US" sz="2800" dirty="0" err="1" smtClean="0">
+              <a:rPr lang="en-US" sz="2800" dirty="0" err="1">
                 <a:latin typeface="Consolas" panose="020B0609020204030204" pitchFamily="49" charset="0"/>
               </a:rPr>
               <a:t>ActionExecutingContext</a:t>
             </a:r>
             <a:r>
-              <a:rPr lang="en-US" sz="2800" dirty="0" smtClean="0">
+              <a:rPr lang="en-US" sz="2800" dirty="0">
                 <a:latin typeface="Consolas" panose="020B0609020204030204" pitchFamily="49" charset="0"/>
               </a:rPr>
               <a:t> properties:</a:t>
@@ -10402,13 +10169,13 @@
               <a:buChar char="•"/>
             </a:pPr>
             <a:r>
-              <a:rPr lang="en-US" sz="2800" dirty="0" smtClean="0">
+              <a:rPr lang="en-US" sz="2800" dirty="0">
                 <a:latin typeface="Consolas" panose="020B0609020204030204" pitchFamily="49" charset="0"/>
               </a:rPr>
               <a:t> </a:t>
             </a:r>
             <a:r>
-              <a:rPr lang="en-US" sz="2800" dirty="0" smtClean="0">
+              <a:rPr lang="en-US" sz="2800" dirty="0">
                 <a:solidFill>
                   <a:srgbClr val="C00000"/>
                 </a:solidFill>
@@ -10422,7 +10189,7 @@
               <a:buFont typeface="Arial" panose="020B0604020202020204" pitchFamily="34" charset="0"/>
               <a:buChar char="•"/>
             </a:pPr>
-            <a:endParaRPr lang="en-US" sz="2800" dirty="0" smtClean="0">
+            <a:endParaRPr lang="en-US" sz="2800" dirty="0">
               <a:latin typeface="Consolas" panose="020B0609020204030204" pitchFamily="49" charset="0"/>
             </a:endParaRPr>
           </a:p>
@@ -10432,13 +10199,13 @@
               <a:buChar char="•"/>
             </a:pPr>
             <a:r>
-              <a:rPr lang="en-US" sz="2800" dirty="0" smtClean="0">
+              <a:rPr lang="en-US" sz="2800" dirty="0">
                 <a:latin typeface="Consolas" panose="020B0609020204030204" pitchFamily="49" charset="0"/>
               </a:rPr>
               <a:t> </a:t>
             </a:r>
             <a:r>
-              <a:rPr lang="en-US" sz="2800" dirty="0" err="1" smtClean="0">
+              <a:rPr lang="en-US" sz="2800" dirty="0" err="1">
                 <a:solidFill>
                   <a:srgbClr val="C00000"/>
                 </a:solidFill>
@@ -10447,7 +10214,7 @@
               <a:t>ActionArguments</a:t>
             </a:r>
             <a:r>
-              <a:rPr lang="en-US" sz="2800" dirty="0" smtClean="0">
+              <a:rPr lang="en-US" sz="2800" dirty="0">
                 <a:latin typeface="Consolas" panose="020B0609020204030204" pitchFamily="49" charset="0"/>
               </a:rPr>
               <a:t> – dictionary of arguments</a:t>
@@ -10458,7 +10225,7 @@
               <a:buFont typeface="Arial" panose="020B0604020202020204" pitchFamily="34" charset="0"/>
               <a:buChar char="•"/>
             </a:pPr>
-            <a:endParaRPr lang="en-US" sz="2800" dirty="0" smtClean="0">
+            <a:endParaRPr lang="en-US" sz="2800" dirty="0">
               <a:latin typeface="Consolas" panose="020B0609020204030204" pitchFamily="49" charset="0"/>
             </a:endParaRPr>
           </a:p>
@@ -10468,13 +10235,13 @@
               <a:buChar char="•"/>
             </a:pPr>
             <a:r>
-              <a:rPr lang="en-US" sz="2800" dirty="0" smtClean="0">
+              <a:rPr lang="en-US" sz="2800" dirty="0">
                 <a:latin typeface="Consolas" panose="020B0609020204030204" pitchFamily="49" charset="0"/>
               </a:rPr>
               <a:t> </a:t>
             </a:r>
             <a:r>
-              <a:rPr lang="en-US" sz="2800" dirty="0" err="1" smtClean="0">
+              <a:rPr lang="en-US" sz="2800" dirty="0" err="1">
                 <a:solidFill>
                   <a:srgbClr val="C00000"/>
                 </a:solidFill>
@@ -10483,13 +10250,13 @@
               <a:t>IActionResult</a:t>
             </a:r>
             <a:r>
-              <a:rPr lang="en-US" sz="2800" dirty="0" smtClean="0">
+              <a:rPr lang="en-US" sz="2800" dirty="0">
                 <a:latin typeface="Consolas" panose="020B0609020204030204" pitchFamily="49" charset="0"/>
               </a:rPr>
               <a:t> </a:t>
             </a:r>
             <a:r>
-              <a:rPr lang="en-US" sz="2800" dirty="0" smtClean="0">
+              <a:rPr lang="en-US" sz="2800" dirty="0">
                 <a:solidFill>
                   <a:srgbClr val="C00000"/>
                 </a:solidFill>
@@ -10498,7 +10265,7 @@
               <a:t>Result</a:t>
             </a:r>
             <a:r>
-              <a:rPr lang="en-US" sz="2800" dirty="0" smtClean="0">
+              <a:rPr lang="en-US" sz="2800" dirty="0">
                 <a:latin typeface="Consolas" panose="020B0609020204030204" pitchFamily="49" charset="0"/>
               </a:rPr>
               <a:t> – if set, short-circuits the request and returns </a:t>
@@ -10516,13 +10283,6 @@
   <p:clrMapOvr>
     <a:masterClrMapping/>
   </p:clrMapOvr>
-  <p:timing>
-    <p:tnLst>
-      <p:par>
-        <p:cTn id="1" dur="indefinite" restart="never" nodeType="tmRoot"/>
-      </p:par>
-    </p:tnLst>
-  </p:timing>
 </p:sld>
 </file>
 
@@ -10593,10 +10353,9 @@
           <a:lstStyle/>
           <a:p>
             <a:r>
-              <a:rPr lang="en-US" dirty="0" smtClean="0"/>
+              <a:rPr lang="en-US" dirty="0"/>
               <a:t>Action Filters</a:t>
             </a:r>
-            <a:endParaRPr lang="en-US" dirty="0"/>
           </a:p>
         </p:txBody>
       </p:sp>
@@ -10622,13 +10381,13 @@
           <a:lstStyle/>
           <a:p>
             <a:r>
-              <a:rPr lang="en-US" sz="2800" dirty="0" err="1" smtClean="0">
+              <a:rPr lang="en-US" sz="2800" dirty="0" err="1">
                 <a:latin typeface="Consolas" panose="020B0609020204030204" pitchFamily="49" charset="0"/>
               </a:rPr>
               <a:t>ActionExecutedContext</a:t>
             </a:r>
             <a:r>
-              <a:rPr lang="en-US" sz="2800" dirty="0" smtClean="0">
+              <a:rPr lang="en-US" sz="2800" dirty="0">
                 <a:latin typeface="Consolas" panose="020B0609020204030204" pitchFamily="49" charset="0"/>
               </a:rPr>
               <a:t> properties:</a:t>
@@ -10645,7 +10404,7 @@
               <a:buChar char="•"/>
             </a:pPr>
             <a:r>
-              <a:rPr lang="en-US" sz="2800" dirty="0" smtClean="0">
+              <a:rPr lang="en-US" sz="2800" dirty="0">
                 <a:latin typeface="Consolas" panose="020B0609020204030204" pitchFamily="49" charset="0"/>
               </a:rPr>
               <a:t> Controller</a:t>
@@ -10657,13 +10416,13 @@
               <a:buChar char="•"/>
             </a:pPr>
             <a:r>
-              <a:rPr lang="en-US" sz="2800" dirty="0" smtClean="0">
+              <a:rPr lang="en-US" sz="2800" dirty="0">
                 <a:latin typeface="Consolas" panose="020B0609020204030204" pitchFamily="49" charset="0"/>
               </a:rPr>
               <a:t> </a:t>
             </a:r>
             <a:r>
-              <a:rPr lang="en-US" sz="2800" dirty="0" smtClean="0">
+              <a:rPr lang="en-US" sz="2800" dirty="0">
                 <a:solidFill>
                   <a:srgbClr val="C00000"/>
                 </a:solidFill>
@@ -10672,12 +10431,12 @@
               <a:t>Canceled </a:t>
             </a:r>
             <a:r>
-              <a:rPr lang="en-US" sz="2800" dirty="0" smtClean="0">
+              <a:rPr lang="en-US" sz="2800" dirty="0">
                 <a:latin typeface="Consolas" panose="020B0609020204030204" pitchFamily="49" charset="0"/>
               </a:rPr>
               <a:t>– true if another filter has set Result</a:t>
             </a:r>
-            <a:endParaRPr lang="en-US" sz="2800" dirty="0" smtClean="0">
+            <a:endParaRPr lang="en-US" sz="2800" dirty="0">
               <a:solidFill>
                 <a:srgbClr val="C00000"/>
               </a:solidFill>
@@ -10693,13 +10452,7 @@
               <a:rPr lang="en-US" sz="2800" dirty="0">
                 <a:latin typeface="Consolas" panose="020B0609020204030204" pitchFamily="49" charset="0"/>
               </a:rPr>
-              <a:t> </a:t>
-            </a:r>
-            <a:r>
-              <a:rPr lang="en-US" sz="2800" dirty="0" smtClean="0">
-                <a:latin typeface="Consolas" panose="020B0609020204030204" pitchFamily="49" charset="0"/>
-              </a:rPr>
-              <a:t>Exception</a:t>
+              <a:t> Exception</a:t>
             </a:r>
           </a:p>
           <a:p>
@@ -10714,13 +10467,13 @@
               <a:t> </a:t>
             </a:r>
             <a:r>
-              <a:rPr lang="en-US" sz="2800" dirty="0" err="1" smtClean="0">
+              <a:rPr lang="en-US" sz="2800" dirty="0" err="1">
                 <a:latin typeface="Consolas" panose="020B0609020204030204" pitchFamily="49" charset="0"/>
               </a:rPr>
               <a:t>ExceptionDispatchInfo</a:t>
             </a:r>
             <a:r>
-              <a:rPr lang="en-US" sz="2800" dirty="0" smtClean="0">
+              <a:rPr lang="en-US" sz="2800" dirty="0">
                 <a:latin typeface="Consolas" panose="020B0609020204030204" pitchFamily="49" charset="0"/>
               </a:rPr>
               <a:t> – stack trace</a:t>
@@ -10732,13 +10485,13 @@
               <a:buChar char="•"/>
             </a:pPr>
             <a:r>
-              <a:rPr lang="en-US" sz="2800" dirty="0" smtClean="0">
+              <a:rPr lang="en-US" sz="2800" dirty="0">
                 <a:latin typeface="Consolas" panose="020B0609020204030204" pitchFamily="49" charset="0"/>
               </a:rPr>
               <a:t> </a:t>
             </a:r>
             <a:r>
-              <a:rPr lang="en-US" sz="2800" dirty="0" err="1" smtClean="0">
+              <a:rPr lang="en-US" sz="2800" dirty="0" err="1">
                 <a:solidFill>
                   <a:srgbClr val="C00000"/>
                 </a:solidFill>
@@ -10747,7 +10500,7 @@
               <a:t>ExceptionHandled</a:t>
             </a:r>
             <a:r>
-              <a:rPr lang="en-US" sz="2800" dirty="0" smtClean="0">
+              <a:rPr lang="en-US" sz="2800" dirty="0">
                 <a:latin typeface="Consolas" panose="020B0609020204030204" pitchFamily="49" charset="0"/>
               </a:rPr>
               <a:t> – if set to true – suppresses exception</a:t>
@@ -10759,13 +10512,13 @@
               <a:buChar char="•"/>
             </a:pPr>
             <a:r>
-              <a:rPr lang="en-US" sz="2800" dirty="0" smtClean="0">
+              <a:rPr lang="en-US" sz="2800" dirty="0">
                 <a:latin typeface="Consolas" panose="020B0609020204030204" pitchFamily="49" charset="0"/>
               </a:rPr>
               <a:t> </a:t>
             </a:r>
             <a:r>
-              <a:rPr lang="en-US" sz="2800" dirty="0" err="1" smtClean="0">
+              <a:rPr lang="en-US" sz="2800" dirty="0" err="1">
                 <a:solidFill>
                   <a:srgbClr val="C00000"/>
                 </a:solidFill>
@@ -10774,7 +10527,7 @@
               <a:t>IActionResult</a:t>
             </a:r>
             <a:r>
-              <a:rPr lang="en-US" sz="2800" dirty="0" smtClean="0">
+              <a:rPr lang="en-US" sz="2800" dirty="0">
                 <a:solidFill>
                   <a:srgbClr val="C00000"/>
                 </a:solidFill>
@@ -10783,7 +10536,7 @@
               <a:t> Result </a:t>
             </a:r>
             <a:r>
-              <a:rPr lang="en-US" sz="2800" dirty="0" smtClean="0">
+              <a:rPr lang="en-US" sz="2800" dirty="0">
                 <a:latin typeface="Consolas" panose="020B0609020204030204" pitchFamily="49" charset="0"/>
               </a:rPr>
               <a:t>– can change or replace result</a:t>
@@ -10801,13 +10554,6 @@
   <p:clrMapOvr>
     <a:masterClrMapping/>
   </p:clrMapOvr>
-  <p:timing>
-    <p:tnLst>
-      <p:par>
-        <p:cTn id="1" dur="indefinite" restart="never" nodeType="tmRoot"/>
-      </p:par>
-    </p:tnLst>
-  </p:timing>
 </p:sld>
 </file>
 
@@ -10883,10 +10629,9 @@
           <a:lstStyle/>
           <a:p>
             <a:r>
-              <a:rPr lang="en-US" dirty="0" smtClean="0"/>
+              <a:rPr lang="en-US" dirty="0"/>
               <a:t>Action Filter example</a:t>
             </a:r>
-            <a:endParaRPr lang="en-US" dirty="0"/>
           </a:p>
         </p:txBody>
       </p:sp>
@@ -10924,13 +10669,6 @@
   <p:clrMapOvr>
     <a:masterClrMapping/>
   </p:clrMapOvr>
-  <p:timing>
-    <p:tnLst>
-      <p:par>
-        <p:cTn id="1" dur="indefinite" restart="never" nodeType="tmRoot"/>
-      </p:par>
-    </p:tnLst>
-  </p:timing>
 </p:sld>
 </file>
 
@@ -11006,10 +10744,9 @@
           <a:lstStyle/>
           <a:p>
             <a:r>
-              <a:rPr lang="en-US" dirty="0" smtClean="0"/>
+              <a:rPr lang="en-US" dirty="0"/>
               <a:t>Action Filter example</a:t>
             </a:r>
-            <a:endParaRPr lang="en-US" dirty="0"/>
           </a:p>
         </p:txBody>
       </p:sp>
@@ -11047,13 +10784,6 @@
   <p:clrMapOvr>
     <a:masterClrMapping/>
   </p:clrMapOvr>
-  <p:timing>
-    <p:tnLst>
-      <p:par>
-        <p:cTn id="1" dur="indefinite" restart="never" nodeType="tmRoot"/>
-      </p:par>
-    </p:tnLst>
-  </p:timing>
 </p:sld>
 </file>
 
@@ -11129,10 +10859,9 @@
           <a:lstStyle/>
           <a:p>
             <a:r>
-              <a:rPr lang="en-US" dirty="0" smtClean="0"/>
+              <a:rPr lang="en-US" dirty="0"/>
               <a:t>Action Filter example</a:t>
             </a:r>
-            <a:endParaRPr lang="en-US" dirty="0"/>
           </a:p>
         </p:txBody>
       </p:sp>
@@ -11170,13 +10899,6 @@
   <p:clrMapOvr>
     <a:masterClrMapping/>
   </p:clrMapOvr>
-  <p:timing>
-    <p:tnLst>
-      <p:par>
-        <p:cTn id="1" dur="indefinite" restart="never" nodeType="tmRoot"/>
-      </p:par>
-    </p:tnLst>
-  </p:timing>
 </p:sld>
 </file>
 
@@ -11248,13 +10970,8 @@
           <a:p>
             <a:r>
               <a:rPr lang="en-US" dirty="0"/>
-              <a:t>M</a:t>
-            </a:r>
-            <a:r>
-              <a:rPr lang="en-US" dirty="0" smtClean="0"/>
-              <a:t>iddleware</a:t>
-            </a:r>
-            <a:endParaRPr lang="en-US" dirty="0"/>
+              <a:t>Middleware</a:t>
+            </a:r>
           </a:p>
         </p:txBody>
       </p:sp>
@@ -11331,13 +11048,6 @@
   <p:clrMapOvr>
     <a:masterClrMapping/>
   </p:clrMapOvr>
-  <p:timing>
-    <p:tnLst>
-      <p:par>
-        <p:cTn id="1" dur="indefinite" restart="never" nodeType="tmRoot"/>
-      </p:par>
-    </p:tnLst>
-  </p:timing>
 </p:sld>
 </file>
 
@@ -11468,17 +11178,11 @@
               <a:rPr lang="en-US" sz="2800" dirty="0">
                 <a:latin typeface="Consolas" panose="020B0609020204030204" pitchFamily="49" charset="0"/>
               </a:rPr>
-              <a:t> </a:t>
-            </a:r>
-            <a:r>
-              <a:rPr lang="en-US" sz="2800" dirty="0" smtClean="0">
-                <a:latin typeface="Consolas" panose="020B0609020204030204" pitchFamily="49" charset="0"/>
-              </a:rPr>
-              <a:t>{</a:t>
-            </a:r>
-          </a:p>
-          <a:p>
-            <a:endParaRPr lang="en-US" sz="2800" dirty="0" smtClean="0">
+              <a:t> {</a:t>
+            </a:r>
+          </a:p>
+          <a:p>
+            <a:endParaRPr lang="en-US" sz="2800" dirty="0">
               <a:latin typeface="Consolas" panose="020B0609020204030204" pitchFamily="49" charset="0"/>
             </a:endParaRPr>
           </a:p>
@@ -11530,13 +11234,7 @@
               <a:rPr lang="en-US" sz="2800" dirty="0">
                 <a:latin typeface="Consolas" panose="020B0609020204030204" pitchFamily="49" charset="0"/>
               </a:rPr>
-              <a:t> next</a:t>
-            </a:r>
-            <a:r>
-              <a:rPr lang="en-US" sz="2800" dirty="0" smtClean="0">
-                <a:latin typeface="Consolas" panose="020B0609020204030204" pitchFamily="49" charset="0"/>
-              </a:rPr>
-              <a:t>);</a:t>
+              <a:t> next);</a:t>
             </a:r>
           </a:p>
           <a:p>
@@ -11569,13 +11267,6 @@
   <p:clrMapOvr>
     <a:masterClrMapping/>
   </p:clrMapOvr>
-  <p:timing>
-    <p:tnLst>
-      <p:par>
-        <p:cTn id="1" dur="indefinite" restart="never" nodeType="tmRoot"/>
-      </p:par>
-    </p:tnLst>
-  </p:timing>
 </p:sld>
 </file>
 
@@ -11691,13 +11382,6 @@
   <p:clrMapOvr>
     <a:masterClrMapping/>
   </p:clrMapOvr>
-  <p:timing>
-    <p:tnLst>
-      <p:par>
-        <p:cTn id="1" dur="indefinite" restart="never" nodeType="tmRoot"/>
-      </p:par>
-    </p:tnLst>
-  </p:timing>
 </p:sld>
 </file>
 
@@ -11837,13 +11521,6 @@
   <p:clrMapOvr>
     <a:masterClrMapping/>
   </p:clrMapOvr>
-  <p:timing>
-    <p:tnLst>
-      <p:par>
-        <p:cTn id="1" dur="indefinite" restart="never" nodeType="tmRoot"/>
-      </p:par>
-    </p:tnLst>
-  </p:timing>
 </p:sld>
 </file>
 
@@ -11919,7 +11596,7 @@
           <a:lstStyle/>
           <a:p>
             <a:r>
-              <a:rPr lang="en-US" smtClean="0"/>
+              <a:rPr lang="en-US"/>
               <a:t>Result Filters</a:t>
             </a:r>
             <a:endParaRPr lang="en-US" dirty="0"/>
@@ -11975,13 +11652,7 @@
               <a:rPr lang="en-US" sz="2800" dirty="0">
                 <a:latin typeface="Consolas" panose="020B0609020204030204" pitchFamily="49" charset="0"/>
               </a:rPr>
-              <a:t> </a:t>
-            </a:r>
-            <a:r>
-              <a:rPr lang="en-US" sz="2800" dirty="0" smtClean="0">
-                <a:latin typeface="Consolas" panose="020B0609020204030204" pitchFamily="49" charset="0"/>
-              </a:rPr>
-              <a:t>{</a:t>
+              <a:t> {</a:t>
             </a:r>
           </a:p>
           <a:p>
@@ -12018,13 +11689,7 @@
               <a:rPr lang="en-US" sz="2800" dirty="0">
                 <a:latin typeface="Consolas" panose="020B0609020204030204" pitchFamily="49" charset="0"/>
               </a:rPr>
-              <a:t> context</a:t>
-            </a:r>
-            <a:r>
-              <a:rPr lang="en-US" sz="2800" dirty="0" smtClean="0">
-                <a:latin typeface="Consolas" panose="020B0609020204030204" pitchFamily="49" charset="0"/>
-              </a:rPr>
-              <a:t>);</a:t>
+              <a:t> context);</a:t>
             </a:r>
           </a:p>
           <a:p>
@@ -12061,13 +11726,7 @@
               <a:rPr lang="en-US" sz="2800" dirty="0">
                 <a:latin typeface="Consolas" panose="020B0609020204030204" pitchFamily="49" charset="0"/>
               </a:rPr>
-              <a:t> context</a:t>
-            </a:r>
-            <a:r>
-              <a:rPr lang="en-US" sz="2800" dirty="0" smtClean="0">
-                <a:latin typeface="Consolas" panose="020B0609020204030204" pitchFamily="49" charset="0"/>
-              </a:rPr>
-              <a:t>);</a:t>
+              <a:t> context);</a:t>
             </a:r>
           </a:p>
           <a:p>
@@ -12095,13 +11754,6 @@
   <p:clrMapOvr>
     <a:masterClrMapping/>
   </p:clrMapOvr>
-  <p:timing>
-    <p:tnLst>
-      <p:par>
-        <p:cTn id="1" dur="indefinite" restart="never" nodeType="tmRoot"/>
-      </p:par>
-    </p:tnLst>
-  </p:timing>
 </p:sld>
 </file>
 
@@ -12177,7 +11829,7 @@
           <a:lstStyle/>
           <a:p>
             <a:r>
-              <a:rPr lang="en-US" smtClean="0"/>
+              <a:rPr lang="en-US"/>
               <a:t>Result Filters</a:t>
             </a:r>
             <a:endParaRPr lang="en-US" dirty="0"/>
@@ -12207,11 +11859,11 @@
           <a:lstStyle/>
           <a:p>
             <a:r>
-              <a:rPr lang="en-US" sz="3200" dirty="0" err="1" smtClean="0"/>
+              <a:rPr lang="en-US" sz="3200" dirty="0" err="1"/>
               <a:t>ResultExecutingContext</a:t>
             </a:r>
             <a:r>
-              <a:rPr lang="en-US" sz="3200" dirty="0" smtClean="0"/>
+              <a:rPr lang="en-US" sz="3200" dirty="0"/>
               <a:t> properties:</a:t>
             </a:r>
           </a:p>
@@ -12224,7 +11876,7 @@
               <a:buChar char="•"/>
             </a:pPr>
             <a:r>
-              <a:rPr lang="en-US" sz="3200" dirty="0" smtClean="0"/>
+              <a:rPr lang="en-US" sz="3200" dirty="0"/>
               <a:t> Controller</a:t>
             </a:r>
           </a:p>
@@ -12233,7 +11885,7 @@
               <a:buFont typeface="Arial" panose="020B0604020202020204" pitchFamily="34" charset="0"/>
               <a:buChar char="•"/>
             </a:pPr>
-            <a:endParaRPr lang="en-US" sz="3200" dirty="0" smtClean="0"/>
+            <a:endParaRPr lang="en-US" sz="3200" dirty="0"/>
           </a:p>
           <a:p>
             <a:pPr marL="457200" indent="-457200">
@@ -12241,11 +11893,11 @@
               <a:buChar char="•"/>
             </a:pPr>
             <a:r>
-              <a:rPr lang="en-US" sz="3200" dirty="0" smtClean="0"/>
+              <a:rPr lang="en-US" sz="3200" dirty="0"/>
               <a:t> </a:t>
             </a:r>
             <a:r>
-              <a:rPr lang="en-US" sz="3200" dirty="0" smtClean="0">
+              <a:rPr lang="en-US" sz="3200" dirty="0">
                 <a:solidFill>
                   <a:srgbClr val="C00000"/>
                 </a:solidFill>
@@ -12253,7 +11905,7 @@
               <a:t>bool Cancel </a:t>
             </a:r>
             <a:r>
-              <a:rPr lang="en-US" sz="3200" dirty="0" smtClean="0"/>
+              <a:rPr lang="en-US" sz="3200" dirty="0"/>
               <a:t>- if true, will stop the action result from being processed</a:t>
             </a:r>
           </a:p>
@@ -12262,7 +11914,7 @@
               <a:buFont typeface="Arial" panose="020B0604020202020204" pitchFamily="34" charset="0"/>
               <a:buChar char="•"/>
             </a:pPr>
-            <a:endParaRPr lang="en-US" sz="3200" dirty="0" smtClean="0"/>
+            <a:endParaRPr lang="en-US" sz="3200" dirty="0"/>
           </a:p>
           <a:p>
             <a:pPr marL="457200" indent="-457200">
@@ -12270,11 +11922,11 @@
               <a:buChar char="•"/>
             </a:pPr>
             <a:r>
-              <a:rPr lang="en-US" sz="3200" dirty="0" smtClean="0"/>
+              <a:rPr lang="en-US" sz="3200" dirty="0"/>
               <a:t> </a:t>
             </a:r>
             <a:r>
-              <a:rPr lang="en-US" sz="3200" dirty="0" err="1" smtClean="0">
+              <a:rPr lang="en-US" sz="3200" dirty="0" err="1">
                 <a:solidFill>
                   <a:srgbClr val="C00000"/>
                 </a:solidFill>
@@ -12282,7 +11934,7 @@
               <a:t>IActionResult</a:t>
             </a:r>
             <a:r>
-              <a:rPr lang="en-US" sz="3200" dirty="0" smtClean="0">
+              <a:rPr lang="en-US" sz="3200" dirty="0">
                 <a:solidFill>
                   <a:srgbClr val="C00000"/>
                 </a:solidFill>
@@ -12290,7 +11942,7 @@
               <a:t> Result</a:t>
             </a:r>
             <a:r>
-              <a:rPr lang="en-US" sz="3200" dirty="0" smtClean="0"/>
+              <a:rPr lang="en-US" sz="3200" dirty="0"/>
               <a:t> – result object returned by the action method</a:t>
             </a:r>
           </a:p>
@@ -12306,13 +11958,6 @@
   <p:clrMapOvr>
     <a:masterClrMapping/>
   </p:clrMapOvr>
-  <p:timing>
-    <p:tnLst>
-      <p:par>
-        <p:cTn id="1" dur="indefinite" restart="never" nodeType="tmRoot"/>
-      </p:par>
-    </p:tnLst>
-  </p:timing>
 </p:sld>
 </file>
 
@@ -12388,7 +12033,7 @@
           <a:lstStyle/>
           <a:p>
             <a:r>
-              <a:rPr lang="en-US" smtClean="0"/>
+              <a:rPr lang="en-US"/>
               <a:t>Result Filters</a:t>
             </a:r>
             <a:endParaRPr lang="en-US" dirty="0"/>
@@ -12424,12 +12069,12 @@
               <a:t>ResultExecutedContext</a:t>
             </a:r>
             <a:r>
-              <a:rPr lang="en-US" sz="3200" dirty="0" smtClean="0"/>
+              <a:rPr lang="en-US" sz="3200" dirty="0"/>
               <a:t> properties:</a:t>
             </a:r>
           </a:p>
           <a:p>
-            <a:endParaRPr lang="en-US" sz="3200" dirty="0" smtClean="0"/>
+            <a:endParaRPr lang="en-US" sz="3200" dirty="0"/>
           </a:p>
           <a:p>
             <a:pPr marL="457200" indent="-457200">
@@ -12437,7 +12082,7 @@
               <a:buChar char="•"/>
             </a:pPr>
             <a:r>
-              <a:rPr lang="en-US" sz="3200" dirty="0" smtClean="0"/>
+              <a:rPr lang="en-US" sz="3200" dirty="0"/>
               <a:t> Controller</a:t>
             </a:r>
           </a:p>
@@ -12447,7 +12092,7 @@
               <a:buChar char="•"/>
             </a:pPr>
             <a:r>
-              <a:rPr lang="en-US" sz="3200" dirty="0" smtClean="0"/>
+              <a:rPr lang="en-US" sz="3200" dirty="0"/>
               <a:t> bool Canceled – whether the request was cancelled</a:t>
             </a:r>
           </a:p>
@@ -12458,13 +12103,9 @@
             </a:pPr>
             <a:r>
               <a:rPr lang="en-US" sz="3200"/>
-              <a:t> </a:t>
-            </a:r>
-            <a:r>
-              <a:rPr lang="en-US" sz="3200" smtClean="0"/>
-              <a:t>Exception</a:t>
-            </a:r>
-            <a:endParaRPr lang="en-US" sz="3200" dirty="0" smtClean="0"/>
+              <a:t> Exception</a:t>
+            </a:r>
+            <a:endParaRPr lang="en-US" sz="3200" dirty="0"/>
           </a:p>
           <a:p>
             <a:pPr marL="457200" indent="-457200">
@@ -12472,15 +12113,15 @@
               <a:buChar char="•"/>
             </a:pPr>
             <a:r>
-              <a:rPr lang="en-US" sz="3200" dirty="0" smtClean="0"/>
+              <a:rPr lang="en-US" sz="3200" dirty="0"/>
               <a:t> </a:t>
             </a:r>
             <a:r>
-              <a:rPr lang="en-US" sz="3200" dirty="0" err="1" smtClean="0"/>
+              <a:rPr lang="en-US" sz="3200" dirty="0" err="1"/>
               <a:t>ExceptionDispatchInfo</a:t>
             </a:r>
             <a:r>
-              <a:rPr lang="en-US" sz="3200" dirty="0" smtClean="0"/>
+              <a:rPr lang="en-US" sz="3200" dirty="0"/>
               <a:t> – stack trace</a:t>
             </a:r>
           </a:p>
@@ -12490,11 +12131,11 @@
               <a:buChar char="•"/>
             </a:pPr>
             <a:r>
-              <a:rPr lang="en-US" sz="3200" dirty="0" smtClean="0"/>
+              <a:rPr lang="en-US" sz="3200" dirty="0"/>
               <a:t> </a:t>
             </a:r>
             <a:r>
-              <a:rPr lang="en-US" sz="3200" dirty="0" smtClean="0">
+              <a:rPr lang="en-US" sz="3200" dirty="0">
                 <a:solidFill>
                   <a:srgbClr val="C00000"/>
                 </a:solidFill>
@@ -12502,7 +12143,7 @@
               <a:t>bool </a:t>
             </a:r>
             <a:r>
-              <a:rPr lang="en-US" sz="3200" dirty="0" err="1" smtClean="0">
+              <a:rPr lang="en-US" sz="3200" dirty="0" err="1">
                 <a:solidFill>
                   <a:srgbClr val="C00000"/>
                 </a:solidFill>
@@ -12510,7 +12151,7 @@
               <a:t>ExceptionHandled</a:t>
             </a:r>
             <a:r>
-              <a:rPr lang="en-US" sz="3200" dirty="0" smtClean="0">
+              <a:rPr lang="en-US" sz="3200" dirty="0">
                 <a:solidFill>
                   <a:srgbClr val="C00000"/>
                 </a:solidFill>
@@ -12518,7 +12159,7 @@
               <a:t> </a:t>
             </a:r>
             <a:r>
-              <a:rPr lang="en-US" sz="3200" dirty="0" smtClean="0"/>
+              <a:rPr lang="en-US" sz="3200" dirty="0"/>
               <a:t>– if set to true – suppresses exception</a:t>
             </a:r>
           </a:p>
@@ -12528,15 +12169,15 @@
               <a:buChar char="•"/>
             </a:pPr>
             <a:r>
-              <a:rPr lang="en-US" sz="3200" dirty="0" smtClean="0"/>
+              <a:rPr lang="en-US" sz="3200" dirty="0"/>
               <a:t> </a:t>
             </a:r>
             <a:r>
-              <a:rPr lang="en-US" sz="3200" dirty="0" err="1" smtClean="0"/>
+              <a:rPr lang="en-US" sz="3200" dirty="0" err="1"/>
               <a:t>IActionResult</a:t>
             </a:r>
             <a:r>
-              <a:rPr lang="en-US" sz="3200" dirty="0" smtClean="0"/>
+              <a:rPr lang="en-US" sz="3200" dirty="0"/>
               <a:t> Result – result object that was used to generate response</a:t>
             </a:r>
           </a:p>
@@ -12552,13 +12193,6 @@
   <p:clrMapOvr>
     <a:masterClrMapping/>
   </p:clrMapOvr>
-  <p:timing>
-    <p:tnLst>
-      <p:par>
-        <p:cTn id="1" dur="indefinite" restart="never" nodeType="tmRoot"/>
-      </p:par>
-    </p:tnLst>
-  </p:timing>
 </p:sld>
 </file>
 
@@ -12634,10 +12268,9 @@
           <a:lstStyle/>
           <a:p>
             <a:r>
-              <a:rPr lang="en-US" dirty="0" smtClean="0"/>
+              <a:rPr lang="en-US" dirty="0"/>
               <a:t>Result Filter example</a:t>
             </a:r>
-            <a:endParaRPr lang="en-US" dirty="0"/>
           </a:p>
         </p:txBody>
       </p:sp>
@@ -12675,13 +12308,6 @@
   <p:clrMapOvr>
     <a:masterClrMapping/>
   </p:clrMapOvr>
-  <p:timing>
-    <p:tnLst>
-      <p:par>
-        <p:cTn id="1" dur="indefinite" restart="never" nodeType="tmRoot"/>
-      </p:par>
-    </p:tnLst>
-  </p:timing>
 </p:sld>
 </file>
 
@@ -12757,10 +12383,9 @@
           <a:lstStyle/>
           <a:p>
             <a:r>
-              <a:rPr lang="en-US" dirty="0" smtClean="0"/>
+              <a:rPr lang="en-US" dirty="0"/>
               <a:t>Result Filter example</a:t>
             </a:r>
-            <a:endParaRPr lang="en-US" dirty="0"/>
           </a:p>
         </p:txBody>
       </p:sp>
@@ -12822,13 +12447,6 @@
   <p:clrMapOvr>
     <a:masterClrMapping/>
   </p:clrMapOvr>
-  <p:timing>
-    <p:tnLst>
-      <p:par>
-        <p:cTn id="1" dur="indefinite" restart="never" nodeType="tmRoot"/>
-      </p:par>
-    </p:tnLst>
-  </p:timing>
 </p:sld>
 </file>
 
@@ -12904,14 +12522,13 @@
           <a:lstStyle/>
           <a:p>
             <a:r>
-              <a:rPr lang="en-US" dirty="0" err="1" smtClean="0"/>
+              <a:rPr lang="en-US" dirty="0" err="1"/>
               <a:t>Async</a:t>
             </a:r>
             <a:r>
-              <a:rPr lang="en-US" dirty="0" smtClean="0"/>
+              <a:rPr lang="en-US" dirty="0"/>
               <a:t> Result Filter example</a:t>
             </a:r>
-            <a:endParaRPr lang="en-US" dirty="0"/>
           </a:p>
         </p:txBody>
       </p:sp>
@@ -12949,13 +12566,6 @@
   <p:clrMapOvr>
     <a:masterClrMapping/>
   </p:clrMapOvr>
-  <p:timing>
-    <p:tnLst>
-      <p:par>
-        <p:cTn id="1" dur="indefinite" restart="never" nodeType="tmRoot"/>
-      </p:par>
-    </p:tnLst>
-  </p:timing>
 </p:sld>
 </file>
 
@@ -13031,10 +12641,9 @@
           <a:lstStyle/>
           <a:p>
             <a:r>
-              <a:rPr lang="en-US" dirty="0" smtClean="0"/>
+              <a:rPr lang="en-US" dirty="0"/>
               <a:t>Hybrid Action\Result filter</a:t>
             </a:r>
-            <a:endParaRPr lang="en-US" dirty="0"/>
           </a:p>
         </p:txBody>
       </p:sp>
@@ -13072,13 +12681,6 @@
   <p:clrMapOvr>
     <a:masterClrMapping/>
   </p:clrMapOvr>
-  <p:timing>
-    <p:tnLst>
-      <p:par>
-        <p:cTn id="1" dur="indefinite" restart="never" nodeType="tmRoot"/>
-      </p:par>
-    </p:tnLst>
-  </p:timing>
 </p:sld>
 </file>
 
@@ -13150,13 +12752,8 @@
           <a:p>
             <a:r>
               <a:rPr lang="en-US" dirty="0"/>
-              <a:t>M</a:t>
-            </a:r>
-            <a:r>
-              <a:rPr lang="en-US" dirty="0" smtClean="0"/>
-              <a:t>iddleware</a:t>
-            </a:r>
-            <a:endParaRPr lang="en-US" dirty="0"/>
+              <a:t>Middleware</a:t>
+            </a:r>
           </a:p>
         </p:txBody>
       </p:sp>
@@ -13179,15 +12776,9 @@
               <a:buNone/>
             </a:pPr>
             <a:r>
-              <a:rPr lang="en-US" dirty="0" smtClean="0"/>
+              <a:rPr lang="en-US" dirty="0"/>
               <a:t>To be a middleware component class must have:</a:t>
             </a:r>
-          </a:p>
-          <a:p>
-            <a:pPr marL="0" indent="0">
-              <a:buNone/>
-            </a:pPr>
-            <a:endParaRPr lang="en-US" dirty="0" smtClean="0"/>
           </a:p>
           <a:p>
             <a:pPr marL="0" indent="0">
@@ -13199,50 +12790,55 @@
             <a:pPr marL="0" indent="0">
               <a:buNone/>
             </a:pPr>
-            <a:r>
-              <a:rPr lang="en-US" dirty="0" smtClean="0"/>
-              <a:t>Constructor that takes a </a:t>
-            </a:r>
-            <a:r>
-              <a:rPr lang="en-US" dirty="0" err="1" smtClean="0"/>
-              <a:t>RequestDelegate</a:t>
-            </a:r>
-            <a:r>
-              <a:rPr lang="en-US" dirty="0" smtClean="0"/>
-              <a:t> (</a:t>
-            </a:r>
-            <a:r>
-              <a:rPr lang="en-US" dirty="0" err="1" smtClean="0"/>
-              <a:t>nextDelegate</a:t>
-            </a:r>
-            <a:r>
-              <a:rPr lang="en-US" dirty="0" smtClean="0"/>
-              <a:t>)</a:t>
-            </a:r>
+            <a:endParaRPr lang="en-US" dirty="0"/>
           </a:p>
           <a:p>
             <a:pPr marL="0" indent="0">
               <a:buNone/>
             </a:pPr>
-            <a:endParaRPr lang="en-US" dirty="0" smtClean="0"/>
+            <a:r>
+              <a:rPr lang="en-US" dirty="0"/>
+              <a:t>Constructor that takes a </a:t>
+            </a:r>
+            <a:r>
+              <a:rPr lang="en-US" dirty="0" err="1"/>
+              <a:t>RequestDelegate</a:t>
+            </a:r>
+            <a:r>
+              <a:rPr lang="en-US" dirty="0"/>
+              <a:t> (</a:t>
+            </a:r>
+            <a:r>
+              <a:rPr lang="en-US" dirty="0" err="1"/>
+              <a:t>nextDelegate</a:t>
+            </a:r>
+            <a:r>
+              <a:rPr lang="en-US" dirty="0"/>
+              <a:t>)</a:t>
+            </a:r>
           </a:p>
           <a:p>
             <a:pPr marL="0" indent="0">
               <a:buNone/>
             </a:pPr>
-            <a:r>
-              <a:rPr lang="en-US" dirty="0" smtClean="0"/>
+            <a:endParaRPr lang="en-US" dirty="0"/>
+          </a:p>
+          <a:p>
+            <a:pPr marL="0" indent="0">
+              <a:buNone/>
+            </a:pPr>
+            <a:r>
+              <a:rPr lang="en-US" dirty="0"/>
               <a:t>Define Invoke method which takes </a:t>
             </a:r>
             <a:r>
-              <a:rPr lang="en-US" dirty="0" err="1" smtClean="0"/>
+              <a:rPr lang="en-US" dirty="0" err="1"/>
               <a:t>HttpContext</a:t>
             </a:r>
             <a:r>
-              <a:rPr lang="en-US" dirty="0" smtClean="0"/>
+              <a:rPr lang="en-US" dirty="0"/>
               <a:t> as and argument</a:t>
             </a:r>
-            <a:endParaRPr lang="en-US" dirty="0"/>
           </a:p>
         </p:txBody>
       </p:sp>
@@ -13256,13 +12852,6 @@
   <p:clrMapOvr>
     <a:masterClrMapping/>
   </p:clrMapOvr>
-  <p:timing>
-    <p:tnLst>
-      <p:par>
-        <p:cTn id="1" dur="indefinite" restart="never" nodeType="tmRoot"/>
-      </p:par>
-    </p:tnLst>
-  </p:timing>
 </p:sld>
 </file>
 
@@ -13338,10 +12927,9 @@
           <a:lstStyle/>
           <a:p>
             <a:r>
-              <a:rPr lang="en-US" dirty="0" smtClean="0"/>
+              <a:rPr lang="en-US" dirty="0"/>
               <a:t>Hybrid Action\Result filter</a:t>
             </a:r>
-            <a:endParaRPr lang="en-US" dirty="0"/>
           </a:p>
         </p:txBody>
       </p:sp>
@@ -13379,13 +12967,6 @@
   <p:clrMapOvr>
     <a:masterClrMapping/>
   </p:clrMapOvr>
-  <p:timing>
-    <p:tnLst>
-      <p:par>
-        <p:cTn id="1" dur="indefinite" restart="never" nodeType="tmRoot"/>
-      </p:par>
-    </p:tnLst>
-  </p:timing>
 </p:sld>
 </file>
 
@@ -13461,10 +13042,9 @@
           <a:lstStyle/>
           <a:p>
             <a:r>
-              <a:rPr lang="en-US" dirty="0" smtClean="0"/>
+              <a:rPr lang="en-US" dirty="0"/>
               <a:t>Hybrid Action\Result filter</a:t>
             </a:r>
-            <a:endParaRPr lang="en-US" dirty="0"/>
           </a:p>
         </p:txBody>
       </p:sp>
@@ -13526,13 +13106,6 @@
   <p:clrMapOvr>
     <a:masterClrMapping/>
   </p:clrMapOvr>
-  <p:timing>
-    <p:tnLst>
-      <p:par>
-        <p:cTn id="1" dur="indefinite" restart="never" nodeType="tmRoot"/>
-      </p:par>
-    </p:tnLst>
-  </p:timing>
 </p:sld>
 </file>
 
@@ -13608,10 +13181,9 @@
           <a:lstStyle/>
           <a:p>
             <a:r>
-              <a:rPr lang="en-US" dirty="0" smtClean="0"/>
+              <a:rPr lang="en-US" dirty="0"/>
               <a:t>Exception filters</a:t>
             </a:r>
-            <a:endParaRPr lang="en-US" dirty="0"/>
           </a:p>
         </p:txBody>
       </p:sp>
@@ -13664,13 +13236,7 @@
               <a:rPr lang="en-US" sz="2400" dirty="0">
                 <a:latin typeface="Consolas" panose="020B0609020204030204" pitchFamily="49" charset="0"/>
               </a:rPr>
-              <a:t> </a:t>
-            </a:r>
-            <a:r>
-              <a:rPr lang="en-US" sz="2400" dirty="0" smtClean="0">
-                <a:latin typeface="Consolas" panose="020B0609020204030204" pitchFamily="49" charset="0"/>
-              </a:rPr>
-              <a:t>{</a:t>
+              <a:t> {</a:t>
             </a:r>
           </a:p>
           <a:p>
@@ -13680,7 +13246,7 @@
           </a:p>
           <a:p>
             <a:r>
-              <a:rPr lang="en-US" sz="2400" dirty="0" smtClean="0">
+              <a:rPr lang="en-US" sz="2400" dirty="0">
                 <a:latin typeface="Consolas" panose="020B0609020204030204" pitchFamily="49" charset="0"/>
               </a:rPr>
               <a:t>     void </a:t>
@@ -13707,13 +13273,7 @@
               <a:rPr lang="en-US" sz="2400" dirty="0">
                 <a:latin typeface="Consolas" panose="020B0609020204030204" pitchFamily="49" charset="0"/>
               </a:rPr>
-              <a:t> context</a:t>
-            </a:r>
-            <a:r>
-              <a:rPr lang="en-US" sz="2400" dirty="0" smtClean="0">
-                <a:latin typeface="Consolas" panose="020B0609020204030204" pitchFamily="49" charset="0"/>
-              </a:rPr>
-              <a:t>);</a:t>
+              <a:t> context);</a:t>
             </a:r>
           </a:p>
           <a:p>
@@ -13780,13 +13340,7 @@
               <a:rPr lang="en-US" sz="2400" dirty="0">
                 <a:latin typeface="Consolas" panose="020B0609020204030204" pitchFamily="49" charset="0"/>
               </a:rPr>
-              <a:t> </a:t>
-            </a:r>
-            <a:r>
-              <a:rPr lang="en-US" sz="2400" dirty="0" smtClean="0">
-                <a:latin typeface="Consolas" panose="020B0609020204030204" pitchFamily="49" charset="0"/>
-              </a:rPr>
-              <a:t>{</a:t>
+              <a:t> {</a:t>
             </a:r>
           </a:p>
           <a:p>
@@ -13796,7 +13350,7 @@
           </a:p>
           <a:p>
             <a:r>
-              <a:rPr lang="en-US" sz="2400" dirty="0" smtClean="0">
+              <a:rPr lang="en-US" sz="2400" dirty="0">
                 <a:latin typeface="Consolas" panose="020B0609020204030204" pitchFamily="49" charset="0"/>
               </a:rPr>
               <a:t>     Task </a:t>
@@ -13823,13 +13377,7 @@
               <a:rPr lang="en-US" sz="2400" dirty="0">
                 <a:latin typeface="Consolas" panose="020B0609020204030204" pitchFamily="49" charset="0"/>
               </a:rPr>
-              <a:t> context</a:t>
-            </a:r>
-            <a:r>
-              <a:rPr lang="en-US" sz="2400" dirty="0" smtClean="0">
-                <a:latin typeface="Consolas" panose="020B0609020204030204" pitchFamily="49" charset="0"/>
-              </a:rPr>
-              <a:t>);</a:t>
+              <a:t> context);</a:t>
             </a:r>
           </a:p>
           <a:p>
@@ -13857,13 +13405,6 @@
   <p:clrMapOvr>
     <a:masterClrMapping/>
   </p:clrMapOvr>
-  <p:timing>
-    <p:tnLst>
-      <p:par>
-        <p:cTn id="1" dur="indefinite" restart="never" nodeType="tmRoot"/>
-      </p:par>
-    </p:tnLst>
-  </p:timing>
 </p:sld>
 </file>
 
@@ -13939,10 +13480,9 @@
           <a:lstStyle/>
           <a:p>
             <a:r>
-              <a:rPr lang="en-US" dirty="0" smtClean="0"/>
+              <a:rPr lang="en-US" dirty="0"/>
               <a:t>Exception filters</a:t>
             </a:r>
-            <a:endParaRPr lang="en-US" dirty="0"/>
           </a:p>
         </p:txBody>
       </p:sp>
@@ -13969,12 +13509,12 @@
           <a:lstStyle/>
           <a:p>
             <a:r>
-              <a:rPr lang="en-US" sz="3200" dirty="0" smtClean="0"/>
+              <a:rPr lang="en-US" sz="3200" dirty="0"/>
               <a:t>Exception context properties:</a:t>
             </a:r>
           </a:p>
           <a:p>
-            <a:endParaRPr lang="en-US" sz="3200" dirty="0" smtClean="0"/>
+            <a:endParaRPr lang="en-US" sz="3200" dirty="0"/>
           </a:p>
           <a:p>
             <a:pPr marL="285750" indent="-285750">
@@ -13982,7 +13522,7 @@
               <a:buChar char="•"/>
             </a:pPr>
             <a:r>
-              <a:rPr lang="en-US" sz="3200" dirty="0" smtClean="0"/>
+              <a:rPr lang="en-US" sz="3200" dirty="0"/>
               <a:t>Exception</a:t>
             </a:r>
           </a:p>
@@ -13992,11 +13532,11 @@
               <a:buChar char="•"/>
             </a:pPr>
             <a:r>
-              <a:rPr lang="en-US" sz="3200" dirty="0" err="1" smtClean="0"/>
+              <a:rPr lang="en-US" sz="3200" dirty="0" err="1"/>
               <a:t>ExceptionDispatchInfo</a:t>
             </a:r>
             <a:r>
-              <a:rPr lang="en-US" sz="3200" dirty="0" smtClean="0"/>
+              <a:rPr lang="en-US" sz="3200" dirty="0"/>
               <a:t> – stack trace details</a:t>
             </a:r>
           </a:p>
@@ -14006,14 +13546,14 @@
               <a:buChar char="•"/>
             </a:pPr>
             <a:r>
-              <a:rPr lang="en-US" sz="3200" dirty="0" smtClean="0"/>
+              <a:rPr lang="en-US" sz="3200" dirty="0"/>
               <a:t>bool </a:t>
             </a:r>
             <a:r>
-              <a:rPr lang="en-US" sz="3200" dirty="0" err="1" smtClean="0"/>
+              <a:rPr lang="en-US" sz="3200" dirty="0" err="1"/>
               <a:t>ExceptionHandled</a:t>
             </a:r>
-            <a:endParaRPr lang="en-US" sz="3200" dirty="0" smtClean="0"/>
+            <a:endParaRPr lang="en-US" sz="3200" dirty="0"/>
           </a:p>
           <a:p>
             <a:pPr marL="285750" indent="-285750">
@@ -14021,14 +13561,13 @@
               <a:buChar char="•"/>
             </a:pPr>
             <a:r>
-              <a:rPr lang="en-US" sz="3200" dirty="0" err="1" smtClean="0"/>
+              <a:rPr lang="en-US" sz="3200" dirty="0" err="1"/>
               <a:t>IActionResult</a:t>
             </a:r>
             <a:r>
-              <a:rPr lang="en-US" sz="3200" dirty="0" smtClean="0"/>
+              <a:rPr lang="en-US" sz="3200" dirty="0"/>
               <a:t> Result – used to generate response</a:t>
             </a:r>
-            <a:endParaRPr lang="en-US" sz="3200" dirty="0"/>
           </a:p>
         </p:txBody>
       </p:sp>
@@ -14042,13 +13581,6 @@
   <p:clrMapOvr>
     <a:masterClrMapping/>
   </p:clrMapOvr>
-  <p:timing>
-    <p:tnLst>
-      <p:par>
-        <p:cTn id="1" dur="indefinite" restart="never" nodeType="tmRoot"/>
-      </p:par>
-    </p:tnLst>
-  </p:timing>
 </p:sld>
 </file>
 
@@ -14124,11 +13656,11 @@
           <a:lstStyle/>
           <a:p>
             <a:r>
-              <a:rPr lang="en-US" dirty="0" smtClean="0"/>
+              <a:rPr lang="en-US" dirty="0"/>
               <a:t>Exception </a:t>
             </a:r>
             <a:r>
-              <a:rPr lang="en-US" smtClean="0"/>
+              <a:rPr lang="en-US"/>
               <a:t>filter example</a:t>
             </a:r>
             <a:endParaRPr lang="en-US" dirty="0"/>
@@ -14169,13 +13701,6 @@
   <p:clrMapOvr>
     <a:masterClrMapping/>
   </p:clrMapOvr>
-  <p:timing>
-    <p:tnLst>
-      <p:par>
-        <p:cTn id="1" dur="indefinite" restart="never" nodeType="tmRoot"/>
-      </p:par>
-    </p:tnLst>
-  </p:timing>
 </p:sld>
 </file>
 
@@ -14251,11 +13776,11 @@
           <a:lstStyle/>
           <a:p>
             <a:r>
-              <a:rPr lang="en-US" dirty="0" smtClean="0"/>
+              <a:rPr lang="en-US" dirty="0"/>
               <a:t>Exception </a:t>
             </a:r>
             <a:r>
-              <a:rPr lang="en-US" smtClean="0"/>
+              <a:rPr lang="en-US"/>
               <a:t>filter example</a:t>
             </a:r>
             <a:endParaRPr lang="en-US" dirty="0"/>
@@ -14296,13 +13821,6 @@
   <p:clrMapOvr>
     <a:masterClrMapping/>
   </p:clrMapOvr>
-  <p:timing>
-    <p:tnLst>
-      <p:par>
-        <p:cTn id="1" dur="indefinite" restart="never" nodeType="tmRoot"/>
-      </p:par>
-    </p:tnLst>
-  </p:timing>
 </p:sld>
 </file>
 
@@ -14378,11 +13896,11 @@
           <a:lstStyle/>
           <a:p>
             <a:r>
-              <a:rPr lang="en-US" dirty="0" smtClean="0"/>
+              <a:rPr lang="en-US" dirty="0"/>
               <a:t>Exception </a:t>
             </a:r>
             <a:r>
-              <a:rPr lang="en-US" smtClean="0"/>
+              <a:rPr lang="en-US"/>
               <a:t>filter example</a:t>
             </a:r>
             <a:endParaRPr lang="en-US" dirty="0"/>
@@ -14423,13 +13941,6 @@
   <p:clrMapOvr>
     <a:masterClrMapping/>
   </p:clrMapOvr>
-  <p:timing>
-    <p:tnLst>
-      <p:par>
-        <p:cTn id="1" dur="indefinite" restart="never" nodeType="tmRoot"/>
-      </p:par>
-    </p:tnLst>
-  </p:timing>
 </p:sld>
 </file>
 
@@ -14505,11 +14016,11 @@
           <a:lstStyle/>
           <a:p>
             <a:r>
-              <a:rPr lang="en-US" dirty="0" smtClean="0"/>
+              <a:rPr lang="en-US" dirty="0"/>
               <a:t>Exception </a:t>
             </a:r>
             <a:r>
-              <a:rPr lang="en-US" smtClean="0"/>
+              <a:rPr lang="en-US"/>
               <a:t>filter example</a:t>
             </a:r>
             <a:endParaRPr lang="en-US" dirty="0"/>
@@ -14550,13 +14061,6 @@
   <p:clrMapOvr>
     <a:masterClrMapping/>
   </p:clrMapOvr>
-  <p:timing>
-    <p:tnLst>
-      <p:par>
-        <p:cTn id="1" dur="indefinite" restart="never" nodeType="tmRoot"/>
-      </p:par>
-    </p:tnLst>
-  </p:timing>
 </p:sld>
 </file>
 
@@ -14632,10 +14136,9 @@
           <a:lstStyle/>
           <a:p>
             <a:r>
-              <a:rPr lang="en-US" dirty="0" smtClean="0"/>
+              <a:rPr lang="en-US" dirty="0"/>
               <a:t>Dependency injection for filters</a:t>
             </a:r>
-            <a:endParaRPr lang="en-US" dirty="0"/>
           </a:p>
         </p:txBody>
       </p:sp>
@@ -14666,19 +14169,19 @@
               <a:buChar char="•"/>
             </a:pPr>
             <a:r>
-              <a:rPr lang="en-US" sz="3200" dirty="0" smtClean="0"/>
+              <a:rPr lang="en-US" sz="3200" dirty="0"/>
               <a:t>Type filter attribute - Inject data inside the filter</a:t>
             </a:r>
           </a:p>
           <a:p>
-            <a:endParaRPr lang="en-US" sz="3200" dirty="0" smtClean="0"/>
+            <a:endParaRPr lang="en-US" sz="3200" dirty="0"/>
           </a:p>
           <a:p>
             <a:pPr marL="285750" indent="-285750">
               <a:buFont typeface="Arial" panose="020B0604020202020204" pitchFamily="34" charset="0"/>
               <a:buChar char="•"/>
             </a:pPr>
-            <a:endParaRPr lang="en-US" sz="3200" dirty="0" smtClean="0"/>
+            <a:endParaRPr lang="en-US" sz="3200" dirty="0"/>
           </a:p>
           <a:p>
             <a:pPr marL="285750" indent="-285750">
@@ -14686,12 +14189,12 @@
               <a:buChar char="•"/>
             </a:pPr>
             <a:r>
-              <a:rPr lang="en-US" sz="3200" dirty="0" smtClean="0"/>
+              <a:rPr lang="en-US" sz="3200" dirty="0"/>
               <a:t>Service filter attribute – Create a filter object using service provider</a:t>
             </a:r>
           </a:p>
           <a:p>
-            <a:endParaRPr lang="en-US" sz="3200" dirty="0" smtClean="0"/>
+            <a:endParaRPr lang="en-US" sz="3200" dirty="0"/>
           </a:p>
           <a:p>
             <a:endParaRPr lang="en-US" sz="3200" dirty="0"/>
@@ -14708,13 +14211,6 @@
   <p:clrMapOvr>
     <a:masterClrMapping/>
   </p:clrMapOvr>
-  <p:timing>
-    <p:tnLst>
-      <p:par>
-        <p:cTn id="1" dur="indefinite" restart="never" nodeType="tmRoot"/>
-      </p:par>
-    </p:tnLst>
-  </p:timing>
 </p:sld>
 </file>
 
@@ -14790,18 +14286,17 @@
           <a:lstStyle/>
           <a:p>
             <a:r>
-              <a:rPr lang="en-US" dirty="0" smtClean="0"/>
+              <a:rPr lang="en-US" dirty="0"/>
               <a:t>Type filter attribute (</a:t>
             </a:r>
             <a:r>
-              <a:rPr lang="en-US" dirty="0" err="1" smtClean="0"/>
+              <a:rPr lang="en-US" dirty="0" err="1"/>
               <a:t>FilterDiagnostics</a:t>
             </a:r>
             <a:r>
-              <a:rPr lang="en-US" dirty="0" smtClean="0"/>
+              <a:rPr lang="en-US" dirty="0"/>
               <a:t>)</a:t>
             </a:r>
-            <a:endParaRPr lang="en-US" dirty="0"/>
           </a:p>
         </p:txBody>
       </p:sp>
@@ -14863,13 +14358,6 @@
   <p:clrMapOvr>
     <a:masterClrMapping/>
   </p:clrMapOvr>
-  <p:timing>
-    <p:tnLst>
-      <p:par>
-        <p:cTn id="1" dur="indefinite" restart="never" nodeType="tmRoot"/>
-      </p:par>
-    </p:tnLst>
-  </p:timing>
 </p:sld>
 </file>
 
@@ -14945,10 +14433,9 @@
           <a:lstStyle/>
           <a:p>
             <a:r>
-              <a:rPr lang="en-US" dirty="0" smtClean="0"/>
+              <a:rPr lang="en-US" dirty="0"/>
               <a:t>Content Middleware</a:t>
             </a:r>
-            <a:endParaRPr lang="en-US" dirty="0"/>
           </a:p>
         </p:txBody>
       </p:sp>
@@ -14986,13 +14473,6 @@
   <p:clrMapOvr>
     <a:masterClrMapping/>
   </p:clrMapOvr>
-  <p:timing>
-    <p:tnLst>
-      <p:par>
-        <p:cTn id="1" dur="indefinite" restart="never" nodeType="tmRoot"/>
-      </p:par>
-    </p:tnLst>
-  </p:timing>
 </p:sld>
 </file>
 
@@ -15068,10 +14548,9 @@
           <a:lstStyle/>
           <a:p>
             <a:r>
-              <a:rPr lang="en-US" dirty="0" smtClean="0"/>
+              <a:rPr lang="en-US" dirty="0"/>
               <a:t>Type filter attribute (Startup)</a:t>
             </a:r>
-            <a:endParaRPr lang="en-US" dirty="0"/>
           </a:p>
         </p:txBody>
       </p:sp>
@@ -15109,13 +14588,6 @@
   <p:clrMapOvr>
     <a:masterClrMapping/>
   </p:clrMapOvr>
-  <p:timing>
-    <p:tnLst>
-      <p:par>
-        <p:cTn id="1" dur="indefinite" restart="never" nodeType="tmRoot"/>
-      </p:par>
-    </p:tnLst>
-  </p:timing>
 </p:sld>
 </file>
 
@@ -15191,18 +14663,17 @@
           <a:lstStyle/>
           <a:p>
             <a:r>
-              <a:rPr lang="en-US" dirty="0" smtClean="0"/>
+              <a:rPr lang="en-US" dirty="0"/>
               <a:t>Type filter attribute (</a:t>
             </a:r>
             <a:r>
-              <a:rPr lang="en-US" dirty="0" err="1" smtClean="0"/>
+              <a:rPr lang="en-US" dirty="0" err="1"/>
               <a:t>TimeFilter</a:t>
             </a:r>
             <a:r>
-              <a:rPr lang="en-US" dirty="0" smtClean="0"/>
+              <a:rPr lang="en-US" dirty="0"/>
               <a:t>)</a:t>
             </a:r>
-            <a:endParaRPr lang="en-US" dirty="0"/>
           </a:p>
         </p:txBody>
       </p:sp>
@@ -15240,13 +14711,6 @@
   <p:clrMapOvr>
     <a:masterClrMapping/>
   </p:clrMapOvr>
-  <p:timing>
-    <p:tnLst>
-      <p:par>
-        <p:cTn id="1" dur="indefinite" restart="never" nodeType="tmRoot"/>
-      </p:par>
-    </p:tnLst>
-  </p:timing>
 </p:sld>
 </file>
 
@@ -15322,18 +14786,17 @@
           <a:lstStyle/>
           <a:p>
             <a:r>
-              <a:rPr lang="en-US" dirty="0" smtClean="0"/>
+              <a:rPr lang="en-US" dirty="0"/>
               <a:t>Type filter attribute (</a:t>
             </a:r>
             <a:r>
-              <a:rPr lang="en-US" dirty="0" err="1" smtClean="0"/>
+              <a:rPr lang="en-US" dirty="0" err="1"/>
               <a:t>TimeFilter</a:t>
             </a:r>
             <a:r>
-              <a:rPr lang="en-US" dirty="0" smtClean="0"/>
+              <a:rPr lang="en-US" dirty="0"/>
               <a:t>)</a:t>
             </a:r>
-            <a:endParaRPr lang="en-US" dirty="0"/>
           </a:p>
         </p:txBody>
       </p:sp>
@@ -15371,13 +14834,6 @@
   <p:clrMapOvr>
     <a:masterClrMapping/>
   </p:clrMapOvr>
-  <p:timing>
-    <p:tnLst>
-      <p:par>
-        <p:cTn id="1" dur="indefinite" restart="never" nodeType="tmRoot"/>
-      </p:par>
-    </p:tnLst>
-  </p:timing>
 </p:sld>
 </file>
 
@@ -15453,18 +14909,17 @@
           <a:lstStyle/>
           <a:p>
             <a:r>
-              <a:rPr lang="en-US" dirty="0" smtClean="0"/>
+              <a:rPr lang="en-US" dirty="0"/>
               <a:t>Type filter attribute (</a:t>
             </a:r>
             <a:r>
-              <a:rPr lang="en-US" dirty="0" err="1" smtClean="0"/>
+              <a:rPr lang="en-US" dirty="0" err="1"/>
               <a:t>DiagnosticsFilter</a:t>
             </a:r>
             <a:r>
-              <a:rPr lang="en-US" dirty="0" smtClean="0"/>
+              <a:rPr lang="en-US" dirty="0"/>
               <a:t>)</a:t>
             </a:r>
-            <a:endParaRPr lang="en-US" dirty="0"/>
           </a:p>
         </p:txBody>
       </p:sp>
@@ -15502,13 +14957,6 @@
   <p:clrMapOvr>
     <a:masterClrMapping/>
   </p:clrMapOvr>
-  <p:timing>
-    <p:tnLst>
-      <p:par>
-        <p:cTn id="1" dur="indefinite" restart="never" nodeType="tmRoot"/>
-      </p:par>
-    </p:tnLst>
-  </p:timing>
 </p:sld>
 </file>
 
@@ -15584,18 +15032,17 @@
           <a:lstStyle/>
           <a:p>
             <a:r>
-              <a:rPr lang="en-US" dirty="0" smtClean="0"/>
+              <a:rPr lang="en-US" dirty="0"/>
               <a:t>Type filter attribute (</a:t>
             </a:r>
             <a:r>
-              <a:rPr lang="en-US" dirty="0" err="1" smtClean="0"/>
+              <a:rPr lang="en-US" dirty="0" err="1"/>
               <a:t>DiagnosticsFilter</a:t>
             </a:r>
             <a:r>
-              <a:rPr lang="en-US" dirty="0" smtClean="0"/>
+              <a:rPr lang="en-US" dirty="0"/>
               <a:t>)</a:t>
             </a:r>
-            <a:endParaRPr lang="en-US" dirty="0"/>
           </a:p>
         </p:txBody>
       </p:sp>
@@ -15633,13 +15080,6 @@
   <p:clrMapOvr>
     <a:masterClrMapping/>
   </p:clrMapOvr>
-  <p:timing>
-    <p:tnLst>
-      <p:par>
-        <p:cTn id="1" dur="indefinite" restart="never" nodeType="tmRoot"/>
-      </p:par>
-    </p:tnLst>
-  </p:timing>
 </p:sld>
 </file>
 
@@ -15715,18 +15155,17 @@
           <a:lstStyle/>
           <a:p>
             <a:r>
-              <a:rPr lang="en-US" dirty="0" smtClean="0"/>
+              <a:rPr lang="en-US" dirty="0"/>
               <a:t>Type filter attribute (</a:t>
             </a:r>
             <a:r>
-              <a:rPr lang="en-US" dirty="0" err="1" smtClean="0"/>
+              <a:rPr lang="en-US" dirty="0" err="1"/>
               <a:t>HomeController</a:t>
             </a:r>
             <a:r>
-              <a:rPr lang="en-US" dirty="0" smtClean="0"/>
+              <a:rPr lang="en-US" dirty="0"/>
               <a:t>)</a:t>
             </a:r>
-            <a:endParaRPr lang="en-US" dirty="0"/>
           </a:p>
         </p:txBody>
       </p:sp>
@@ -15764,13 +15203,6 @@
   <p:clrMapOvr>
     <a:masterClrMapping/>
   </p:clrMapOvr>
-  <p:timing>
-    <p:tnLst>
-      <p:par>
-        <p:cTn id="1" dur="indefinite" restart="never" nodeType="tmRoot"/>
-      </p:par>
-    </p:tnLst>
-  </p:timing>
 </p:sld>
 </file>
 
@@ -15846,10 +15278,9 @@
           <a:lstStyle/>
           <a:p>
             <a:r>
-              <a:rPr lang="en-US" dirty="0" smtClean="0"/>
+              <a:rPr lang="en-US" dirty="0"/>
               <a:t>Type filter attribute (Demo)</a:t>
             </a:r>
-            <a:endParaRPr lang="en-US" dirty="0"/>
           </a:p>
         </p:txBody>
       </p:sp>
@@ -15887,13 +15318,6 @@
   <p:clrMapOvr>
     <a:masterClrMapping/>
   </p:clrMapOvr>
-  <p:timing>
-    <p:tnLst>
-      <p:par>
-        <p:cTn id="1" dur="indefinite" restart="never" nodeType="tmRoot"/>
-      </p:par>
-    </p:tnLst>
-  </p:timing>
 </p:sld>
 </file>
 
@@ -15969,11 +15393,11 @@
           <a:lstStyle/>
           <a:p>
             <a:r>
-              <a:rPr lang="en-US" dirty="0" smtClean="0"/>
+              <a:rPr lang="en-US" dirty="0"/>
               <a:t>Service filter attribute (</a:t>
             </a:r>
             <a:r>
-              <a:rPr lang="en-US" dirty="0" err="1" smtClean="0"/>
+              <a:rPr lang="en-US" dirty="0" err="1"/>
               <a:t>ServiceTimeFilter</a:t>
             </a:r>
             <a:r>
@@ -16017,13 +15441,6 @@
   <p:clrMapOvr>
     <a:masterClrMapping/>
   </p:clrMapOvr>
-  <p:timing>
-    <p:tnLst>
-      <p:par>
-        <p:cTn id="1" dur="indefinite" restart="never" nodeType="tmRoot"/>
-      </p:par>
-    </p:tnLst>
-  </p:timing>
 </p:sld>
 </file>
 
@@ -16099,11 +15516,11 @@
           <a:lstStyle/>
           <a:p>
             <a:r>
-              <a:rPr lang="en-US" dirty="0" smtClean="0"/>
+              <a:rPr lang="en-US" dirty="0"/>
               <a:t>Service filter attribute (</a:t>
             </a:r>
             <a:r>
-              <a:rPr lang="en-US" dirty="0" err="1" smtClean="0"/>
+              <a:rPr lang="en-US" dirty="0" err="1"/>
               <a:t>ServiceTimeFilter</a:t>
             </a:r>
             <a:r>
@@ -16147,13 +15564,6 @@
   <p:clrMapOvr>
     <a:masterClrMapping/>
   </p:clrMapOvr>
-  <p:timing>
-    <p:tnLst>
-      <p:par>
-        <p:cTn id="1" dur="indefinite" restart="never" nodeType="tmRoot"/>
-      </p:par>
-    </p:tnLst>
-  </p:timing>
 </p:sld>
 </file>
 
@@ -16229,10 +15639,9 @@
           <a:lstStyle/>
           <a:p>
             <a:r>
-              <a:rPr lang="en-US" dirty="0" smtClean="0"/>
+              <a:rPr lang="en-US" dirty="0"/>
               <a:t>Service filter attribute (Startup)</a:t>
             </a:r>
-            <a:endParaRPr lang="en-US" dirty="0"/>
           </a:p>
         </p:txBody>
       </p:sp>
@@ -16270,13 +15679,6 @@
   <p:clrMapOvr>
     <a:masterClrMapping/>
   </p:clrMapOvr>
-  <p:timing>
-    <p:tnLst>
-      <p:par>
-        <p:cTn id="1" dur="indefinite" restart="never" nodeType="tmRoot"/>
-      </p:par>
-    </p:tnLst>
-  </p:timing>
 </p:sld>
 </file>
 
@@ -16352,10 +15754,9 @@
           <a:lstStyle/>
           <a:p>
             <a:r>
-              <a:rPr lang="en-US" dirty="0" smtClean="0"/>
+              <a:rPr lang="en-US" dirty="0"/>
               <a:t>Content Middleware</a:t>
             </a:r>
-            <a:endParaRPr lang="en-US" dirty="0"/>
           </a:p>
         </p:txBody>
       </p:sp>
@@ -16393,13 +15794,6 @@
   <p:clrMapOvr>
     <a:masterClrMapping/>
   </p:clrMapOvr>
-  <p:timing>
-    <p:tnLst>
-      <p:par>
-        <p:cTn id="1" dur="indefinite" restart="never" nodeType="tmRoot"/>
-      </p:par>
-    </p:tnLst>
-  </p:timing>
 </p:sld>
 </file>
 
@@ -16475,18 +15869,17 @@
           <a:lstStyle/>
           <a:p>
             <a:r>
-              <a:rPr lang="en-US" dirty="0" smtClean="0"/>
+              <a:rPr lang="en-US" dirty="0"/>
               <a:t>Service filter attribute (</a:t>
             </a:r>
             <a:r>
-              <a:rPr lang="en-US" dirty="0" err="1" smtClean="0"/>
+              <a:rPr lang="en-US" dirty="0" err="1"/>
               <a:t>HomeController</a:t>
             </a:r>
             <a:r>
-              <a:rPr lang="en-US" dirty="0" smtClean="0"/>
+              <a:rPr lang="en-US" dirty="0"/>
               <a:t>)</a:t>
             </a:r>
-            <a:endParaRPr lang="en-US" dirty="0"/>
           </a:p>
         </p:txBody>
       </p:sp>
@@ -16524,13 +15917,6 @@
   <p:clrMapOvr>
     <a:masterClrMapping/>
   </p:clrMapOvr>
-  <p:timing>
-    <p:tnLst>
-      <p:par>
-        <p:cTn id="1" dur="indefinite" restart="never" nodeType="tmRoot"/>
-      </p:par>
-    </p:tnLst>
-  </p:timing>
 </p:sld>
 </file>
 
@@ -16606,10 +15992,9 @@
           <a:lstStyle/>
           <a:p>
             <a:r>
-              <a:rPr lang="en-US" dirty="0" smtClean="0"/>
+              <a:rPr lang="en-US" dirty="0"/>
               <a:t>Service filter attribute (Demo)</a:t>
             </a:r>
-            <a:endParaRPr lang="en-US" dirty="0"/>
           </a:p>
         </p:txBody>
       </p:sp>
@@ -16647,13 +16032,6 @@
   <p:clrMapOvr>
     <a:masterClrMapping/>
   </p:clrMapOvr>
-  <p:timing>
-    <p:tnLst>
-      <p:par>
-        <p:cTn id="1" dur="indefinite" restart="never" nodeType="tmRoot"/>
-      </p:par>
-    </p:tnLst>
-  </p:timing>
 </p:sld>
 </file>
 
@@ -16729,10 +16107,9 @@
           <a:lstStyle/>
           <a:p>
             <a:r>
-              <a:rPr lang="en-US" dirty="0" smtClean="0"/>
+              <a:rPr lang="en-US" dirty="0"/>
               <a:t>Global filters</a:t>
             </a:r>
-            <a:endParaRPr lang="en-US" dirty="0"/>
           </a:p>
         </p:txBody>
       </p:sp>
@@ -16770,13 +16147,6 @@
   <p:clrMapOvr>
     <a:masterClrMapping/>
   </p:clrMapOvr>
-  <p:timing>
-    <p:tnLst>
-      <p:par>
-        <p:cTn id="1" dur="indefinite" restart="never" nodeType="tmRoot"/>
-      </p:par>
-    </p:tnLst>
-  </p:timing>
 </p:sld>
 </file>
 
@@ -16852,10 +16222,9 @@
           <a:lstStyle/>
           <a:p>
             <a:r>
-              <a:rPr lang="en-US" dirty="0" smtClean="0"/>
+              <a:rPr lang="en-US" dirty="0"/>
               <a:t>Global filters</a:t>
             </a:r>
-            <a:endParaRPr lang="en-US" dirty="0"/>
           </a:p>
         </p:txBody>
       </p:sp>
@@ -16917,13 +16286,6 @@
   <p:clrMapOvr>
     <a:masterClrMapping/>
   </p:clrMapOvr>
-  <p:timing>
-    <p:tnLst>
-      <p:par>
-        <p:cTn id="1" dur="indefinite" restart="never" nodeType="tmRoot"/>
-      </p:par>
-    </p:tnLst>
-  </p:timing>
 </p:sld>
 </file>
 
@@ -16999,10 +16361,9 @@
           <a:lstStyle/>
           <a:p>
             <a:r>
-              <a:rPr lang="en-US" dirty="0" smtClean="0"/>
+              <a:rPr lang="en-US" dirty="0"/>
               <a:t>Filter order</a:t>
             </a:r>
-            <a:endParaRPr lang="en-US" dirty="0"/>
           </a:p>
         </p:txBody>
       </p:sp>
@@ -17040,13 +16401,6 @@
   <p:clrMapOvr>
     <a:masterClrMapping/>
   </p:clrMapOvr>
-  <p:timing>
-    <p:tnLst>
-      <p:par>
-        <p:cTn id="1" dur="indefinite" restart="never" nodeType="tmRoot"/>
-      </p:par>
-    </p:tnLst>
-  </p:timing>
 </p:sld>
 </file>
 
@@ -17122,10 +16476,9 @@
           <a:lstStyle/>
           <a:p>
             <a:r>
-              <a:rPr lang="en-US" dirty="0" smtClean="0"/>
+              <a:rPr lang="en-US" dirty="0"/>
               <a:t>Filter order</a:t>
             </a:r>
-            <a:endParaRPr lang="en-US" dirty="0"/>
           </a:p>
         </p:txBody>
       </p:sp>
@@ -17163,13 +16516,6 @@
   <p:clrMapOvr>
     <a:masterClrMapping/>
   </p:clrMapOvr>
-  <p:timing>
-    <p:tnLst>
-      <p:par>
-        <p:cTn id="1" dur="indefinite" restart="never" nodeType="tmRoot"/>
-      </p:par>
-    </p:tnLst>
-  </p:timing>
 </p:sld>
 </file>
 
@@ -17245,10 +16591,9 @@
           <a:lstStyle/>
           <a:p>
             <a:r>
-              <a:rPr lang="en-US" dirty="0" smtClean="0"/>
+              <a:rPr lang="en-US" dirty="0"/>
               <a:t>Filter order</a:t>
             </a:r>
-            <a:endParaRPr lang="en-US" dirty="0"/>
           </a:p>
         </p:txBody>
       </p:sp>
@@ -17286,13 +16631,6 @@
   <p:clrMapOvr>
     <a:masterClrMapping/>
   </p:clrMapOvr>
-  <p:timing>
-    <p:tnLst>
-      <p:par>
-        <p:cTn id="1" dur="indefinite" restart="never" nodeType="tmRoot"/>
-      </p:par>
-    </p:tnLst>
-  </p:timing>
 </p:sld>
 </file>
 
@@ -17368,10 +16706,9 @@
           <a:lstStyle/>
           <a:p>
             <a:r>
-              <a:rPr lang="en-US" dirty="0" smtClean="0"/>
+              <a:rPr lang="en-US" dirty="0"/>
               <a:t>Filter order</a:t>
             </a:r>
-            <a:endParaRPr lang="en-US" dirty="0"/>
           </a:p>
         </p:txBody>
       </p:sp>
@@ -17409,13 +16746,6 @@
   <p:clrMapOvr>
     <a:masterClrMapping/>
   </p:clrMapOvr>
-  <p:timing>
-    <p:tnLst>
-      <p:par>
-        <p:cTn id="1" dur="indefinite" restart="never" nodeType="tmRoot"/>
-      </p:par>
-    </p:tnLst>
-  </p:timing>
 </p:sld>
 </file>
 
@@ -17491,10 +16821,9 @@
           <a:lstStyle/>
           <a:p>
             <a:r>
-              <a:rPr lang="en-US" dirty="0" smtClean="0"/>
+              <a:rPr lang="en-US" dirty="0"/>
               <a:t>Changing filter order</a:t>
             </a:r>
-            <a:endParaRPr lang="en-US" dirty="0"/>
           </a:p>
         </p:txBody>
       </p:sp>
@@ -17536,13 +16865,7 @@
               <a:rPr lang="en-US" sz="2800" dirty="0">
                 <a:latin typeface="Consolas" panose="020B0609020204030204" pitchFamily="49" charset="0"/>
               </a:rPr>
-              <a:t> </a:t>
-            </a:r>
-            <a:r>
-              <a:rPr lang="en-US" sz="2800" dirty="0" smtClean="0">
-                <a:latin typeface="Consolas" panose="020B0609020204030204" pitchFamily="49" charset="0"/>
-              </a:rPr>
-              <a:t>{</a:t>
+              <a:t> {</a:t>
             </a:r>
           </a:p>
           <a:p>
@@ -17552,16 +16875,10 @@
           </a:p>
           <a:p>
             <a:r>
-              <a:rPr lang="en-US" sz="2800" dirty="0" smtClean="0">
-                <a:latin typeface="Consolas" panose="020B0609020204030204" pitchFamily="49" charset="0"/>
-              </a:rPr>
-              <a:t>	public </a:t>
-            </a:r>
-            <a:r>
               <a:rPr lang="en-US" sz="2800" dirty="0">
                 <a:latin typeface="Consolas" panose="020B0609020204030204" pitchFamily="49" charset="0"/>
               </a:rPr>
-              <a:t>interface </a:t>
+              <a:t>	public interface </a:t>
             </a:r>
             <a:r>
               <a:rPr lang="en-US" sz="2800" dirty="0" err="1">
@@ -17587,57 +16904,42 @@
               </a:rPr>
               <a:t> </a:t>
             </a:r>
-            <a:endParaRPr lang="en-US" sz="2800" dirty="0" smtClean="0">
-              <a:latin typeface="Consolas" panose="020B0609020204030204" pitchFamily="49" charset="0"/>
-            </a:endParaRPr>
-          </a:p>
-          <a:p>
-            <a:r>
-              <a:rPr lang="en-US" sz="2800" dirty="0" smtClean="0">
+          </a:p>
+          <a:p>
+            <a:r>
+              <a:rPr lang="en-US" sz="2800" dirty="0">
                 <a:latin typeface="Consolas" panose="020B0609020204030204" pitchFamily="49" charset="0"/>
               </a:rPr>
               <a:t>	{</a:t>
             </a:r>
-            <a:endParaRPr lang="en-US" sz="2800" dirty="0">
-              <a:latin typeface="Consolas" panose="020B0609020204030204" pitchFamily="49" charset="0"/>
-            </a:endParaRPr>
-          </a:p>
-          <a:p>
-            <a:r>
-              <a:rPr lang="en-US" sz="2800" dirty="0" smtClean="0">
+          </a:p>
+          <a:p>
+            <a:r>
+              <a:rPr lang="en-US" sz="2800" dirty="0">
                 <a:latin typeface="Consolas" panose="020B0609020204030204" pitchFamily="49" charset="0"/>
               </a:rPr>
               <a:t>		</a:t>
             </a:r>
             <a:r>
-              <a:rPr lang="en-US" sz="2800" dirty="0" err="1" smtClean="0">
+              <a:rPr lang="en-US" sz="2800" dirty="0" err="1">
                 <a:latin typeface="Consolas" panose="020B0609020204030204" pitchFamily="49" charset="0"/>
               </a:rPr>
               <a:t>int</a:t>
             </a:r>
             <a:r>
-              <a:rPr lang="en-US" sz="2800" dirty="0" smtClean="0">
-                <a:latin typeface="Consolas" panose="020B0609020204030204" pitchFamily="49" charset="0"/>
-              </a:rPr>
-              <a:t> </a:t>
-            </a:r>
-            <a:r>
               <a:rPr lang="en-US" sz="2800" dirty="0">
                 <a:latin typeface="Consolas" panose="020B0609020204030204" pitchFamily="49" charset="0"/>
               </a:rPr>
-              <a:t>Order { get; }</a:t>
-            </a:r>
-          </a:p>
-          <a:p>
-            <a:r>
-              <a:rPr lang="en-US" sz="2800" dirty="0" smtClean="0">
+              <a:t> Order { get; }</a:t>
+            </a:r>
+          </a:p>
+          <a:p>
+            <a:r>
+              <a:rPr lang="en-US" sz="2800" dirty="0">
                 <a:latin typeface="Consolas" panose="020B0609020204030204" pitchFamily="49" charset="0"/>
               </a:rPr>
               <a:t>	}</a:t>
             </a:r>
-            <a:endParaRPr lang="en-US" sz="2800" dirty="0">
-              <a:latin typeface="Consolas" panose="020B0609020204030204" pitchFamily="49" charset="0"/>
-            </a:endParaRPr>
           </a:p>
           <a:p>
             <a:r>
@@ -17646,9 +16948,6 @@
               </a:rPr>
               <a:t>}</a:t>
             </a:r>
-            <a:endParaRPr lang="en-US" sz="2800" dirty="0">
-              <a:latin typeface="Consolas" panose="020B0609020204030204" pitchFamily="49" charset="0"/>
-            </a:endParaRPr>
           </a:p>
         </p:txBody>
       </p:sp>
@@ -17662,13 +16961,6 @@
   <p:clrMapOvr>
     <a:masterClrMapping/>
   </p:clrMapOvr>
-  <p:timing>
-    <p:tnLst>
-      <p:par>
-        <p:cTn id="1" dur="indefinite" restart="never" nodeType="tmRoot"/>
-      </p:par>
-    </p:tnLst>
-  </p:timing>
 </p:sld>
 </file>
 
@@ -17744,10 +17036,9 @@
           <a:lstStyle/>
           <a:p>
             <a:r>
-              <a:rPr lang="en-US" dirty="0" smtClean="0"/>
+              <a:rPr lang="en-US" dirty="0"/>
               <a:t>Changing filter order</a:t>
             </a:r>
-            <a:endParaRPr lang="en-US" dirty="0"/>
           </a:p>
         </p:txBody>
       </p:sp>
@@ -17785,13 +17076,6 @@
   <p:clrMapOvr>
     <a:masterClrMapping/>
   </p:clrMapOvr>
-  <p:timing>
-    <p:tnLst>
-      <p:par>
-        <p:cTn id="1" dur="indefinite" restart="never" nodeType="tmRoot"/>
-      </p:par>
-    </p:tnLst>
-  </p:timing>
 </p:sld>
 </file>
 
@@ -17867,10 +17151,9 @@
           <a:lstStyle/>
           <a:p>
             <a:r>
-              <a:rPr lang="en-US" dirty="0" smtClean="0"/>
+              <a:rPr lang="en-US" dirty="0"/>
               <a:t>Content Middleware</a:t>
             </a:r>
-            <a:endParaRPr lang="en-US" dirty="0"/>
           </a:p>
         </p:txBody>
       </p:sp>
@@ -17908,13 +17191,6 @@
   <p:clrMapOvr>
     <a:masterClrMapping/>
   </p:clrMapOvr>
-  <p:timing>
-    <p:tnLst>
-      <p:par>
-        <p:cTn id="1" dur="indefinite" restart="never" nodeType="tmRoot"/>
-      </p:par>
-    </p:tnLst>
-  </p:timing>
 </p:sld>
 </file>
 
@@ -17990,10 +17266,9 @@
           <a:lstStyle/>
           <a:p>
             <a:r>
-              <a:rPr lang="en-US" dirty="0" smtClean="0"/>
+              <a:rPr lang="en-US" dirty="0"/>
               <a:t>Changing filter order</a:t>
             </a:r>
-            <a:endParaRPr lang="en-US" dirty="0"/>
           </a:p>
         </p:txBody>
       </p:sp>
@@ -18031,13 +17306,6 @@
   <p:clrMapOvr>
     <a:masterClrMapping/>
   </p:clrMapOvr>
-  <p:timing>
-    <p:tnLst>
-      <p:par>
-        <p:cTn id="1" dur="indefinite" restart="never" nodeType="tmRoot"/>
-      </p:par>
-    </p:tnLst>
-  </p:timing>
 </p:sld>
 </file>
 
@@ -18104,92 +17372,61 @@
         </p:nvSpPr>
         <p:spPr>
           <a:xfrm>
-            <a:off x="723130" y="784994"/>
-            <a:ext cx="10515600" cy="4689683"/>
+            <a:off x="291226" y="738102"/>
+            <a:ext cx="11609547" cy="4689683"/>
           </a:xfrm>
         </p:spPr>
         <p:txBody>
           <a:bodyPr>
-            <a:normAutofit/>
+            <a:normAutofit fontScale="90000"/>
           </a:bodyPr>
           <a:lstStyle/>
           <a:p>
             <a:pPr algn="ctr"/>
             <a:r>
-              <a:rPr lang="en-US" dirty="0" smtClean="0"/>
+              <a:rPr lang="en-US" dirty="0"/>
               <a:t>Thanks for attention</a:t>
-            </a:r>
-            <a:br>
-              <a:rPr lang="en-US" dirty="0" smtClean="0"/>
-            </a:br>
-            <a:r>
-              <a:rPr lang="en-US" dirty="0"/>
-              <a:t/>
             </a:r>
             <a:br>
               <a:rPr lang="en-US" dirty="0"/>
             </a:br>
-            <a:r>
-              <a:rPr lang="en-US" dirty="0" smtClean="0"/>
-              <a:t>Evgeniy </a:t>
-            </a:r>
-            <a:r>
-              <a:rPr lang="en-US" dirty="0" err="1" smtClean="0"/>
-              <a:t>Pilyaev</a:t>
-            </a:r>
-            <a:r>
-              <a:rPr lang="en-US" dirty="0" smtClean="0"/>
-              <a:t/>
-            </a:r>
             <a:br>
-              <a:rPr lang="en-US" dirty="0" smtClean="0"/>
+              <a:rPr lang="en-US" dirty="0"/>
             </a:br>
             <a:r>
-              <a:rPr lang="en-US" dirty="0" smtClean="0"/>
-              <a:t/>
+              <a:rPr lang="en-US" dirty="0"/>
+              <a:t>Evgeniy Pilyaev</a:t>
             </a:r>
             <a:br>
-              <a:rPr lang="en-US" dirty="0" smtClean="0"/>
+              <a:rPr lang="en-US" dirty="0"/>
+            </a:br>
+            <a:br>
+              <a:rPr lang="en-US" dirty="0"/>
             </a:br>
             <a:r>
               <a:rPr lang="en-US" dirty="0">
                 <a:hlinkClick r:id="rId3"/>
               </a:rPr>
-              <a:t>https://</a:t>
-            </a:r>
-            <a:r>
-              <a:rPr lang="en-US" dirty="0" smtClean="0">
-                <a:hlinkClick r:id="rId3"/>
-              </a:rPr>
-              <a:t>github.com/EPilyaev/ASPNetCoreMVC</a:t>
-            </a:r>
-            <a:r>
-              <a:rPr lang="en-US" dirty="0" smtClean="0"/>
-              <a:t/>
+              <a:t>https://github.com/EPilyaev/ASPNetCorePresentations</a:t>
             </a:r>
             <a:br>
-              <a:rPr lang="en-US" dirty="0" smtClean="0"/>
+              <a:rPr lang="en-US" dirty="0"/>
             </a:br>
-            <a:r>
-              <a:rPr lang="en-US" dirty="0" smtClean="0"/>
-              <a:t/>
-            </a:r>
             <a:br>
-              <a:rPr lang="en-US" dirty="0" smtClean="0"/>
+              <a:rPr lang="en-US" dirty="0"/>
             </a:br>
             <a:r>
-              <a:rPr lang="en-US" dirty="0" smtClean="0"/>
+              <a:rPr lang="en-US" dirty="0"/>
               <a:t>(</a:t>
             </a:r>
             <a:r>
-              <a:rPr lang="en-US" dirty="0" err="1" smtClean="0"/>
+              <a:rPr lang="en-US" dirty="0" err="1"/>
               <a:t>Middleware&amp;Filters</a:t>
             </a:r>
             <a:r>
-              <a:rPr lang="en-US" dirty="0" smtClean="0"/>
+              <a:rPr lang="en-US" dirty="0"/>
               <a:t> presentation)</a:t>
             </a:r>
-            <a:endParaRPr lang="en-US" dirty="0"/>
           </a:p>
         </p:txBody>
       </p:sp>
@@ -18203,13 +17440,6 @@
   <p:clrMapOvr>
     <a:masterClrMapping/>
   </p:clrMapOvr>
-  <p:timing>
-    <p:tnLst>
-      <p:par>
-        <p:cTn id="1" dur="indefinite" restart="never" nodeType="tmRoot"/>
-      </p:par>
-    </p:tnLst>
-  </p:timing>
 </p:sld>
 </file>
 
@@ -18280,10 +17510,9 @@
           <a:lstStyle/>
           <a:p>
             <a:r>
-              <a:rPr lang="en-US" dirty="0" smtClean="0"/>
+              <a:rPr lang="en-US" dirty="0"/>
               <a:t>Short-Circuiting Middleware</a:t>
             </a:r>
-            <a:endParaRPr lang="en-US" dirty="0"/>
           </a:p>
         </p:txBody>
       </p:sp>
@@ -18321,13 +17550,6 @@
   <p:clrMapOvr>
     <a:masterClrMapping/>
   </p:clrMapOvr>
-  <p:timing>
-    <p:tnLst>
-      <p:par>
-        <p:cTn id="1" dur="indefinite" restart="never" nodeType="tmRoot"/>
-      </p:par>
-    </p:tnLst>
-  </p:timing>
 </p:sld>
 </file>
 
@@ -18398,10 +17620,9 @@
           <a:lstStyle/>
           <a:p>
             <a:r>
-              <a:rPr lang="en-US" dirty="0" smtClean="0"/>
+              <a:rPr lang="en-US" dirty="0"/>
               <a:t>Short-Circuiting Middleware</a:t>
             </a:r>
-            <a:endParaRPr lang="en-US" dirty="0"/>
           </a:p>
         </p:txBody>
       </p:sp>
@@ -18439,13 +17660,6 @@
   <p:clrMapOvr>
     <a:masterClrMapping/>
   </p:clrMapOvr>
-  <p:timing>
-    <p:tnLst>
-      <p:par>
-        <p:cTn id="1" dur="indefinite" restart="never" nodeType="tmRoot"/>
-      </p:par>
-    </p:tnLst>
-  </p:timing>
 </p:sld>
 </file>
 
